--- a/docs/media/diagrams.pptx
+++ b/docs/media/diagrams.pptx
@@ -5,7 +5,12 @@
     <p:sldMasterId id="2147483648" r:id="rId1"/>
   </p:sldMasterIdLst>
   <p:sldIdLst>
-    <p:sldId id="256" r:id="rId2"/>
+    <p:sldId id="258" r:id="rId2"/>
+    <p:sldId id="256" r:id="rId3"/>
+    <p:sldId id="260" r:id="rId4"/>
+    <p:sldId id="261" r:id="rId5"/>
+    <p:sldId id="259" r:id="rId6"/>
+    <p:sldId id="257" r:id="rId7"/>
   </p:sldIdLst>
   <p:sldSz cx="12192000" cy="6858000"/>
   <p:notesSz cx="6858000" cy="9144000"/>
@@ -104,6 +109,11 @@
       </a:defRPr>
     </a:lvl9pPr>
   </p:defaultTextStyle>
+  <p:extLst>
+    <p:ext uri="{EFAFB233-063F-42B5-8137-9DF3F51BA10A}">
+      <p15:sldGuideLst xmlns:p15="http://schemas.microsoft.com/office/powerpoint/2012/main"/>
+    </p:ext>
+  </p:extLst>
 </p:presentation>
 </file>
 
@@ -256,7 +266,7 @@
           <a:p>
             <a:fld id="{D1E208DD-E6C2-46E4-BECD-30A08E7B1E40}" type="datetimeFigureOut">
               <a:rPr lang="en-AU" smtClean="0"/>
-              <a:t>9/11/2020</a:t>
+              <a:t>10/11/2020</a:t>
             </a:fld>
             <a:endParaRPr lang="en-AU"/>
           </a:p>
@@ -456,7 +466,7 @@
           <a:p>
             <a:fld id="{D1E208DD-E6C2-46E4-BECD-30A08E7B1E40}" type="datetimeFigureOut">
               <a:rPr lang="en-AU" smtClean="0"/>
-              <a:t>9/11/2020</a:t>
+              <a:t>10/11/2020</a:t>
             </a:fld>
             <a:endParaRPr lang="en-AU"/>
           </a:p>
@@ -666,7 +676,7 @@
           <a:p>
             <a:fld id="{D1E208DD-E6C2-46E4-BECD-30A08E7B1E40}" type="datetimeFigureOut">
               <a:rPr lang="en-AU" smtClean="0"/>
-              <a:t>9/11/2020</a:t>
+              <a:t>10/11/2020</a:t>
             </a:fld>
             <a:endParaRPr lang="en-AU"/>
           </a:p>
@@ -866,7 +876,7 @@
           <a:p>
             <a:fld id="{D1E208DD-E6C2-46E4-BECD-30A08E7B1E40}" type="datetimeFigureOut">
               <a:rPr lang="en-AU" smtClean="0"/>
-              <a:t>9/11/2020</a:t>
+              <a:t>10/11/2020</a:t>
             </a:fld>
             <a:endParaRPr lang="en-AU"/>
           </a:p>
@@ -1142,7 +1152,7 @@
           <a:p>
             <a:fld id="{D1E208DD-E6C2-46E4-BECD-30A08E7B1E40}" type="datetimeFigureOut">
               <a:rPr lang="en-AU" smtClean="0"/>
-              <a:t>9/11/2020</a:t>
+              <a:t>10/11/2020</a:t>
             </a:fld>
             <a:endParaRPr lang="en-AU"/>
           </a:p>
@@ -1410,7 +1420,7 @@
           <a:p>
             <a:fld id="{D1E208DD-E6C2-46E4-BECD-30A08E7B1E40}" type="datetimeFigureOut">
               <a:rPr lang="en-AU" smtClean="0"/>
-              <a:t>9/11/2020</a:t>
+              <a:t>10/11/2020</a:t>
             </a:fld>
             <a:endParaRPr lang="en-AU"/>
           </a:p>
@@ -1825,7 +1835,7 @@
           <a:p>
             <a:fld id="{D1E208DD-E6C2-46E4-BECD-30A08E7B1E40}" type="datetimeFigureOut">
               <a:rPr lang="en-AU" smtClean="0"/>
-              <a:t>9/11/2020</a:t>
+              <a:t>10/11/2020</a:t>
             </a:fld>
             <a:endParaRPr lang="en-AU"/>
           </a:p>
@@ -1967,7 +1977,7 @@
           <a:p>
             <a:fld id="{D1E208DD-E6C2-46E4-BECD-30A08E7B1E40}" type="datetimeFigureOut">
               <a:rPr lang="en-AU" smtClean="0"/>
-              <a:t>9/11/2020</a:t>
+              <a:t>10/11/2020</a:t>
             </a:fld>
             <a:endParaRPr lang="en-AU"/>
           </a:p>
@@ -2080,7 +2090,7 @@
           <a:p>
             <a:fld id="{D1E208DD-E6C2-46E4-BECD-30A08E7B1E40}" type="datetimeFigureOut">
               <a:rPr lang="en-AU" smtClean="0"/>
-              <a:t>9/11/2020</a:t>
+              <a:t>10/11/2020</a:t>
             </a:fld>
             <a:endParaRPr lang="en-AU"/>
           </a:p>
@@ -2393,7 +2403,7 @@
           <a:p>
             <a:fld id="{D1E208DD-E6C2-46E4-BECD-30A08E7B1E40}" type="datetimeFigureOut">
               <a:rPr lang="en-AU" smtClean="0"/>
-              <a:t>9/11/2020</a:t>
+              <a:t>10/11/2020</a:t>
             </a:fld>
             <a:endParaRPr lang="en-AU"/>
           </a:p>
@@ -2682,7 +2692,7 @@
           <a:p>
             <a:fld id="{D1E208DD-E6C2-46E4-BECD-30A08E7B1E40}" type="datetimeFigureOut">
               <a:rPr lang="en-AU" smtClean="0"/>
-              <a:t>9/11/2020</a:t>
+              <a:t>10/11/2020</a:t>
             </a:fld>
             <a:endParaRPr lang="en-AU"/>
           </a:p>
@@ -2925,7 +2935,7 @@
           <a:p>
             <a:fld id="{D1E208DD-E6C2-46E4-BECD-30A08E7B1E40}" type="datetimeFigureOut">
               <a:rPr lang="en-AU" smtClean="0"/>
-              <a:t>9/11/2020</a:t>
+              <a:t>10/11/2020</a:t>
             </a:fld>
             <a:endParaRPr lang="en-AU"/>
           </a:p>
@@ -3344,10 +3354,581 @@
       </p:grpSpPr>
       <p:sp>
         <p:nvSpPr>
-          <p:cNvPr id="4" name="Rectangle 3">
-            <a:extLst>
-              <a:ext uri="{FF2B5EF4-FFF2-40B4-BE49-F238E27FC236}">
-                <a16:creationId xmlns:a16="http://schemas.microsoft.com/office/drawing/2014/main" id="{589DA172-3642-4BF3-AE4B-FCC867C442BD}"/>
+          <p:cNvPr id="2" name="Title 1">
+            <a:extLst>
+              <a:ext uri="{FF2B5EF4-FFF2-40B4-BE49-F238E27FC236}">
+                <a16:creationId xmlns:a16="http://schemas.microsoft.com/office/drawing/2014/main" id="{178B7317-B84C-490C-A8CC-49C4E33A7A55}"/>
+              </a:ext>
+            </a:extLst>
+          </p:cNvPr>
+          <p:cNvSpPr>
+            <a:spLocks noGrp="1"/>
+          </p:cNvSpPr>
+          <p:nvPr>
+            <p:ph type="ctrTitle"/>
+          </p:nvPr>
+        </p:nvSpPr>
+        <p:spPr/>
+        <p:txBody>
+          <a:bodyPr/>
+          <a:lstStyle/>
+          <a:p>
+            <a:r>
+              <a:rPr lang="en-US" dirty="0"/>
+              <a:t>Diagrams in Progress</a:t>
+            </a:r>
+            <a:endParaRPr lang="en-AU" dirty="0"/>
+          </a:p>
+        </p:txBody>
+      </p:sp>
+      <p:sp>
+        <p:nvSpPr>
+          <p:cNvPr id="3" name="Subtitle 2">
+            <a:extLst>
+              <a:ext uri="{FF2B5EF4-FFF2-40B4-BE49-F238E27FC236}">
+                <a16:creationId xmlns:a16="http://schemas.microsoft.com/office/drawing/2014/main" id="{08C43EE4-CE0F-47AD-A44B-FE1EF0F00C8A}"/>
+              </a:ext>
+            </a:extLst>
+          </p:cNvPr>
+          <p:cNvSpPr>
+            <a:spLocks noGrp="1"/>
+          </p:cNvSpPr>
+          <p:nvPr>
+            <p:ph type="subTitle" idx="1"/>
+          </p:nvPr>
+        </p:nvSpPr>
+        <p:spPr/>
+        <p:txBody>
+          <a:bodyPr/>
+          <a:lstStyle/>
+          <a:p>
+            <a:endParaRPr lang="en-AU"/>
+          </a:p>
+        </p:txBody>
+      </p:sp>
+    </p:spTree>
+    <p:extLst>
+      <p:ext uri="{BB962C8B-B14F-4D97-AF65-F5344CB8AC3E}">
+        <p14:creationId xmlns:p14="http://schemas.microsoft.com/office/powerpoint/2010/main" val="1535064836"/>
+      </p:ext>
+    </p:extLst>
+  </p:cSld>
+  <p:clrMapOvr>
+    <a:masterClrMapping/>
+  </p:clrMapOvr>
+</p:sld>
+</file>
+
+<file path=ppt/slides/slide2.xml><?xml version="1.0" encoding="utf-8"?>
+<p:sld xmlns:a="http://schemas.openxmlformats.org/drawingml/2006/main" xmlns:r="http://schemas.openxmlformats.org/officeDocument/2006/relationships" xmlns:p="http://schemas.openxmlformats.org/presentationml/2006/main">
+  <p:cSld>
+    <p:spTree>
+      <p:nvGrpSpPr>
+        <p:cNvPr id="1" name=""/>
+        <p:cNvGrpSpPr/>
+        <p:nvPr/>
+      </p:nvGrpSpPr>
+      <p:grpSpPr>
+        <a:xfrm>
+          <a:off x="0" y="0"/>
+          <a:ext cx="0" cy="0"/>
+          <a:chOff x="0" y="0"/>
+          <a:chExt cx="0" cy="0"/>
+        </a:xfrm>
+      </p:grpSpPr>
+      <p:cxnSp>
+        <p:nvCxnSpPr>
+          <p:cNvPr id="71" name="Straight Arrow Connector 70">
+            <a:extLst>
+              <a:ext uri="{FF2B5EF4-FFF2-40B4-BE49-F238E27FC236}">
+                <a16:creationId xmlns:a16="http://schemas.microsoft.com/office/drawing/2014/main" id="{DB3E5D1B-86A9-44EB-B85E-0CA37E4C6059}"/>
+              </a:ext>
+            </a:extLst>
+          </p:cNvPr>
+          <p:cNvCxnSpPr>
+            <a:stCxn id="6" idx="2"/>
+            <a:endCxn id="59" idx="0"/>
+          </p:cNvCxnSpPr>
+          <p:nvPr/>
+        </p:nvCxnSpPr>
+        <p:spPr>
+          <a:xfrm>
+            <a:off x="2618188" y="3103093"/>
+            <a:ext cx="1121018" cy="2346543"/>
+          </a:xfrm>
+          <a:prstGeom prst="straightConnector1">
+            <a:avLst/>
+          </a:prstGeom>
+          <a:ln w="31750">
+            <a:solidFill>
+              <a:schemeClr val="accent6">
+                <a:lumMod val="75000"/>
+              </a:schemeClr>
+            </a:solidFill>
+            <a:prstDash val="dash"/>
+            <a:tailEnd type="triangle"/>
+          </a:ln>
+        </p:spPr>
+        <p:style>
+          <a:lnRef idx="1">
+            <a:schemeClr val="accent1"/>
+          </a:lnRef>
+          <a:fillRef idx="0">
+            <a:schemeClr val="accent1"/>
+          </a:fillRef>
+          <a:effectRef idx="0">
+            <a:schemeClr val="accent1"/>
+          </a:effectRef>
+          <a:fontRef idx="minor">
+            <a:schemeClr val="tx1"/>
+          </a:fontRef>
+        </p:style>
+      </p:cxnSp>
+      <p:cxnSp>
+        <p:nvCxnSpPr>
+          <p:cNvPr id="72" name="Straight Arrow Connector 71">
+            <a:extLst>
+              <a:ext uri="{FF2B5EF4-FFF2-40B4-BE49-F238E27FC236}">
+                <a16:creationId xmlns:a16="http://schemas.microsoft.com/office/drawing/2014/main" id="{C29FDA87-6FB8-4009-8765-C0A5ECD2F5B1}"/>
+              </a:ext>
+            </a:extLst>
+          </p:cNvPr>
+          <p:cNvCxnSpPr>
+            <a:cxnSpLocks/>
+            <a:stCxn id="23" idx="2"/>
+            <a:endCxn id="59" idx="0"/>
+          </p:cNvCxnSpPr>
+          <p:nvPr/>
+        </p:nvCxnSpPr>
+        <p:spPr>
+          <a:xfrm>
+            <a:off x="1087918" y="4327140"/>
+            <a:ext cx="2651288" cy="1122496"/>
+          </a:xfrm>
+          <a:prstGeom prst="straightConnector1">
+            <a:avLst/>
+          </a:prstGeom>
+          <a:ln w="31750">
+            <a:solidFill>
+              <a:schemeClr val="accent6">
+                <a:lumMod val="75000"/>
+              </a:schemeClr>
+            </a:solidFill>
+            <a:prstDash val="dash"/>
+            <a:tailEnd type="triangle"/>
+          </a:ln>
+        </p:spPr>
+        <p:style>
+          <a:lnRef idx="1">
+            <a:schemeClr val="accent1"/>
+          </a:lnRef>
+          <a:fillRef idx="0">
+            <a:schemeClr val="accent1"/>
+          </a:fillRef>
+          <a:effectRef idx="0">
+            <a:schemeClr val="accent1"/>
+          </a:effectRef>
+          <a:fontRef idx="minor">
+            <a:schemeClr val="tx1"/>
+          </a:fontRef>
+        </p:style>
+      </p:cxnSp>
+      <p:cxnSp>
+        <p:nvCxnSpPr>
+          <p:cNvPr id="80" name="Straight Arrow Connector 79">
+            <a:extLst>
+              <a:ext uri="{FF2B5EF4-FFF2-40B4-BE49-F238E27FC236}">
+                <a16:creationId xmlns:a16="http://schemas.microsoft.com/office/drawing/2014/main" id="{626BD533-8AB4-40B0-966F-8832738B9EE8}"/>
+              </a:ext>
+            </a:extLst>
+          </p:cNvPr>
+          <p:cNvCxnSpPr>
+            <a:stCxn id="35" idx="2"/>
+            <a:endCxn id="61" idx="0"/>
+          </p:cNvCxnSpPr>
+          <p:nvPr/>
+        </p:nvCxnSpPr>
+        <p:spPr>
+          <a:xfrm flipH="1">
+            <a:off x="4528499" y="3936362"/>
+            <a:ext cx="4666052" cy="1513274"/>
+          </a:xfrm>
+          <a:prstGeom prst="straightConnector1">
+            <a:avLst/>
+          </a:prstGeom>
+          <a:ln w="31750">
+            <a:solidFill>
+              <a:schemeClr val="accent6">
+                <a:lumMod val="75000"/>
+              </a:schemeClr>
+            </a:solidFill>
+            <a:prstDash val="dash"/>
+            <a:tailEnd type="triangle"/>
+          </a:ln>
+        </p:spPr>
+        <p:style>
+          <a:lnRef idx="1">
+            <a:schemeClr val="accent1"/>
+          </a:lnRef>
+          <a:fillRef idx="0">
+            <a:schemeClr val="accent1"/>
+          </a:fillRef>
+          <a:effectRef idx="0">
+            <a:schemeClr val="accent1"/>
+          </a:effectRef>
+          <a:fontRef idx="minor">
+            <a:schemeClr val="tx1"/>
+          </a:fontRef>
+        </p:style>
+      </p:cxnSp>
+      <p:cxnSp>
+        <p:nvCxnSpPr>
+          <p:cNvPr id="86" name="Straight Arrow Connector 85">
+            <a:extLst>
+              <a:ext uri="{FF2B5EF4-FFF2-40B4-BE49-F238E27FC236}">
+                <a16:creationId xmlns:a16="http://schemas.microsoft.com/office/drawing/2014/main" id="{C12CCCB0-438C-450E-BA29-DE084FB1D3CD}"/>
+              </a:ext>
+            </a:extLst>
+          </p:cNvPr>
+          <p:cNvCxnSpPr>
+            <a:stCxn id="53" idx="2"/>
+            <a:endCxn id="61" idx="0"/>
+          </p:cNvCxnSpPr>
+          <p:nvPr/>
+        </p:nvCxnSpPr>
+        <p:spPr>
+          <a:xfrm flipH="1">
+            <a:off x="4528499" y="4733423"/>
+            <a:ext cx="5149980" cy="716213"/>
+          </a:xfrm>
+          <a:prstGeom prst="straightConnector1">
+            <a:avLst/>
+          </a:prstGeom>
+          <a:ln w="31750">
+            <a:solidFill>
+              <a:schemeClr val="accent6">
+                <a:lumMod val="75000"/>
+              </a:schemeClr>
+            </a:solidFill>
+            <a:prstDash val="dash"/>
+            <a:tailEnd type="triangle"/>
+          </a:ln>
+        </p:spPr>
+        <p:style>
+          <a:lnRef idx="1">
+            <a:schemeClr val="accent1"/>
+          </a:lnRef>
+          <a:fillRef idx="0">
+            <a:schemeClr val="accent1"/>
+          </a:fillRef>
+          <a:effectRef idx="0">
+            <a:schemeClr val="accent1"/>
+          </a:effectRef>
+          <a:fontRef idx="minor">
+            <a:schemeClr val="tx1"/>
+          </a:fontRef>
+        </p:style>
+      </p:cxnSp>
+      <p:cxnSp>
+        <p:nvCxnSpPr>
+          <p:cNvPr id="76" name="Straight Arrow Connector 75">
+            <a:extLst>
+              <a:ext uri="{FF2B5EF4-FFF2-40B4-BE49-F238E27FC236}">
+                <a16:creationId xmlns:a16="http://schemas.microsoft.com/office/drawing/2014/main" id="{D3774586-04AD-4E15-A981-0CA6ED346827}"/>
+              </a:ext>
+            </a:extLst>
+          </p:cNvPr>
+          <p:cNvCxnSpPr>
+            <a:stCxn id="23" idx="0"/>
+            <a:endCxn id="65" idx="4"/>
+          </p:cNvCxnSpPr>
+          <p:nvPr/>
+        </p:nvCxnSpPr>
+        <p:spPr>
+          <a:xfrm flipV="1">
+            <a:off x="1087918" y="1631900"/>
+            <a:ext cx="6213178" cy="2092031"/>
+          </a:xfrm>
+          <a:prstGeom prst="straightConnector1">
+            <a:avLst/>
+          </a:prstGeom>
+          <a:ln w="19050">
+            <a:solidFill>
+              <a:schemeClr val="accent2">
+                <a:lumMod val="50000"/>
+                <a:alpha val="30000"/>
+              </a:schemeClr>
+            </a:solidFill>
+            <a:prstDash val="dash"/>
+            <a:tailEnd type="triangle"/>
+          </a:ln>
+        </p:spPr>
+        <p:style>
+          <a:lnRef idx="1">
+            <a:schemeClr val="dk1"/>
+          </a:lnRef>
+          <a:fillRef idx="0">
+            <a:schemeClr val="dk1"/>
+          </a:fillRef>
+          <a:effectRef idx="0">
+            <a:schemeClr val="dk1"/>
+          </a:effectRef>
+          <a:fontRef idx="minor">
+            <a:schemeClr val="tx1"/>
+          </a:fontRef>
+        </p:style>
+      </p:cxnSp>
+      <p:cxnSp>
+        <p:nvCxnSpPr>
+          <p:cNvPr id="78" name="Straight Arrow Connector 77">
+            <a:extLst>
+              <a:ext uri="{FF2B5EF4-FFF2-40B4-BE49-F238E27FC236}">
+                <a16:creationId xmlns:a16="http://schemas.microsoft.com/office/drawing/2014/main" id="{8A42E9DA-5B79-4D90-A751-149E9592A127}"/>
+              </a:ext>
+            </a:extLst>
+          </p:cNvPr>
+          <p:cNvCxnSpPr>
+            <a:stCxn id="21" idx="0"/>
+            <a:endCxn id="65" idx="4"/>
+          </p:cNvCxnSpPr>
+          <p:nvPr/>
+        </p:nvCxnSpPr>
+        <p:spPr>
+          <a:xfrm flipV="1">
+            <a:off x="2788190" y="1631900"/>
+            <a:ext cx="4512906" cy="1809005"/>
+          </a:xfrm>
+          <a:prstGeom prst="straightConnector1">
+            <a:avLst/>
+          </a:prstGeom>
+          <a:ln w="19050">
+            <a:solidFill>
+              <a:schemeClr val="accent2">
+                <a:lumMod val="50000"/>
+                <a:alpha val="30000"/>
+              </a:schemeClr>
+            </a:solidFill>
+            <a:prstDash val="dash"/>
+            <a:tailEnd type="triangle"/>
+          </a:ln>
+        </p:spPr>
+        <p:style>
+          <a:lnRef idx="1">
+            <a:schemeClr val="dk1"/>
+          </a:lnRef>
+          <a:fillRef idx="0">
+            <a:schemeClr val="dk1"/>
+          </a:fillRef>
+          <a:effectRef idx="0">
+            <a:schemeClr val="dk1"/>
+          </a:effectRef>
+          <a:fontRef idx="minor">
+            <a:schemeClr val="tx1"/>
+          </a:fontRef>
+        </p:style>
+      </p:cxnSp>
+      <p:cxnSp>
+        <p:nvCxnSpPr>
+          <p:cNvPr id="88" name="Straight Arrow Connector 87">
+            <a:extLst>
+              <a:ext uri="{FF2B5EF4-FFF2-40B4-BE49-F238E27FC236}">
+                <a16:creationId xmlns:a16="http://schemas.microsoft.com/office/drawing/2014/main" id="{E620B776-8781-40EE-8AAC-07FB1D515049}"/>
+              </a:ext>
+            </a:extLst>
+          </p:cNvPr>
+          <p:cNvCxnSpPr>
+            <a:stCxn id="24" idx="0"/>
+            <a:endCxn id="67" idx="4"/>
+          </p:cNvCxnSpPr>
+          <p:nvPr/>
+        </p:nvCxnSpPr>
+        <p:spPr>
+          <a:xfrm flipV="1">
+            <a:off x="5140206" y="1631900"/>
+            <a:ext cx="2772408" cy="1713131"/>
+          </a:xfrm>
+          <a:prstGeom prst="straightConnector1">
+            <a:avLst/>
+          </a:prstGeom>
+          <a:ln w="19050">
+            <a:solidFill>
+              <a:schemeClr val="accent2">
+                <a:lumMod val="50000"/>
+                <a:alpha val="30000"/>
+              </a:schemeClr>
+            </a:solidFill>
+            <a:prstDash val="dash"/>
+            <a:tailEnd type="triangle"/>
+          </a:ln>
+        </p:spPr>
+        <p:style>
+          <a:lnRef idx="1">
+            <a:schemeClr val="dk1"/>
+          </a:lnRef>
+          <a:fillRef idx="0">
+            <a:schemeClr val="dk1"/>
+          </a:fillRef>
+          <a:effectRef idx="0">
+            <a:schemeClr val="dk1"/>
+          </a:effectRef>
+          <a:fontRef idx="minor">
+            <a:schemeClr val="tx1"/>
+          </a:fontRef>
+        </p:style>
+      </p:cxnSp>
+      <p:cxnSp>
+        <p:nvCxnSpPr>
+          <p:cNvPr id="90" name="Straight Arrow Connector 89">
+            <a:extLst>
+              <a:ext uri="{FF2B5EF4-FFF2-40B4-BE49-F238E27FC236}">
+                <a16:creationId xmlns:a16="http://schemas.microsoft.com/office/drawing/2014/main" id="{31F66451-7FE7-4E21-902C-7393C4BB71EE}"/>
+              </a:ext>
+            </a:extLst>
+          </p:cNvPr>
+          <p:cNvCxnSpPr>
+            <a:stCxn id="29" idx="0"/>
+            <a:endCxn id="67" idx="4"/>
+          </p:cNvCxnSpPr>
+          <p:nvPr/>
+        </p:nvCxnSpPr>
+        <p:spPr>
+          <a:xfrm flipV="1">
+            <a:off x="6693693" y="1631900"/>
+            <a:ext cx="1218921" cy="1169588"/>
+          </a:xfrm>
+          <a:prstGeom prst="straightConnector1">
+            <a:avLst/>
+          </a:prstGeom>
+          <a:ln w="19050">
+            <a:solidFill>
+              <a:schemeClr val="accent2">
+                <a:lumMod val="50000"/>
+                <a:alpha val="30000"/>
+              </a:schemeClr>
+            </a:solidFill>
+            <a:prstDash val="dash"/>
+            <a:tailEnd type="triangle"/>
+          </a:ln>
+        </p:spPr>
+        <p:style>
+          <a:lnRef idx="1">
+            <a:schemeClr val="dk1"/>
+          </a:lnRef>
+          <a:fillRef idx="0">
+            <a:schemeClr val="dk1"/>
+          </a:fillRef>
+          <a:effectRef idx="0">
+            <a:schemeClr val="dk1"/>
+          </a:effectRef>
+          <a:fontRef idx="minor">
+            <a:schemeClr val="tx1"/>
+          </a:fontRef>
+        </p:style>
+      </p:cxnSp>
+      <p:cxnSp>
+        <p:nvCxnSpPr>
+          <p:cNvPr id="94" name="Straight Arrow Connector 93">
+            <a:extLst>
+              <a:ext uri="{FF2B5EF4-FFF2-40B4-BE49-F238E27FC236}">
+                <a16:creationId xmlns:a16="http://schemas.microsoft.com/office/drawing/2014/main" id="{94D7C9D9-8134-4EBA-9EE5-381014BB15D3}"/>
+              </a:ext>
+            </a:extLst>
+          </p:cNvPr>
+          <p:cNvCxnSpPr>
+            <a:stCxn id="51" idx="0"/>
+            <a:endCxn id="69" idx="4"/>
+          </p:cNvCxnSpPr>
+          <p:nvPr/>
+        </p:nvCxnSpPr>
+        <p:spPr>
+          <a:xfrm flipH="1" flipV="1">
+            <a:off x="8492669" y="1631900"/>
+            <a:ext cx="2476905" cy="848121"/>
+          </a:xfrm>
+          <a:prstGeom prst="straightConnector1">
+            <a:avLst/>
+          </a:prstGeom>
+          <a:ln w="19050">
+            <a:solidFill>
+              <a:schemeClr val="accent2">
+                <a:lumMod val="50000"/>
+                <a:alpha val="30000"/>
+              </a:schemeClr>
+            </a:solidFill>
+            <a:prstDash val="dash"/>
+            <a:tailEnd type="triangle"/>
+          </a:ln>
+        </p:spPr>
+        <p:style>
+          <a:lnRef idx="1">
+            <a:schemeClr val="dk1"/>
+          </a:lnRef>
+          <a:fillRef idx="0">
+            <a:schemeClr val="dk1"/>
+          </a:fillRef>
+          <a:effectRef idx="0">
+            <a:schemeClr val="dk1"/>
+          </a:effectRef>
+          <a:fontRef idx="minor">
+            <a:schemeClr val="tx1"/>
+          </a:fontRef>
+        </p:style>
+      </p:cxnSp>
+      <p:cxnSp>
+        <p:nvCxnSpPr>
+          <p:cNvPr id="96" name="Straight Arrow Connector 95">
+            <a:extLst>
+              <a:ext uri="{FF2B5EF4-FFF2-40B4-BE49-F238E27FC236}">
+                <a16:creationId xmlns:a16="http://schemas.microsoft.com/office/drawing/2014/main" id="{8BA5A299-7247-4752-BE24-43AE4A46681F}"/>
+              </a:ext>
+            </a:extLst>
+          </p:cNvPr>
+          <p:cNvCxnSpPr>
+            <a:stCxn id="49" idx="0"/>
+            <a:endCxn id="69" idx="4"/>
+          </p:cNvCxnSpPr>
+          <p:nvPr/>
+        </p:nvCxnSpPr>
+        <p:spPr>
+          <a:xfrm flipH="1" flipV="1">
+            <a:off x="8492669" y="1631900"/>
+            <a:ext cx="2371619" cy="1715338"/>
+          </a:xfrm>
+          <a:prstGeom prst="straightConnector1">
+            <a:avLst/>
+          </a:prstGeom>
+          <a:ln w="19050">
+            <a:solidFill>
+              <a:schemeClr val="accent2">
+                <a:lumMod val="50000"/>
+                <a:alpha val="30000"/>
+              </a:schemeClr>
+            </a:solidFill>
+            <a:prstDash val="dash"/>
+            <a:tailEnd type="triangle"/>
+          </a:ln>
+        </p:spPr>
+        <p:style>
+          <a:lnRef idx="1">
+            <a:schemeClr val="dk1"/>
+          </a:lnRef>
+          <a:fillRef idx="0">
+            <a:schemeClr val="dk1"/>
+          </a:fillRef>
+          <a:effectRef idx="0">
+            <a:schemeClr val="dk1"/>
+          </a:effectRef>
+          <a:fontRef idx="minor">
+            <a:schemeClr val="tx1"/>
+          </a:fontRef>
+        </p:style>
+      </p:cxnSp>
+      <p:sp>
+        <p:nvSpPr>
+          <p:cNvPr id="6" name="Rectangle 5">
+            <a:extLst>
+              <a:ext uri="{FF2B5EF4-FFF2-40B4-BE49-F238E27FC236}">
+                <a16:creationId xmlns:a16="http://schemas.microsoft.com/office/drawing/2014/main" id="{8F8B0C78-FE37-4D26-B788-3B6ABBF2E9C3}"/>
               </a:ext>
             </a:extLst>
           </p:cNvPr>
@@ -3356,8 +3937,8 @@
         </p:nvSpPr>
         <p:spPr>
           <a:xfrm>
-            <a:off x="1905491" y="2078047"/>
-            <a:ext cx="2224057" cy="955696"/>
+            <a:off x="1916306" y="2499884"/>
+            <a:ext cx="1403764" cy="603209"/>
           </a:xfrm>
           <a:prstGeom prst="rect">
             <a:avLst/>
@@ -3395,19 +3976,23 @@
           <a:p>
             <a:pPr algn="ctr"/>
             <a:r>
-              <a:rPr lang="en-US" dirty="0"/>
-              <a:t>Models</a:t>
-            </a:r>
-            <a:endParaRPr lang="en-AU" dirty="0"/>
-          </a:p>
-        </p:txBody>
-      </p:sp>
-      <p:sp>
-        <p:nvSpPr>
-          <p:cNvPr id="6" name="Rectangle 5">
-            <a:extLst>
-              <a:ext uri="{FF2B5EF4-FFF2-40B4-BE49-F238E27FC236}">
-                <a16:creationId xmlns:a16="http://schemas.microsoft.com/office/drawing/2014/main" id="{8F8B0C78-FE37-4D26-B788-3B6ABBF2E9C3}"/>
+              <a:rPr lang="en-US" dirty="0">
+                <a:latin typeface="Consolas" panose="020B0609020204030204" pitchFamily="49" charset="0"/>
+              </a:rPr>
+              <a:t>Model 1</a:t>
+            </a:r>
+            <a:endParaRPr lang="en-AU" dirty="0">
+              <a:latin typeface="Consolas" panose="020B0609020204030204" pitchFamily="49" charset="0"/>
+            </a:endParaRPr>
+          </a:p>
+        </p:txBody>
+      </p:sp>
+      <p:sp>
+        <p:nvSpPr>
+          <p:cNvPr id="39" name="Rectangle 38">
+            <a:extLst>
+              <a:ext uri="{FF2B5EF4-FFF2-40B4-BE49-F238E27FC236}">
+                <a16:creationId xmlns:a16="http://schemas.microsoft.com/office/drawing/2014/main" id="{EAA56939-CBD7-4F87-95C3-E91AE981EF81}"/>
               </a:ext>
             </a:extLst>
           </p:cNvPr>
@@ -3416,14 +4001,24 @@
         </p:nvSpPr>
         <p:spPr>
           <a:xfrm>
-            <a:off x="5054763" y="2078047"/>
+            <a:off x="3074449" y="5611868"/>
             <a:ext cx="2224057" cy="955696"/>
           </a:xfrm>
           <a:prstGeom prst="rect">
             <a:avLst/>
           </a:prstGeom>
+          <a:solidFill>
+            <a:schemeClr val="accent6">
+              <a:lumMod val="50000"/>
+            </a:schemeClr>
+          </a:solidFill>
           <a:ln>
-            <a:noFill/>
+            <a:solidFill>
+              <a:schemeClr val="accent6">
+                <a:lumMod val="60000"/>
+                <a:lumOff val="40000"/>
+              </a:schemeClr>
+            </a:solidFill>
           </a:ln>
           <a:effectLst>
             <a:outerShdw blurRad="50800" dist="38100" dir="2700000" algn="tl" rotWithShape="0">
@@ -3456,7 +4051,7 @@
             <a:pPr algn="ctr"/>
             <a:r>
               <a:rPr lang="en-US" dirty="0"/>
-              <a:t>Pipelines</a:t>
+              <a:t>Pipeline A</a:t>
             </a:r>
             <a:endParaRPr lang="en-AU" dirty="0"/>
           </a:p>
@@ -3464,10 +4059,10 @@
       </p:sp>
       <p:sp>
         <p:nvSpPr>
-          <p:cNvPr id="8" name="Rectangle 7">
-            <a:extLst>
-              <a:ext uri="{FF2B5EF4-FFF2-40B4-BE49-F238E27FC236}">
-                <a16:creationId xmlns:a16="http://schemas.microsoft.com/office/drawing/2014/main" id="{C2F48EDE-85DA-46C7-A955-366AE43E3C98}"/>
+          <p:cNvPr id="43" name="Rectangle 42">
+            <a:extLst>
+              <a:ext uri="{FF2B5EF4-FFF2-40B4-BE49-F238E27FC236}">
+                <a16:creationId xmlns:a16="http://schemas.microsoft.com/office/drawing/2014/main" id="{8E1C559A-A72A-4A34-A0A5-F4EC57BD3BF5}"/>
               </a:ext>
             </a:extLst>
           </p:cNvPr>
@@ -3476,8 +4071,64 @@
         </p:nvSpPr>
         <p:spPr>
           <a:xfrm>
-            <a:off x="8204035" y="2078047"/>
-            <a:ext cx="2224057" cy="955696"/>
+            <a:off x="310291" y="2380502"/>
+            <a:ext cx="1438214" cy="954107"/>
+          </a:xfrm>
+          <a:prstGeom prst="rect">
+            <a:avLst/>
+          </a:prstGeom>
+          <a:noFill/>
+        </p:spPr>
+        <p:txBody>
+          <a:bodyPr wrap="none" lIns="91440" tIns="45720" rIns="91440" bIns="45720">
+            <a:spAutoFit/>
+          </a:bodyPr>
+          <a:lstStyle/>
+          <a:p>
+            <a:pPr algn="ctr"/>
+            <a:r>
+              <a:rPr lang="en-US" sz="2800" b="0" cap="none" spc="0" dirty="0">
+                <a:ln w="0"/>
+                <a:solidFill>
+                  <a:schemeClr val="tx1"/>
+                </a:solidFill>
+              </a:rPr>
+              <a:t>Metric</a:t>
+            </a:r>
+          </a:p>
+          <a:p>
+            <a:pPr algn="ctr"/>
+            <a:r>
+              <a:rPr lang="en-US" sz="2800" dirty="0">
+                <a:ln w="0"/>
+              </a:rPr>
+              <a:t>Learning</a:t>
+            </a:r>
+            <a:endParaRPr lang="en-US" sz="2800" b="0" cap="none" spc="0" dirty="0">
+              <a:ln w="0"/>
+              <a:solidFill>
+                <a:schemeClr val="tx1"/>
+              </a:solidFill>
+            </a:endParaRPr>
+          </a:p>
+        </p:txBody>
+      </p:sp>
+      <p:sp>
+        <p:nvSpPr>
+          <p:cNvPr id="21" name="Rectangle 20">
+            <a:extLst>
+              <a:ext uri="{FF2B5EF4-FFF2-40B4-BE49-F238E27FC236}">
+                <a16:creationId xmlns:a16="http://schemas.microsoft.com/office/drawing/2014/main" id="{A881BFA0-2AD9-4667-8114-C4D52E0D5314}"/>
+              </a:ext>
+            </a:extLst>
+          </p:cNvPr>
+          <p:cNvSpPr/>
+          <p:nvPr/>
+        </p:nvSpPr>
+        <p:spPr>
+          <a:xfrm>
+            <a:off x="2086308" y="3440905"/>
+            <a:ext cx="1403764" cy="603209"/>
           </a:xfrm>
           <a:prstGeom prst="rect">
             <a:avLst/>
@@ -3515,8 +4166,5044 @@
           <a:p>
             <a:pPr algn="ctr"/>
             <a:r>
+              <a:rPr lang="en-US" dirty="0">
+                <a:latin typeface="Consolas" panose="020B0609020204030204" pitchFamily="49" charset="0"/>
+              </a:rPr>
+              <a:t>Model 2</a:t>
+            </a:r>
+            <a:endParaRPr lang="en-AU" dirty="0">
+              <a:latin typeface="Consolas" panose="020B0609020204030204" pitchFamily="49" charset="0"/>
+            </a:endParaRPr>
+          </a:p>
+        </p:txBody>
+      </p:sp>
+      <p:sp>
+        <p:nvSpPr>
+          <p:cNvPr id="23" name="Rectangle 22">
+            <a:extLst>
+              <a:ext uri="{FF2B5EF4-FFF2-40B4-BE49-F238E27FC236}">
+                <a16:creationId xmlns:a16="http://schemas.microsoft.com/office/drawing/2014/main" id="{9B77F37B-B27F-4800-BA3E-D53FD0D7A605}"/>
+              </a:ext>
+            </a:extLst>
+          </p:cNvPr>
+          <p:cNvSpPr/>
+          <p:nvPr/>
+        </p:nvSpPr>
+        <p:spPr>
+          <a:xfrm>
+            <a:off x="386036" y="3723931"/>
+            <a:ext cx="1403764" cy="603209"/>
+          </a:xfrm>
+          <a:prstGeom prst="rect">
+            <a:avLst/>
+          </a:prstGeom>
+          <a:ln>
+            <a:noFill/>
+          </a:ln>
+          <a:effectLst>
+            <a:outerShdw blurRad="50800" dist="38100" dir="2700000" algn="tl" rotWithShape="0">
+              <a:prstClr val="black">
+                <a:alpha val="40000"/>
+              </a:prstClr>
+            </a:outerShdw>
+          </a:effectLst>
+        </p:spPr>
+        <p:style>
+          <a:lnRef idx="2">
+            <a:schemeClr val="accent1">
+              <a:shade val="50000"/>
+            </a:schemeClr>
+          </a:lnRef>
+          <a:fillRef idx="1">
+            <a:schemeClr val="accent1"/>
+          </a:fillRef>
+          <a:effectRef idx="0">
+            <a:schemeClr val="accent1"/>
+          </a:effectRef>
+          <a:fontRef idx="minor">
+            <a:schemeClr val="lt1"/>
+          </a:fontRef>
+        </p:style>
+        <p:txBody>
+          <a:bodyPr rtlCol="0" anchor="ctr"/>
+          <a:lstStyle/>
+          <a:p>
+            <a:pPr algn="ctr"/>
+            <a:r>
+              <a:rPr lang="en-US" dirty="0">
+                <a:latin typeface="Consolas" panose="020B0609020204030204" pitchFamily="49" charset="0"/>
+              </a:rPr>
+              <a:t>Config 1</a:t>
+            </a:r>
+            <a:endParaRPr lang="en-AU" dirty="0">
+              <a:latin typeface="Consolas" panose="020B0609020204030204" pitchFamily="49" charset="0"/>
+            </a:endParaRPr>
+          </a:p>
+        </p:txBody>
+      </p:sp>
+      <p:sp>
+        <p:nvSpPr>
+          <p:cNvPr id="24" name="Rectangle 23">
+            <a:extLst>
+              <a:ext uri="{FF2B5EF4-FFF2-40B4-BE49-F238E27FC236}">
+                <a16:creationId xmlns:a16="http://schemas.microsoft.com/office/drawing/2014/main" id="{2C2D4AD2-3CD9-43AF-A269-F8A4C1B65032}"/>
+              </a:ext>
+            </a:extLst>
+          </p:cNvPr>
+          <p:cNvSpPr/>
+          <p:nvPr/>
+        </p:nvSpPr>
+        <p:spPr>
+          <a:xfrm>
+            <a:off x="4438324" y="3345031"/>
+            <a:ext cx="1403764" cy="603209"/>
+          </a:xfrm>
+          <a:prstGeom prst="rect">
+            <a:avLst/>
+          </a:prstGeom>
+          <a:ln>
+            <a:noFill/>
+          </a:ln>
+          <a:effectLst>
+            <a:outerShdw blurRad="50800" dist="38100" dir="2700000" algn="tl" rotWithShape="0">
+              <a:prstClr val="black">
+                <a:alpha val="40000"/>
+              </a:prstClr>
+            </a:outerShdw>
+          </a:effectLst>
+        </p:spPr>
+        <p:style>
+          <a:lnRef idx="2">
+            <a:schemeClr val="accent1">
+              <a:shade val="50000"/>
+            </a:schemeClr>
+          </a:lnRef>
+          <a:fillRef idx="1">
+            <a:schemeClr val="accent1"/>
+          </a:fillRef>
+          <a:effectRef idx="0">
+            <a:schemeClr val="accent1"/>
+          </a:effectRef>
+          <a:fontRef idx="minor">
+            <a:schemeClr val="lt1"/>
+          </a:fontRef>
+        </p:style>
+        <p:txBody>
+          <a:bodyPr rtlCol="0" anchor="ctr"/>
+          <a:lstStyle/>
+          <a:p>
+            <a:pPr algn="ctr"/>
+            <a:r>
+              <a:rPr lang="en-US" dirty="0">
+                <a:latin typeface="Consolas" panose="020B0609020204030204" pitchFamily="49" charset="0"/>
+              </a:rPr>
+              <a:t>Model 1</a:t>
+            </a:r>
+            <a:endParaRPr lang="en-AU" dirty="0">
+              <a:latin typeface="Consolas" panose="020B0609020204030204" pitchFamily="49" charset="0"/>
+            </a:endParaRPr>
+          </a:p>
+        </p:txBody>
+      </p:sp>
+      <p:sp>
+        <p:nvSpPr>
+          <p:cNvPr id="26" name="Rectangle 25">
+            <a:extLst>
+              <a:ext uri="{FF2B5EF4-FFF2-40B4-BE49-F238E27FC236}">
+                <a16:creationId xmlns:a16="http://schemas.microsoft.com/office/drawing/2014/main" id="{C054095F-711B-4F14-8C13-D20F36511DD6}"/>
+              </a:ext>
+            </a:extLst>
+          </p:cNvPr>
+          <p:cNvSpPr/>
+          <p:nvPr/>
+        </p:nvSpPr>
+        <p:spPr>
+          <a:xfrm>
+            <a:off x="4341677" y="2377458"/>
+            <a:ext cx="1254767" cy="707886"/>
+          </a:xfrm>
+          <a:prstGeom prst="rect">
+            <a:avLst/>
+          </a:prstGeom>
+          <a:noFill/>
+        </p:spPr>
+        <p:txBody>
+          <a:bodyPr wrap="none" lIns="91440" tIns="45720" rIns="91440" bIns="45720">
+            <a:spAutoFit/>
+          </a:bodyPr>
+          <a:lstStyle/>
+          <a:p>
+            <a:pPr algn="ctr"/>
+            <a:r>
+              <a:rPr lang="en-US" sz="4000" dirty="0">
+                <a:ln w="0"/>
+              </a:rPr>
+              <a:t>Filter</a:t>
+            </a:r>
+            <a:endParaRPr lang="en-US" sz="4000" b="0" cap="none" spc="0" dirty="0">
+              <a:ln w="0"/>
+              <a:solidFill>
+                <a:schemeClr val="tx1"/>
+              </a:solidFill>
+            </a:endParaRPr>
+          </a:p>
+        </p:txBody>
+      </p:sp>
+      <p:sp>
+        <p:nvSpPr>
+          <p:cNvPr id="29" name="Rectangle 28">
+            <a:extLst>
+              <a:ext uri="{FF2B5EF4-FFF2-40B4-BE49-F238E27FC236}">
+                <a16:creationId xmlns:a16="http://schemas.microsoft.com/office/drawing/2014/main" id="{90AAF65B-FDC4-400B-9E43-629EA255D211}"/>
+              </a:ext>
+            </a:extLst>
+          </p:cNvPr>
+          <p:cNvSpPr/>
+          <p:nvPr/>
+        </p:nvSpPr>
+        <p:spPr>
+          <a:xfrm>
+            <a:off x="5991811" y="2801488"/>
+            <a:ext cx="1403764" cy="603209"/>
+          </a:xfrm>
+          <a:prstGeom prst="rect">
+            <a:avLst/>
+          </a:prstGeom>
+          <a:ln>
+            <a:noFill/>
+          </a:ln>
+          <a:effectLst>
+            <a:outerShdw blurRad="50800" dist="38100" dir="2700000" algn="tl" rotWithShape="0">
+              <a:prstClr val="black">
+                <a:alpha val="40000"/>
+              </a:prstClr>
+            </a:outerShdw>
+          </a:effectLst>
+        </p:spPr>
+        <p:style>
+          <a:lnRef idx="2">
+            <a:schemeClr val="accent1">
+              <a:shade val="50000"/>
+            </a:schemeClr>
+          </a:lnRef>
+          <a:fillRef idx="1">
+            <a:schemeClr val="accent1"/>
+          </a:fillRef>
+          <a:effectRef idx="0">
+            <a:schemeClr val="accent1"/>
+          </a:effectRef>
+          <a:fontRef idx="minor">
+            <a:schemeClr val="lt1"/>
+          </a:fontRef>
+        </p:style>
+        <p:txBody>
+          <a:bodyPr rtlCol="0" anchor="ctr"/>
+          <a:lstStyle/>
+          <a:p>
+            <a:pPr algn="ctr"/>
+            <a:r>
+              <a:rPr lang="en-US" dirty="0">
+                <a:latin typeface="Consolas" panose="020B0609020204030204" pitchFamily="49" charset="0"/>
+              </a:rPr>
+              <a:t>Config 1</a:t>
+            </a:r>
+            <a:endParaRPr lang="en-AU" dirty="0">
+              <a:latin typeface="Consolas" panose="020B0609020204030204" pitchFamily="49" charset="0"/>
+            </a:endParaRPr>
+          </a:p>
+        </p:txBody>
+      </p:sp>
+      <p:sp>
+        <p:nvSpPr>
+          <p:cNvPr id="35" name="Rectangle 34">
+            <a:extLst>
+              <a:ext uri="{FF2B5EF4-FFF2-40B4-BE49-F238E27FC236}">
+                <a16:creationId xmlns:a16="http://schemas.microsoft.com/office/drawing/2014/main" id="{B9211DC3-FB4F-48B6-A471-36A38E647204}"/>
+              </a:ext>
+            </a:extLst>
+          </p:cNvPr>
+          <p:cNvSpPr/>
+          <p:nvPr/>
+        </p:nvSpPr>
+        <p:spPr>
+          <a:xfrm>
+            <a:off x="8492669" y="3333153"/>
+            <a:ext cx="1403764" cy="603209"/>
+          </a:xfrm>
+          <a:prstGeom prst="rect">
+            <a:avLst/>
+          </a:prstGeom>
+          <a:ln>
+            <a:noFill/>
+          </a:ln>
+          <a:effectLst>
+            <a:outerShdw blurRad="50800" dist="38100" dir="2700000" algn="tl" rotWithShape="0">
+              <a:prstClr val="black">
+                <a:alpha val="40000"/>
+              </a:prstClr>
+            </a:outerShdw>
+          </a:effectLst>
+        </p:spPr>
+        <p:style>
+          <a:lnRef idx="2">
+            <a:schemeClr val="accent1">
+              <a:shade val="50000"/>
+            </a:schemeClr>
+          </a:lnRef>
+          <a:fillRef idx="1">
+            <a:schemeClr val="accent1"/>
+          </a:fillRef>
+          <a:effectRef idx="0">
+            <a:schemeClr val="accent1"/>
+          </a:effectRef>
+          <a:fontRef idx="minor">
+            <a:schemeClr val="lt1"/>
+          </a:fontRef>
+        </p:style>
+        <p:txBody>
+          <a:bodyPr rtlCol="0" anchor="ctr"/>
+          <a:lstStyle/>
+          <a:p>
+            <a:pPr algn="ctr"/>
+            <a:r>
+              <a:rPr lang="en-US" dirty="0">
+                <a:latin typeface="Consolas" panose="020B0609020204030204" pitchFamily="49" charset="0"/>
+              </a:rPr>
+              <a:t>Model 1</a:t>
+            </a:r>
+            <a:endParaRPr lang="en-AU" dirty="0">
+              <a:latin typeface="Consolas" panose="020B0609020204030204" pitchFamily="49" charset="0"/>
+            </a:endParaRPr>
+          </a:p>
+        </p:txBody>
+      </p:sp>
+      <p:sp>
+        <p:nvSpPr>
+          <p:cNvPr id="41" name="Rectangle 40">
+            <a:extLst>
+              <a:ext uri="{FF2B5EF4-FFF2-40B4-BE49-F238E27FC236}">
+                <a16:creationId xmlns:a16="http://schemas.microsoft.com/office/drawing/2014/main" id="{16B518E3-4541-4DFF-8EFA-C95241A3A7AB}"/>
+              </a:ext>
+            </a:extLst>
+          </p:cNvPr>
+          <p:cNvSpPr/>
+          <p:nvPr/>
+        </p:nvSpPr>
+        <p:spPr>
+          <a:xfrm>
+            <a:off x="8677703" y="2377458"/>
+            <a:ext cx="1172116" cy="707886"/>
+          </a:xfrm>
+          <a:prstGeom prst="rect">
+            <a:avLst/>
+          </a:prstGeom>
+          <a:noFill/>
+        </p:spPr>
+        <p:txBody>
+          <a:bodyPr wrap="none" lIns="91440" tIns="45720" rIns="91440" bIns="45720">
+            <a:spAutoFit/>
+          </a:bodyPr>
+          <a:lstStyle/>
+          <a:p>
+            <a:pPr algn="ctr"/>
+            <a:r>
+              <a:rPr lang="en-US" sz="4000" dirty="0">
+                <a:ln w="0"/>
+              </a:rPr>
+              <a:t>GNN</a:t>
+            </a:r>
+            <a:endParaRPr lang="en-US" sz="4000" b="0" cap="none" spc="0" dirty="0">
+              <a:ln w="0"/>
+              <a:solidFill>
+                <a:schemeClr val="tx1"/>
+              </a:solidFill>
+            </a:endParaRPr>
+          </a:p>
+        </p:txBody>
+      </p:sp>
+      <p:sp>
+        <p:nvSpPr>
+          <p:cNvPr id="49" name="Rectangle 48">
+            <a:extLst>
+              <a:ext uri="{FF2B5EF4-FFF2-40B4-BE49-F238E27FC236}">
+                <a16:creationId xmlns:a16="http://schemas.microsoft.com/office/drawing/2014/main" id="{2DFCFAE6-0A08-4198-BE53-01AEFBE8CBE6}"/>
+              </a:ext>
+            </a:extLst>
+          </p:cNvPr>
+          <p:cNvSpPr/>
+          <p:nvPr/>
+        </p:nvSpPr>
+        <p:spPr>
+          <a:xfrm>
+            <a:off x="10162406" y="3347238"/>
+            <a:ext cx="1403764" cy="603209"/>
+          </a:xfrm>
+          <a:prstGeom prst="rect">
+            <a:avLst/>
+          </a:prstGeom>
+          <a:ln>
+            <a:noFill/>
+          </a:ln>
+          <a:effectLst>
+            <a:outerShdw blurRad="50800" dist="38100" dir="2700000" algn="tl" rotWithShape="0">
+              <a:prstClr val="black">
+                <a:alpha val="40000"/>
+              </a:prstClr>
+            </a:outerShdw>
+          </a:effectLst>
+        </p:spPr>
+        <p:style>
+          <a:lnRef idx="2">
+            <a:schemeClr val="accent1">
+              <a:shade val="50000"/>
+            </a:schemeClr>
+          </a:lnRef>
+          <a:fillRef idx="1">
+            <a:schemeClr val="accent1"/>
+          </a:fillRef>
+          <a:effectRef idx="0">
+            <a:schemeClr val="accent1"/>
+          </a:effectRef>
+          <a:fontRef idx="minor">
+            <a:schemeClr val="lt1"/>
+          </a:fontRef>
+        </p:style>
+        <p:txBody>
+          <a:bodyPr rtlCol="0" anchor="ctr"/>
+          <a:lstStyle/>
+          <a:p>
+            <a:pPr algn="ctr"/>
+            <a:r>
+              <a:rPr lang="en-US" dirty="0">
+                <a:latin typeface="Consolas" panose="020B0609020204030204" pitchFamily="49" charset="0"/>
+              </a:rPr>
+              <a:t>Model 2</a:t>
+            </a:r>
+            <a:endParaRPr lang="en-AU" dirty="0">
+              <a:latin typeface="Consolas" panose="020B0609020204030204" pitchFamily="49" charset="0"/>
+            </a:endParaRPr>
+          </a:p>
+        </p:txBody>
+      </p:sp>
+      <p:sp>
+        <p:nvSpPr>
+          <p:cNvPr id="51" name="Rectangle 50">
+            <a:extLst>
+              <a:ext uri="{FF2B5EF4-FFF2-40B4-BE49-F238E27FC236}">
+                <a16:creationId xmlns:a16="http://schemas.microsoft.com/office/drawing/2014/main" id="{3FE75533-DDEF-4E05-8F98-0418E3D77F5A}"/>
+              </a:ext>
+            </a:extLst>
+          </p:cNvPr>
+          <p:cNvSpPr/>
+          <p:nvPr/>
+        </p:nvSpPr>
+        <p:spPr>
+          <a:xfrm>
+            <a:off x="10267692" y="2480021"/>
+            <a:ext cx="1403764" cy="603209"/>
+          </a:xfrm>
+          <a:prstGeom prst="rect">
+            <a:avLst/>
+          </a:prstGeom>
+          <a:ln>
+            <a:noFill/>
+          </a:ln>
+          <a:effectLst>
+            <a:outerShdw blurRad="50800" dist="38100" dir="2700000" algn="tl" rotWithShape="0">
+              <a:prstClr val="black">
+                <a:alpha val="40000"/>
+              </a:prstClr>
+            </a:outerShdw>
+          </a:effectLst>
+        </p:spPr>
+        <p:style>
+          <a:lnRef idx="2">
+            <a:schemeClr val="accent1">
+              <a:shade val="50000"/>
+            </a:schemeClr>
+          </a:lnRef>
+          <a:fillRef idx="1">
+            <a:schemeClr val="accent1"/>
+          </a:fillRef>
+          <a:effectRef idx="0">
+            <a:schemeClr val="accent1"/>
+          </a:effectRef>
+          <a:fontRef idx="minor">
+            <a:schemeClr val="lt1"/>
+          </a:fontRef>
+        </p:style>
+        <p:txBody>
+          <a:bodyPr rtlCol="0" anchor="ctr"/>
+          <a:lstStyle/>
+          <a:p>
+            <a:pPr algn="ctr"/>
+            <a:r>
+              <a:rPr lang="en-US" dirty="0">
+                <a:latin typeface="Consolas" panose="020B0609020204030204" pitchFamily="49" charset="0"/>
+              </a:rPr>
+              <a:t>Config 1</a:t>
+            </a:r>
+            <a:endParaRPr lang="en-AU" dirty="0">
+              <a:latin typeface="Consolas" panose="020B0609020204030204" pitchFamily="49" charset="0"/>
+            </a:endParaRPr>
+          </a:p>
+        </p:txBody>
+      </p:sp>
+      <p:sp>
+        <p:nvSpPr>
+          <p:cNvPr id="53" name="Rectangle 52">
+            <a:extLst>
+              <a:ext uri="{FF2B5EF4-FFF2-40B4-BE49-F238E27FC236}">
+                <a16:creationId xmlns:a16="http://schemas.microsoft.com/office/drawing/2014/main" id="{7FB3C7A7-9245-44EE-BAAE-848D42501D07}"/>
+              </a:ext>
+            </a:extLst>
+          </p:cNvPr>
+          <p:cNvSpPr/>
+          <p:nvPr/>
+        </p:nvSpPr>
+        <p:spPr>
+          <a:xfrm>
+            <a:off x="8976597" y="4130214"/>
+            <a:ext cx="1403764" cy="603209"/>
+          </a:xfrm>
+          <a:prstGeom prst="rect">
+            <a:avLst/>
+          </a:prstGeom>
+          <a:ln>
+            <a:noFill/>
+          </a:ln>
+          <a:effectLst>
+            <a:outerShdw blurRad="50800" dist="38100" dir="2700000" algn="tl" rotWithShape="0">
+              <a:prstClr val="black">
+                <a:alpha val="40000"/>
+              </a:prstClr>
+            </a:outerShdw>
+          </a:effectLst>
+        </p:spPr>
+        <p:style>
+          <a:lnRef idx="2">
+            <a:schemeClr val="accent1">
+              <a:shade val="50000"/>
+            </a:schemeClr>
+          </a:lnRef>
+          <a:fillRef idx="1">
+            <a:schemeClr val="accent1"/>
+          </a:fillRef>
+          <a:effectRef idx="0">
+            <a:schemeClr val="accent1"/>
+          </a:effectRef>
+          <a:fontRef idx="minor">
+            <a:schemeClr val="lt1"/>
+          </a:fontRef>
+        </p:style>
+        <p:txBody>
+          <a:bodyPr rtlCol="0" anchor="ctr"/>
+          <a:lstStyle/>
+          <a:p>
+            <a:pPr algn="ctr"/>
+            <a:r>
+              <a:rPr lang="en-US" dirty="0">
+                <a:latin typeface="Consolas" panose="020B0609020204030204" pitchFamily="49" charset="0"/>
+              </a:rPr>
+              <a:t>Config 2</a:t>
+            </a:r>
+            <a:endParaRPr lang="en-AU" dirty="0">
+              <a:latin typeface="Consolas" panose="020B0609020204030204" pitchFamily="49" charset="0"/>
+            </a:endParaRPr>
+          </a:p>
+        </p:txBody>
+      </p:sp>
+      <p:sp>
+        <p:nvSpPr>
+          <p:cNvPr id="54" name="Rectangle 53">
+            <a:extLst>
+              <a:ext uri="{FF2B5EF4-FFF2-40B4-BE49-F238E27FC236}">
+                <a16:creationId xmlns:a16="http://schemas.microsoft.com/office/drawing/2014/main" id="{EEA16EA8-1C74-4590-B812-F2EF50B649AC}"/>
+              </a:ext>
+            </a:extLst>
+          </p:cNvPr>
+          <p:cNvSpPr/>
+          <p:nvPr/>
+        </p:nvSpPr>
+        <p:spPr>
+          <a:xfrm>
+            <a:off x="218276" y="2135566"/>
+            <a:ext cx="3592707" cy="2648811"/>
+          </a:xfrm>
+          <a:prstGeom prst="rect">
+            <a:avLst/>
+          </a:prstGeom>
+          <a:noFill/>
+          <a:ln w="25400">
+            <a:solidFill>
+              <a:schemeClr val="bg1">
+                <a:lumMod val="65000"/>
+              </a:schemeClr>
+            </a:solidFill>
+            <a:prstDash val="sysDot"/>
+          </a:ln>
+        </p:spPr>
+        <p:style>
+          <a:lnRef idx="2">
+            <a:schemeClr val="accent1">
+              <a:shade val="50000"/>
+            </a:schemeClr>
+          </a:lnRef>
+          <a:fillRef idx="1">
+            <a:schemeClr val="accent1"/>
+          </a:fillRef>
+          <a:effectRef idx="0">
+            <a:schemeClr val="accent1"/>
+          </a:effectRef>
+          <a:fontRef idx="minor">
+            <a:schemeClr val="lt1"/>
+          </a:fontRef>
+        </p:style>
+        <p:txBody>
+          <a:bodyPr rtlCol="0" anchor="ctr"/>
+          <a:lstStyle/>
+          <a:p>
+            <a:pPr algn="ctr"/>
+            <a:endParaRPr lang="en-AU"/>
+          </a:p>
+        </p:txBody>
+      </p:sp>
+      <p:sp>
+        <p:nvSpPr>
+          <p:cNvPr id="56" name="Rectangle 55">
+            <a:extLst>
+              <a:ext uri="{FF2B5EF4-FFF2-40B4-BE49-F238E27FC236}">
+                <a16:creationId xmlns:a16="http://schemas.microsoft.com/office/drawing/2014/main" id="{687423B7-CABE-486D-B44B-CFEDE4B14E1C}"/>
+              </a:ext>
+            </a:extLst>
+          </p:cNvPr>
+          <p:cNvSpPr/>
+          <p:nvPr/>
+        </p:nvSpPr>
+        <p:spPr>
+          <a:xfrm>
+            <a:off x="4228856" y="2140482"/>
+            <a:ext cx="3592707" cy="2648811"/>
+          </a:xfrm>
+          <a:prstGeom prst="rect">
+            <a:avLst/>
+          </a:prstGeom>
+          <a:noFill/>
+          <a:ln w="25400">
+            <a:solidFill>
+              <a:schemeClr val="bg1">
+                <a:lumMod val="65000"/>
+              </a:schemeClr>
+            </a:solidFill>
+            <a:prstDash val="sysDot"/>
+          </a:ln>
+        </p:spPr>
+        <p:style>
+          <a:lnRef idx="2">
+            <a:schemeClr val="accent1">
+              <a:shade val="50000"/>
+            </a:schemeClr>
+          </a:lnRef>
+          <a:fillRef idx="1">
+            <a:schemeClr val="accent1"/>
+          </a:fillRef>
+          <a:effectRef idx="0">
+            <a:schemeClr val="accent1"/>
+          </a:effectRef>
+          <a:fontRef idx="minor">
+            <a:schemeClr val="lt1"/>
+          </a:fontRef>
+        </p:style>
+        <p:txBody>
+          <a:bodyPr rtlCol="0" anchor="ctr"/>
+          <a:lstStyle/>
+          <a:p>
+            <a:pPr algn="ctr"/>
+            <a:endParaRPr lang="en-AU"/>
+          </a:p>
+        </p:txBody>
+      </p:sp>
+      <p:sp>
+        <p:nvSpPr>
+          <p:cNvPr id="58" name="Rectangle 57">
+            <a:extLst>
+              <a:ext uri="{FF2B5EF4-FFF2-40B4-BE49-F238E27FC236}">
+                <a16:creationId xmlns:a16="http://schemas.microsoft.com/office/drawing/2014/main" id="{AAD6ECFC-11BD-4847-A4F2-22A2EF4653C9}"/>
+              </a:ext>
+            </a:extLst>
+          </p:cNvPr>
+          <p:cNvSpPr/>
+          <p:nvPr/>
+        </p:nvSpPr>
+        <p:spPr>
+          <a:xfrm>
+            <a:off x="8239436" y="2135566"/>
+            <a:ext cx="3592707" cy="2648811"/>
+          </a:xfrm>
+          <a:prstGeom prst="rect">
+            <a:avLst/>
+          </a:prstGeom>
+          <a:noFill/>
+          <a:ln w="25400">
+            <a:solidFill>
+              <a:schemeClr val="bg1">
+                <a:lumMod val="65000"/>
+              </a:schemeClr>
+            </a:solidFill>
+            <a:prstDash val="sysDot"/>
+          </a:ln>
+        </p:spPr>
+        <p:style>
+          <a:lnRef idx="2">
+            <a:schemeClr val="accent1">
+              <a:shade val="50000"/>
+            </a:schemeClr>
+          </a:lnRef>
+          <a:fillRef idx="1">
+            <a:schemeClr val="accent1"/>
+          </a:fillRef>
+          <a:effectRef idx="0">
+            <a:schemeClr val="accent1"/>
+          </a:effectRef>
+          <a:fontRef idx="minor">
+            <a:schemeClr val="lt1"/>
+          </a:fontRef>
+        </p:style>
+        <p:txBody>
+          <a:bodyPr rtlCol="0" anchor="ctr"/>
+          <a:lstStyle/>
+          <a:p>
+            <a:pPr algn="ctr"/>
+            <a:endParaRPr lang="en-AU"/>
+          </a:p>
+        </p:txBody>
+      </p:sp>
+      <p:sp>
+        <p:nvSpPr>
+          <p:cNvPr id="59" name="Oval 58">
+            <a:extLst>
+              <a:ext uri="{FF2B5EF4-FFF2-40B4-BE49-F238E27FC236}">
+                <a16:creationId xmlns:a16="http://schemas.microsoft.com/office/drawing/2014/main" id="{BB2FBC8D-46CB-4542-BBED-ABBE7FB53080}"/>
+              </a:ext>
+            </a:extLst>
+          </p:cNvPr>
+          <p:cNvSpPr/>
+          <p:nvPr/>
+        </p:nvSpPr>
+        <p:spPr>
+          <a:xfrm>
+            <a:off x="3576974" y="5449636"/>
+            <a:ext cx="324464" cy="324464"/>
+          </a:xfrm>
+          <a:prstGeom prst="ellipse">
+            <a:avLst/>
+          </a:prstGeom>
+          <a:solidFill>
+            <a:schemeClr val="accent6">
+              <a:lumMod val="50000"/>
+            </a:schemeClr>
+          </a:solidFill>
+          <a:ln>
+            <a:solidFill>
+              <a:schemeClr val="accent6">
+                <a:lumMod val="60000"/>
+                <a:lumOff val="40000"/>
+              </a:schemeClr>
+            </a:solidFill>
+          </a:ln>
+        </p:spPr>
+        <p:style>
+          <a:lnRef idx="2">
+            <a:schemeClr val="accent1">
+              <a:shade val="50000"/>
+            </a:schemeClr>
+          </a:lnRef>
+          <a:fillRef idx="1">
+            <a:schemeClr val="accent1"/>
+          </a:fillRef>
+          <a:effectRef idx="0">
+            <a:schemeClr val="accent1"/>
+          </a:effectRef>
+          <a:fontRef idx="minor">
+            <a:schemeClr val="lt1"/>
+          </a:fontRef>
+        </p:style>
+        <p:txBody>
+          <a:bodyPr rtlCol="0" anchor="ctr"/>
+          <a:lstStyle/>
+          <a:p>
+            <a:pPr algn="ctr"/>
+            <a:r>
               <a:rPr lang="en-US" dirty="0"/>
-              <a:t>Tools</a:t>
+              <a:t>1</a:t>
+            </a:r>
+            <a:endParaRPr lang="en-AU" dirty="0"/>
+          </a:p>
+        </p:txBody>
+      </p:sp>
+      <p:sp>
+        <p:nvSpPr>
+          <p:cNvPr id="61" name="Oval 60">
+            <a:extLst>
+              <a:ext uri="{FF2B5EF4-FFF2-40B4-BE49-F238E27FC236}">
+                <a16:creationId xmlns:a16="http://schemas.microsoft.com/office/drawing/2014/main" id="{5C9D2C06-0B9E-4FF3-BBF2-24B9573DBB8C}"/>
+              </a:ext>
+            </a:extLst>
+          </p:cNvPr>
+          <p:cNvSpPr/>
+          <p:nvPr/>
+        </p:nvSpPr>
+        <p:spPr>
+          <a:xfrm>
+            <a:off x="4366267" y="5449636"/>
+            <a:ext cx="324464" cy="324464"/>
+          </a:xfrm>
+          <a:prstGeom prst="ellipse">
+            <a:avLst/>
+          </a:prstGeom>
+          <a:solidFill>
+            <a:schemeClr val="accent6">
+              <a:lumMod val="50000"/>
+            </a:schemeClr>
+          </a:solidFill>
+          <a:ln>
+            <a:solidFill>
+              <a:schemeClr val="accent6">
+                <a:lumMod val="60000"/>
+                <a:lumOff val="40000"/>
+              </a:schemeClr>
+            </a:solidFill>
+          </a:ln>
+        </p:spPr>
+        <p:style>
+          <a:lnRef idx="2">
+            <a:schemeClr val="accent1">
+              <a:shade val="50000"/>
+            </a:schemeClr>
+          </a:lnRef>
+          <a:fillRef idx="1">
+            <a:schemeClr val="accent1"/>
+          </a:fillRef>
+          <a:effectRef idx="0">
+            <a:schemeClr val="accent1"/>
+          </a:effectRef>
+          <a:fontRef idx="minor">
+            <a:schemeClr val="lt1"/>
+          </a:fontRef>
+        </p:style>
+        <p:txBody>
+          <a:bodyPr rtlCol="0" anchor="ctr"/>
+          <a:lstStyle/>
+          <a:p>
+            <a:pPr algn="ctr"/>
+            <a:r>
+              <a:rPr lang="en-US" dirty="0"/>
+              <a:t>2</a:t>
+            </a:r>
+            <a:endParaRPr lang="en-AU" dirty="0"/>
+          </a:p>
+        </p:txBody>
+      </p:sp>
+      <p:sp>
+        <p:nvSpPr>
+          <p:cNvPr id="63" name="Rectangle 62">
+            <a:extLst>
+              <a:ext uri="{FF2B5EF4-FFF2-40B4-BE49-F238E27FC236}">
+                <a16:creationId xmlns:a16="http://schemas.microsoft.com/office/drawing/2014/main" id="{73084C4B-A0DE-4599-9C13-47F957F4A9B1}"/>
+              </a:ext>
+            </a:extLst>
+          </p:cNvPr>
+          <p:cNvSpPr/>
+          <p:nvPr/>
+        </p:nvSpPr>
+        <p:spPr>
+          <a:xfrm>
+            <a:off x="6786772" y="497002"/>
+            <a:ext cx="2224057" cy="955696"/>
+          </a:xfrm>
+          <a:prstGeom prst="rect">
+            <a:avLst/>
+          </a:prstGeom>
+          <a:solidFill>
+            <a:schemeClr val="accent2">
+              <a:lumMod val="50000"/>
+              <a:alpha val="26000"/>
+            </a:schemeClr>
+          </a:solidFill>
+          <a:ln>
+            <a:solidFill>
+              <a:schemeClr val="accent2">
+                <a:lumMod val="50000"/>
+                <a:alpha val="30000"/>
+              </a:schemeClr>
+            </a:solidFill>
+          </a:ln>
+          <a:effectLst>
+            <a:outerShdw blurRad="50800" dist="38100" dir="2700000" algn="tl" rotWithShape="0">
+              <a:prstClr val="black">
+                <a:alpha val="40000"/>
+              </a:prstClr>
+            </a:outerShdw>
+          </a:effectLst>
+        </p:spPr>
+        <p:style>
+          <a:lnRef idx="2">
+            <a:schemeClr val="accent1">
+              <a:shade val="50000"/>
+            </a:schemeClr>
+          </a:lnRef>
+          <a:fillRef idx="1">
+            <a:schemeClr val="accent1"/>
+          </a:fillRef>
+          <a:effectRef idx="0">
+            <a:schemeClr val="accent1"/>
+          </a:effectRef>
+          <a:fontRef idx="minor">
+            <a:schemeClr val="lt1"/>
+          </a:fontRef>
+        </p:style>
+        <p:txBody>
+          <a:bodyPr rtlCol="0" anchor="ctr"/>
+          <a:lstStyle/>
+          <a:p>
+            <a:pPr algn="ctr"/>
+            <a:r>
+              <a:rPr lang="en-US" dirty="0"/>
+              <a:t>Pipeline B</a:t>
+            </a:r>
+            <a:endParaRPr lang="en-AU" dirty="0"/>
+          </a:p>
+        </p:txBody>
+      </p:sp>
+      <p:sp>
+        <p:nvSpPr>
+          <p:cNvPr id="65" name="Oval 64">
+            <a:extLst>
+              <a:ext uri="{FF2B5EF4-FFF2-40B4-BE49-F238E27FC236}">
+                <a16:creationId xmlns:a16="http://schemas.microsoft.com/office/drawing/2014/main" id="{0613A2A7-52F9-4D62-AFBA-42F9AC0A6A2A}"/>
+              </a:ext>
+            </a:extLst>
+          </p:cNvPr>
+          <p:cNvSpPr/>
+          <p:nvPr/>
+        </p:nvSpPr>
+        <p:spPr>
+          <a:xfrm>
+            <a:off x="7138864" y="1307436"/>
+            <a:ext cx="324464" cy="324464"/>
+          </a:xfrm>
+          <a:prstGeom prst="ellipse">
+            <a:avLst/>
+          </a:prstGeom>
+          <a:solidFill>
+            <a:schemeClr val="accent2">
+              <a:lumMod val="50000"/>
+              <a:alpha val="26000"/>
+            </a:schemeClr>
+          </a:solidFill>
+          <a:ln>
+            <a:solidFill>
+              <a:schemeClr val="accent2">
+                <a:lumMod val="50000"/>
+                <a:alpha val="30000"/>
+              </a:schemeClr>
+            </a:solidFill>
+          </a:ln>
+        </p:spPr>
+        <p:style>
+          <a:lnRef idx="2">
+            <a:schemeClr val="accent1">
+              <a:shade val="50000"/>
+            </a:schemeClr>
+          </a:lnRef>
+          <a:fillRef idx="1">
+            <a:schemeClr val="accent1"/>
+          </a:fillRef>
+          <a:effectRef idx="0">
+            <a:schemeClr val="accent1"/>
+          </a:effectRef>
+          <a:fontRef idx="minor">
+            <a:schemeClr val="lt1"/>
+          </a:fontRef>
+        </p:style>
+        <p:txBody>
+          <a:bodyPr rtlCol="0" anchor="ctr"/>
+          <a:lstStyle/>
+          <a:p>
+            <a:pPr algn="ctr"/>
+            <a:r>
+              <a:rPr lang="en-US" dirty="0"/>
+              <a:t>1</a:t>
+            </a:r>
+            <a:endParaRPr lang="en-AU" dirty="0"/>
+          </a:p>
+        </p:txBody>
+      </p:sp>
+      <p:sp>
+        <p:nvSpPr>
+          <p:cNvPr id="67" name="Oval 66">
+            <a:extLst>
+              <a:ext uri="{FF2B5EF4-FFF2-40B4-BE49-F238E27FC236}">
+                <a16:creationId xmlns:a16="http://schemas.microsoft.com/office/drawing/2014/main" id="{215C4852-D335-4474-A4C5-812A833C028D}"/>
+              </a:ext>
+            </a:extLst>
+          </p:cNvPr>
+          <p:cNvSpPr/>
+          <p:nvPr/>
+        </p:nvSpPr>
+        <p:spPr>
+          <a:xfrm>
+            <a:off x="7750382" y="1307436"/>
+            <a:ext cx="324464" cy="324464"/>
+          </a:xfrm>
+          <a:prstGeom prst="ellipse">
+            <a:avLst/>
+          </a:prstGeom>
+          <a:solidFill>
+            <a:schemeClr val="accent2">
+              <a:lumMod val="50000"/>
+              <a:alpha val="26000"/>
+            </a:schemeClr>
+          </a:solidFill>
+          <a:ln>
+            <a:solidFill>
+              <a:schemeClr val="accent2">
+                <a:lumMod val="50000"/>
+                <a:alpha val="30000"/>
+              </a:schemeClr>
+            </a:solidFill>
+          </a:ln>
+        </p:spPr>
+        <p:style>
+          <a:lnRef idx="2">
+            <a:schemeClr val="accent1">
+              <a:shade val="50000"/>
+            </a:schemeClr>
+          </a:lnRef>
+          <a:fillRef idx="1">
+            <a:schemeClr val="accent1"/>
+          </a:fillRef>
+          <a:effectRef idx="0">
+            <a:schemeClr val="accent1"/>
+          </a:effectRef>
+          <a:fontRef idx="minor">
+            <a:schemeClr val="lt1"/>
+          </a:fontRef>
+        </p:style>
+        <p:txBody>
+          <a:bodyPr rtlCol="0" anchor="ctr"/>
+          <a:lstStyle/>
+          <a:p>
+            <a:pPr algn="ctr"/>
+            <a:r>
+              <a:rPr lang="en-US" dirty="0"/>
+              <a:t>2</a:t>
+            </a:r>
+            <a:endParaRPr lang="en-AU" dirty="0"/>
+          </a:p>
+        </p:txBody>
+      </p:sp>
+      <p:sp>
+        <p:nvSpPr>
+          <p:cNvPr id="69" name="Oval 68">
+            <a:extLst>
+              <a:ext uri="{FF2B5EF4-FFF2-40B4-BE49-F238E27FC236}">
+                <a16:creationId xmlns:a16="http://schemas.microsoft.com/office/drawing/2014/main" id="{C51C740B-F430-4AD0-A815-B9FEBE568B67}"/>
+              </a:ext>
+            </a:extLst>
+          </p:cNvPr>
+          <p:cNvSpPr/>
+          <p:nvPr/>
+        </p:nvSpPr>
+        <p:spPr>
+          <a:xfrm>
+            <a:off x="8330437" y="1307436"/>
+            <a:ext cx="324464" cy="324464"/>
+          </a:xfrm>
+          <a:prstGeom prst="ellipse">
+            <a:avLst/>
+          </a:prstGeom>
+          <a:solidFill>
+            <a:schemeClr val="accent2">
+              <a:lumMod val="50000"/>
+              <a:alpha val="26000"/>
+            </a:schemeClr>
+          </a:solidFill>
+          <a:ln>
+            <a:solidFill>
+              <a:schemeClr val="accent2">
+                <a:lumMod val="50000"/>
+                <a:alpha val="30000"/>
+              </a:schemeClr>
+            </a:solidFill>
+          </a:ln>
+        </p:spPr>
+        <p:style>
+          <a:lnRef idx="2">
+            <a:schemeClr val="accent1">
+              <a:shade val="50000"/>
+            </a:schemeClr>
+          </a:lnRef>
+          <a:fillRef idx="1">
+            <a:schemeClr val="accent1"/>
+          </a:fillRef>
+          <a:effectRef idx="0">
+            <a:schemeClr val="accent1"/>
+          </a:effectRef>
+          <a:fontRef idx="minor">
+            <a:schemeClr val="lt1"/>
+          </a:fontRef>
+        </p:style>
+        <p:txBody>
+          <a:bodyPr rtlCol="0" anchor="ctr"/>
+          <a:lstStyle/>
+          <a:p>
+            <a:pPr algn="ctr"/>
+            <a:r>
+              <a:rPr lang="en-US" dirty="0"/>
+              <a:t>2</a:t>
+            </a:r>
+            <a:endParaRPr lang="en-AU" dirty="0"/>
+          </a:p>
+        </p:txBody>
+      </p:sp>
+    </p:spTree>
+    <p:extLst>
+      <p:ext uri="{BB962C8B-B14F-4D97-AF65-F5344CB8AC3E}">
+        <p14:creationId xmlns:p14="http://schemas.microsoft.com/office/powerpoint/2010/main" val="915898835"/>
+      </p:ext>
+    </p:extLst>
+  </p:cSld>
+  <p:clrMapOvr>
+    <a:masterClrMapping/>
+  </p:clrMapOvr>
+</p:sld>
+</file>
+
+<file path=ppt/slides/slide3.xml><?xml version="1.0" encoding="utf-8"?>
+<p:sld xmlns:a="http://schemas.openxmlformats.org/drawingml/2006/main" xmlns:r="http://schemas.openxmlformats.org/officeDocument/2006/relationships" xmlns:p="http://schemas.openxmlformats.org/presentationml/2006/main">
+  <p:cSld>
+    <p:spTree>
+      <p:nvGrpSpPr>
+        <p:cNvPr id="1" name=""/>
+        <p:cNvGrpSpPr/>
+        <p:nvPr/>
+      </p:nvGrpSpPr>
+      <p:grpSpPr>
+        <a:xfrm>
+          <a:off x="0" y="0"/>
+          <a:ext cx="0" cy="0"/>
+          <a:chOff x="0" y="0"/>
+          <a:chExt cx="0" cy="0"/>
+        </a:xfrm>
+      </p:grpSpPr>
+      <p:cxnSp>
+        <p:nvCxnSpPr>
+          <p:cNvPr id="71" name="Straight Arrow Connector 70">
+            <a:extLst>
+              <a:ext uri="{FF2B5EF4-FFF2-40B4-BE49-F238E27FC236}">
+                <a16:creationId xmlns:a16="http://schemas.microsoft.com/office/drawing/2014/main" id="{DB3E5D1B-86A9-44EB-B85E-0CA37E4C6059}"/>
+              </a:ext>
+            </a:extLst>
+          </p:cNvPr>
+          <p:cNvCxnSpPr>
+            <a:cxnSpLocks/>
+            <a:stCxn id="6" idx="2"/>
+            <a:endCxn id="59" idx="3"/>
+          </p:cNvCxnSpPr>
+          <p:nvPr/>
+        </p:nvCxnSpPr>
+        <p:spPr>
+          <a:xfrm flipH="1">
+            <a:off x="1999881" y="3103093"/>
+            <a:ext cx="618307" cy="2521153"/>
+          </a:xfrm>
+          <a:prstGeom prst="straightConnector1">
+            <a:avLst/>
+          </a:prstGeom>
+          <a:ln w="31750">
+            <a:solidFill>
+              <a:schemeClr val="accent6">
+                <a:lumMod val="75000"/>
+              </a:schemeClr>
+            </a:solidFill>
+            <a:prstDash val="dash"/>
+            <a:tailEnd type="triangle"/>
+          </a:ln>
+        </p:spPr>
+        <p:style>
+          <a:lnRef idx="1">
+            <a:schemeClr val="accent1"/>
+          </a:lnRef>
+          <a:fillRef idx="0">
+            <a:schemeClr val="accent1"/>
+          </a:fillRef>
+          <a:effectRef idx="0">
+            <a:schemeClr val="accent1"/>
+          </a:effectRef>
+          <a:fontRef idx="minor">
+            <a:schemeClr val="tx1"/>
+          </a:fontRef>
+        </p:style>
+      </p:cxnSp>
+      <p:cxnSp>
+        <p:nvCxnSpPr>
+          <p:cNvPr id="72" name="Straight Arrow Connector 71">
+            <a:extLst>
+              <a:ext uri="{FF2B5EF4-FFF2-40B4-BE49-F238E27FC236}">
+                <a16:creationId xmlns:a16="http://schemas.microsoft.com/office/drawing/2014/main" id="{C29FDA87-6FB8-4009-8765-C0A5ECD2F5B1}"/>
+              </a:ext>
+            </a:extLst>
+          </p:cNvPr>
+          <p:cNvCxnSpPr>
+            <a:cxnSpLocks/>
+            <a:stCxn id="23" idx="2"/>
+            <a:endCxn id="59" idx="3"/>
+          </p:cNvCxnSpPr>
+          <p:nvPr/>
+        </p:nvCxnSpPr>
+        <p:spPr>
+          <a:xfrm>
+            <a:off x="1087918" y="4327140"/>
+            <a:ext cx="911963" cy="1297106"/>
+          </a:xfrm>
+          <a:prstGeom prst="straightConnector1">
+            <a:avLst/>
+          </a:prstGeom>
+          <a:ln w="31750">
+            <a:solidFill>
+              <a:schemeClr val="accent6">
+                <a:lumMod val="75000"/>
+              </a:schemeClr>
+            </a:solidFill>
+            <a:prstDash val="dash"/>
+            <a:tailEnd type="triangle"/>
+          </a:ln>
+        </p:spPr>
+        <p:style>
+          <a:lnRef idx="1">
+            <a:schemeClr val="accent1"/>
+          </a:lnRef>
+          <a:fillRef idx="0">
+            <a:schemeClr val="accent1"/>
+          </a:fillRef>
+          <a:effectRef idx="0">
+            <a:schemeClr val="accent1"/>
+          </a:effectRef>
+          <a:fontRef idx="minor">
+            <a:schemeClr val="tx1"/>
+          </a:fontRef>
+        </p:style>
+      </p:cxnSp>
+      <p:cxnSp>
+        <p:nvCxnSpPr>
+          <p:cNvPr id="80" name="Straight Arrow Connector 79">
+            <a:extLst>
+              <a:ext uri="{FF2B5EF4-FFF2-40B4-BE49-F238E27FC236}">
+                <a16:creationId xmlns:a16="http://schemas.microsoft.com/office/drawing/2014/main" id="{626BD533-8AB4-40B0-966F-8832738B9EE8}"/>
+              </a:ext>
+            </a:extLst>
+          </p:cNvPr>
+          <p:cNvCxnSpPr>
+            <a:cxnSpLocks/>
+            <a:stCxn id="35" idx="2"/>
+            <a:endCxn id="22" idx="3"/>
+          </p:cNvCxnSpPr>
+          <p:nvPr/>
+        </p:nvCxnSpPr>
+        <p:spPr>
+          <a:xfrm flipH="1">
+            <a:off x="1999881" y="3936362"/>
+            <a:ext cx="7194670" cy="2240894"/>
+          </a:xfrm>
+          <a:prstGeom prst="straightConnector1">
+            <a:avLst/>
+          </a:prstGeom>
+          <a:ln w="31750">
+            <a:solidFill>
+              <a:schemeClr val="accent6">
+                <a:lumMod val="75000"/>
+              </a:schemeClr>
+            </a:solidFill>
+            <a:prstDash val="dash"/>
+            <a:tailEnd type="triangle"/>
+          </a:ln>
+        </p:spPr>
+        <p:style>
+          <a:lnRef idx="1">
+            <a:schemeClr val="accent1"/>
+          </a:lnRef>
+          <a:fillRef idx="0">
+            <a:schemeClr val="accent1"/>
+          </a:fillRef>
+          <a:effectRef idx="0">
+            <a:schemeClr val="accent1"/>
+          </a:effectRef>
+          <a:fontRef idx="minor">
+            <a:schemeClr val="tx1"/>
+          </a:fontRef>
+        </p:style>
+      </p:cxnSp>
+      <p:cxnSp>
+        <p:nvCxnSpPr>
+          <p:cNvPr id="86" name="Straight Arrow Connector 85">
+            <a:extLst>
+              <a:ext uri="{FF2B5EF4-FFF2-40B4-BE49-F238E27FC236}">
+                <a16:creationId xmlns:a16="http://schemas.microsoft.com/office/drawing/2014/main" id="{C12CCCB0-438C-450E-BA29-DE084FB1D3CD}"/>
+              </a:ext>
+            </a:extLst>
+          </p:cNvPr>
+          <p:cNvCxnSpPr>
+            <a:cxnSpLocks/>
+            <a:stCxn id="53" idx="2"/>
+            <a:endCxn id="22" idx="3"/>
+          </p:cNvCxnSpPr>
+          <p:nvPr/>
+        </p:nvCxnSpPr>
+        <p:spPr>
+          <a:xfrm flipH="1">
+            <a:off x="1999881" y="4733423"/>
+            <a:ext cx="7678598" cy="1443833"/>
+          </a:xfrm>
+          <a:prstGeom prst="straightConnector1">
+            <a:avLst/>
+          </a:prstGeom>
+          <a:ln w="31750">
+            <a:solidFill>
+              <a:schemeClr val="accent6">
+                <a:lumMod val="75000"/>
+              </a:schemeClr>
+            </a:solidFill>
+            <a:prstDash val="dash"/>
+            <a:tailEnd type="triangle"/>
+          </a:ln>
+        </p:spPr>
+        <p:style>
+          <a:lnRef idx="1">
+            <a:schemeClr val="accent1"/>
+          </a:lnRef>
+          <a:fillRef idx="0">
+            <a:schemeClr val="accent1"/>
+          </a:fillRef>
+          <a:effectRef idx="0">
+            <a:schemeClr val="accent1"/>
+          </a:effectRef>
+          <a:fontRef idx="minor">
+            <a:schemeClr val="tx1"/>
+          </a:fontRef>
+        </p:style>
+      </p:cxnSp>
+      <p:cxnSp>
+        <p:nvCxnSpPr>
+          <p:cNvPr id="76" name="Straight Arrow Connector 75">
+            <a:extLst>
+              <a:ext uri="{FF2B5EF4-FFF2-40B4-BE49-F238E27FC236}">
+                <a16:creationId xmlns:a16="http://schemas.microsoft.com/office/drawing/2014/main" id="{D3774586-04AD-4E15-A981-0CA6ED346827}"/>
+              </a:ext>
+            </a:extLst>
+          </p:cNvPr>
+          <p:cNvCxnSpPr>
+            <a:stCxn id="23" idx="0"/>
+            <a:endCxn id="65" idx="4"/>
+          </p:cNvCxnSpPr>
+          <p:nvPr/>
+        </p:nvCxnSpPr>
+        <p:spPr>
+          <a:xfrm flipV="1">
+            <a:off x="1087918" y="1631900"/>
+            <a:ext cx="6213178" cy="2092031"/>
+          </a:xfrm>
+          <a:prstGeom prst="straightConnector1">
+            <a:avLst/>
+          </a:prstGeom>
+          <a:ln w="19050">
+            <a:solidFill>
+              <a:schemeClr val="accent2">
+                <a:lumMod val="50000"/>
+                <a:alpha val="30000"/>
+              </a:schemeClr>
+            </a:solidFill>
+            <a:prstDash val="dash"/>
+            <a:tailEnd type="triangle"/>
+          </a:ln>
+        </p:spPr>
+        <p:style>
+          <a:lnRef idx="1">
+            <a:schemeClr val="dk1"/>
+          </a:lnRef>
+          <a:fillRef idx="0">
+            <a:schemeClr val="dk1"/>
+          </a:fillRef>
+          <a:effectRef idx="0">
+            <a:schemeClr val="dk1"/>
+          </a:effectRef>
+          <a:fontRef idx="minor">
+            <a:schemeClr val="tx1"/>
+          </a:fontRef>
+        </p:style>
+      </p:cxnSp>
+      <p:cxnSp>
+        <p:nvCxnSpPr>
+          <p:cNvPr id="78" name="Straight Arrow Connector 77">
+            <a:extLst>
+              <a:ext uri="{FF2B5EF4-FFF2-40B4-BE49-F238E27FC236}">
+                <a16:creationId xmlns:a16="http://schemas.microsoft.com/office/drawing/2014/main" id="{8A42E9DA-5B79-4D90-A751-149E9592A127}"/>
+              </a:ext>
+            </a:extLst>
+          </p:cNvPr>
+          <p:cNvCxnSpPr>
+            <a:stCxn id="21" idx="0"/>
+            <a:endCxn id="65" idx="4"/>
+          </p:cNvCxnSpPr>
+          <p:nvPr/>
+        </p:nvCxnSpPr>
+        <p:spPr>
+          <a:xfrm flipV="1">
+            <a:off x="2788190" y="1631900"/>
+            <a:ext cx="4512906" cy="1809005"/>
+          </a:xfrm>
+          <a:prstGeom prst="straightConnector1">
+            <a:avLst/>
+          </a:prstGeom>
+          <a:ln w="19050">
+            <a:solidFill>
+              <a:schemeClr val="accent2">
+                <a:lumMod val="50000"/>
+                <a:alpha val="30000"/>
+              </a:schemeClr>
+            </a:solidFill>
+            <a:prstDash val="dash"/>
+            <a:tailEnd type="triangle"/>
+          </a:ln>
+        </p:spPr>
+        <p:style>
+          <a:lnRef idx="1">
+            <a:schemeClr val="dk1"/>
+          </a:lnRef>
+          <a:fillRef idx="0">
+            <a:schemeClr val="dk1"/>
+          </a:fillRef>
+          <a:effectRef idx="0">
+            <a:schemeClr val="dk1"/>
+          </a:effectRef>
+          <a:fontRef idx="minor">
+            <a:schemeClr val="tx1"/>
+          </a:fontRef>
+        </p:style>
+      </p:cxnSp>
+      <p:cxnSp>
+        <p:nvCxnSpPr>
+          <p:cNvPr id="88" name="Straight Arrow Connector 87">
+            <a:extLst>
+              <a:ext uri="{FF2B5EF4-FFF2-40B4-BE49-F238E27FC236}">
+                <a16:creationId xmlns:a16="http://schemas.microsoft.com/office/drawing/2014/main" id="{E620B776-8781-40EE-8AAC-07FB1D515049}"/>
+              </a:ext>
+            </a:extLst>
+          </p:cNvPr>
+          <p:cNvCxnSpPr>
+            <a:stCxn id="24" idx="0"/>
+            <a:endCxn id="67" idx="4"/>
+          </p:cNvCxnSpPr>
+          <p:nvPr/>
+        </p:nvCxnSpPr>
+        <p:spPr>
+          <a:xfrm flipV="1">
+            <a:off x="5140206" y="1631900"/>
+            <a:ext cx="2772408" cy="1713131"/>
+          </a:xfrm>
+          <a:prstGeom prst="straightConnector1">
+            <a:avLst/>
+          </a:prstGeom>
+          <a:ln w="19050">
+            <a:solidFill>
+              <a:schemeClr val="accent2">
+                <a:lumMod val="50000"/>
+                <a:alpha val="30000"/>
+              </a:schemeClr>
+            </a:solidFill>
+            <a:prstDash val="dash"/>
+            <a:tailEnd type="triangle"/>
+          </a:ln>
+        </p:spPr>
+        <p:style>
+          <a:lnRef idx="1">
+            <a:schemeClr val="dk1"/>
+          </a:lnRef>
+          <a:fillRef idx="0">
+            <a:schemeClr val="dk1"/>
+          </a:fillRef>
+          <a:effectRef idx="0">
+            <a:schemeClr val="dk1"/>
+          </a:effectRef>
+          <a:fontRef idx="minor">
+            <a:schemeClr val="tx1"/>
+          </a:fontRef>
+        </p:style>
+      </p:cxnSp>
+      <p:cxnSp>
+        <p:nvCxnSpPr>
+          <p:cNvPr id="90" name="Straight Arrow Connector 89">
+            <a:extLst>
+              <a:ext uri="{FF2B5EF4-FFF2-40B4-BE49-F238E27FC236}">
+                <a16:creationId xmlns:a16="http://schemas.microsoft.com/office/drawing/2014/main" id="{31F66451-7FE7-4E21-902C-7393C4BB71EE}"/>
+              </a:ext>
+            </a:extLst>
+          </p:cNvPr>
+          <p:cNvCxnSpPr>
+            <a:stCxn id="29" idx="0"/>
+            <a:endCxn id="67" idx="4"/>
+          </p:cNvCxnSpPr>
+          <p:nvPr/>
+        </p:nvCxnSpPr>
+        <p:spPr>
+          <a:xfrm flipV="1">
+            <a:off x="6693693" y="1631900"/>
+            <a:ext cx="1218921" cy="1169588"/>
+          </a:xfrm>
+          <a:prstGeom prst="straightConnector1">
+            <a:avLst/>
+          </a:prstGeom>
+          <a:ln w="19050">
+            <a:solidFill>
+              <a:schemeClr val="accent2">
+                <a:lumMod val="50000"/>
+                <a:alpha val="30000"/>
+              </a:schemeClr>
+            </a:solidFill>
+            <a:prstDash val="dash"/>
+            <a:tailEnd type="triangle"/>
+          </a:ln>
+        </p:spPr>
+        <p:style>
+          <a:lnRef idx="1">
+            <a:schemeClr val="dk1"/>
+          </a:lnRef>
+          <a:fillRef idx="0">
+            <a:schemeClr val="dk1"/>
+          </a:fillRef>
+          <a:effectRef idx="0">
+            <a:schemeClr val="dk1"/>
+          </a:effectRef>
+          <a:fontRef idx="minor">
+            <a:schemeClr val="tx1"/>
+          </a:fontRef>
+        </p:style>
+      </p:cxnSp>
+      <p:cxnSp>
+        <p:nvCxnSpPr>
+          <p:cNvPr id="94" name="Straight Arrow Connector 93">
+            <a:extLst>
+              <a:ext uri="{FF2B5EF4-FFF2-40B4-BE49-F238E27FC236}">
+                <a16:creationId xmlns:a16="http://schemas.microsoft.com/office/drawing/2014/main" id="{94D7C9D9-8134-4EBA-9EE5-381014BB15D3}"/>
+              </a:ext>
+            </a:extLst>
+          </p:cNvPr>
+          <p:cNvCxnSpPr>
+            <a:stCxn id="51" idx="0"/>
+            <a:endCxn id="69" idx="4"/>
+          </p:cNvCxnSpPr>
+          <p:nvPr/>
+        </p:nvCxnSpPr>
+        <p:spPr>
+          <a:xfrm flipH="1" flipV="1">
+            <a:off x="8492669" y="1631900"/>
+            <a:ext cx="2476905" cy="848121"/>
+          </a:xfrm>
+          <a:prstGeom prst="straightConnector1">
+            <a:avLst/>
+          </a:prstGeom>
+          <a:ln w="19050">
+            <a:solidFill>
+              <a:schemeClr val="accent2">
+                <a:lumMod val="50000"/>
+                <a:alpha val="30000"/>
+              </a:schemeClr>
+            </a:solidFill>
+            <a:prstDash val="dash"/>
+            <a:tailEnd type="triangle"/>
+          </a:ln>
+        </p:spPr>
+        <p:style>
+          <a:lnRef idx="1">
+            <a:schemeClr val="dk1"/>
+          </a:lnRef>
+          <a:fillRef idx="0">
+            <a:schemeClr val="dk1"/>
+          </a:fillRef>
+          <a:effectRef idx="0">
+            <a:schemeClr val="dk1"/>
+          </a:effectRef>
+          <a:fontRef idx="minor">
+            <a:schemeClr val="tx1"/>
+          </a:fontRef>
+        </p:style>
+      </p:cxnSp>
+      <p:cxnSp>
+        <p:nvCxnSpPr>
+          <p:cNvPr id="96" name="Straight Arrow Connector 95">
+            <a:extLst>
+              <a:ext uri="{FF2B5EF4-FFF2-40B4-BE49-F238E27FC236}">
+                <a16:creationId xmlns:a16="http://schemas.microsoft.com/office/drawing/2014/main" id="{8BA5A299-7247-4752-BE24-43AE4A46681F}"/>
+              </a:ext>
+            </a:extLst>
+          </p:cNvPr>
+          <p:cNvCxnSpPr>
+            <a:stCxn id="49" idx="0"/>
+            <a:endCxn id="69" idx="4"/>
+          </p:cNvCxnSpPr>
+          <p:nvPr/>
+        </p:nvCxnSpPr>
+        <p:spPr>
+          <a:xfrm flipH="1" flipV="1">
+            <a:off x="8492669" y="1631900"/>
+            <a:ext cx="2371619" cy="1715338"/>
+          </a:xfrm>
+          <a:prstGeom prst="straightConnector1">
+            <a:avLst/>
+          </a:prstGeom>
+          <a:ln w="19050">
+            <a:solidFill>
+              <a:schemeClr val="accent2">
+                <a:lumMod val="50000"/>
+                <a:alpha val="30000"/>
+              </a:schemeClr>
+            </a:solidFill>
+            <a:prstDash val="dash"/>
+            <a:tailEnd type="triangle"/>
+          </a:ln>
+        </p:spPr>
+        <p:style>
+          <a:lnRef idx="1">
+            <a:schemeClr val="dk1"/>
+          </a:lnRef>
+          <a:fillRef idx="0">
+            <a:schemeClr val="dk1"/>
+          </a:fillRef>
+          <a:effectRef idx="0">
+            <a:schemeClr val="dk1"/>
+          </a:effectRef>
+          <a:fontRef idx="minor">
+            <a:schemeClr val="tx1"/>
+          </a:fontRef>
+        </p:style>
+      </p:cxnSp>
+      <p:sp>
+        <p:nvSpPr>
+          <p:cNvPr id="6" name="Rectangle 5">
+            <a:extLst>
+              <a:ext uri="{FF2B5EF4-FFF2-40B4-BE49-F238E27FC236}">
+                <a16:creationId xmlns:a16="http://schemas.microsoft.com/office/drawing/2014/main" id="{8F8B0C78-FE37-4D26-B788-3B6ABBF2E9C3}"/>
+              </a:ext>
+            </a:extLst>
+          </p:cNvPr>
+          <p:cNvSpPr/>
+          <p:nvPr/>
+        </p:nvSpPr>
+        <p:spPr>
+          <a:xfrm>
+            <a:off x="1916306" y="2499884"/>
+            <a:ext cx="1403764" cy="603209"/>
+          </a:xfrm>
+          <a:prstGeom prst="rect">
+            <a:avLst/>
+          </a:prstGeom>
+          <a:ln>
+            <a:noFill/>
+          </a:ln>
+          <a:effectLst>
+            <a:outerShdw blurRad="50800" dist="38100" dir="2700000" algn="tl" rotWithShape="0">
+              <a:prstClr val="black">
+                <a:alpha val="40000"/>
+              </a:prstClr>
+            </a:outerShdw>
+          </a:effectLst>
+        </p:spPr>
+        <p:style>
+          <a:lnRef idx="2">
+            <a:schemeClr val="accent1">
+              <a:shade val="50000"/>
+            </a:schemeClr>
+          </a:lnRef>
+          <a:fillRef idx="1">
+            <a:schemeClr val="accent1"/>
+          </a:fillRef>
+          <a:effectRef idx="0">
+            <a:schemeClr val="accent1"/>
+          </a:effectRef>
+          <a:fontRef idx="minor">
+            <a:schemeClr val="lt1"/>
+          </a:fontRef>
+        </p:style>
+        <p:txBody>
+          <a:bodyPr rtlCol="0" anchor="ctr"/>
+          <a:lstStyle/>
+          <a:p>
+            <a:pPr algn="ctr"/>
+            <a:r>
+              <a:rPr lang="en-US" dirty="0">
+                <a:latin typeface="Consolas" panose="020B0609020204030204" pitchFamily="49" charset="0"/>
+              </a:rPr>
+              <a:t>Model 1</a:t>
+            </a:r>
+            <a:endParaRPr lang="en-AU" dirty="0">
+              <a:latin typeface="Consolas" panose="020B0609020204030204" pitchFamily="49" charset="0"/>
+            </a:endParaRPr>
+          </a:p>
+        </p:txBody>
+      </p:sp>
+      <p:sp>
+        <p:nvSpPr>
+          <p:cNvPr id="39" name="Rectangle 38">
+            <a:extLst>
+              <a:ext uri="{FF2B5EF4-FFF2-40B4-BE49-F238E27FC236}">
+                <a16:creationId xmlns:a16="http://schemas.microsoft.com/office/drawing/2014/main" id="{EAA56939-CBD7-4F87-95C3-E91AE981EF81}"/>
+              </a:ext>
+            </a:extLst>
+          </p:cNvPr>
+          <p:cNvSpPr/>
+          <p:nvPr/>
+        </p:nvSpPr>
+        <p:spPr>
+          <a:xfrm>
+            <a:off x="268046" y="5192917"/>
+            <a:ext cx="1112029" cy="1360530"/>
+          </a:xfrm>
+          <a:prstGeom prst="rect">
+            <a:avLst/>
+          </a:prstGeom>
+          <a:solidFill>
+            <a:schemeClr val="accent6">
+              <a:lumMod val="50000"/>
+            </a:schemeClr>
+          </a:solidFill>
+          <a:ln>
+            <a:solidFill>
+              <a:schemeClr val="accent6">
+                <a:lumMod val="60000"/>
+                <a:lumOff val="40000"/>
+              </a:schemeClr>
+            </a:solidFill>
+          </a:ln>
+          <a:effectLst>
+            <a:outerShdw blurRad="50800" dist="38100" dir="2700000" algn="tl" rotWithShape="0">
+              <a:prstClr val="black">
+                <a:alpha val="40000"/>
+              </a:prstClr>
+            </a:outerShdw>
+          </a:effectLst>
+        </p:spPr>
+        <p:style>
+          <a:lnRef idx="2">
+            <a:schemeClr val="accent1">
+              <a:shade val="50000"/>
+            </a:schemeClr>
+          </a:lnRef>
+          <a:fillRef idx="1">
+            <a:schemeClr val="accent1"/>
+          </a:fillRef>
+          <a:effectRef idx="0">
+            <a:schemeClr val="accent1"/>
+          </a:effectRef>
+          <a:fontRef idx="minor">
+            <a:schemeClr val="lt1"/>
+          </a:fontRef>
+        </p:style>
+        <p:txBody>
+          <a:bodyPr rtlCol="0" anchor="ctr"/>
+          <a:lstStyle/>
+          <a:p>
+            <a:pPr algn="ctr"/>
+            <a:r>
+              <a:rPr lang="en-US" dirty="0"/>
+              <a:t>Pipeline A</a:t>
+            </a:r>
+            <a:endParaRPr lang="en-AU" dirty="0"/>
+          </a:p>
+        </p:txBody>
+      </p:sp>
+      <p:sp>
+        <p:nvSpPr>
+          <p:cNvPr id="43" name="Rectangle 42">
+            <a:extLst>
+              <a:ext uri="{FF2B5EF4-FFF2-40B4-BE49-F238E27FC236}">
+                <a16:creationId xmlns:a16="http://schemas.microsoft.com/office/drawing/2014/main" id="{8E1C559A-A72A-4A34-A0A5-F4EC57BD3BF5}"/>
+              </a:ext>
+            </a:extLst>
+          </p:cNvPr>
+          <p:cNvSpPr/>
+          <p:nvPr/>
+        </p:nvSpPr>
+        <p:spPr>
+          <a:xfrm>
+            <a:off x="310291" y="2380502"/>
+            <a:ext cx="1438214" cy="954107"/>
+          </a:xfrm>
+          <a:prstGeom prst="rect">
+            <a:avLst/>
+          </a:prstGeom>
+          <a:noFill/>
+        </p:spPr>
+        <p:txBody>
+          <a:bodyPr wrap="none" lIns="91440" tIns="45720" rIns="91440" bIns="45720">
+            <a:spAutoFit/>
+          </a:bodyPr>
+          <a:lstStyle/>
+          <a:p>
+            <a:pPr algn="ctr"/>
+            <a:r>
+              <a:rPr lang="en-US" sz="2800" b="0" cap="none" spc="0" dirty="0">
+                <a:ln w="0"/>
+                <a:solidFill>
+                  <a:schemeClr val="tx1"/>
+                </a:solidFill>
+              </a:rPr>
+              <a:t>Metric</a:t>
+            </a:r>
+          </a:p>
+          <a:p>
+            <a:pPr algn="ctr"/>
+            <a:r>
+              <a:rPr lang="en-US" sz="2800" dirty="0">
+                <a:ln w="0"/>
+              </a:rPr>
+              <a:t>Learning</a:t>
+            </a:r>
+            <a:endParaRPr lang="en-US" sz="2800" b="0" cap="none" spc="0" dirty="0">
+              <a:ln w="0"/>
+              <a:solidFill>
+                <a:schemeClr val="tx1"/>
+              </a:solidFill>
+            </a:endParaRPr>
+          </a:p>
+        </p:txBody>
+      </p:sp>
+      <p:sp>
+        <p:nvSpPr>
+          <p:cNvPr id="21" name="Rectangle 20">
+            <a:extLst>
+              <a:ext uri="{FF2B5EF4-FFF2-40B4-BE49-F238E27FC236}">
+                <a16:creationId xmlns:a16="http://schemas.microsoft.com/office/drawing/2014/main" id="{A881BFA0-2AD9-4667-8114-C4D52E0D5314}"/>
+              </a:ext>
+            </a:extLst>
+          </p:cNvPr>
+          <p:cNvSpPr/>
+          <p:nvPr/>
+        </p:nvSpPr>
+        <p:spPr>
+          <a:xfrm>
+            <a:off x="2086308" y="3440905"/>
+            <a:ext cx="1403764" cy="603209"/>
+          </a:xfrm>
+          <a:prstGeom prst="rect">
+            <a:avLst/>
+          </a:prstGeom>
+          <a:ln>
+            <a:noFill/>
+          </a:ln>
+          <a:effectLst>
+            <a:outerShdw blurRad="50800" dist="38100" dir="2700000" algn="tl" rotWithShape="0">
+              <a:prstClr val="black">
+                <a:alpha val="40000"/>
+              </a:prstClr>
+            </a:outerShdw>
+          </a:effectLst>
+        </p:spPr>
+        <p:style>
+          <a:lnRef idx="2">
+            <a:schemeClr val="accent1">
+              <a:shade val="50000"/>
+            </a:schemeClr>
+          </a:lnRef>
+          <a:fillRef idx="1">
+            <a:schemeClr val="accent1"/>
+          </a:fillRef>
+          <a:effectRef idx="0">
+            <a:schemeClr val="accent1"/>
+          </a:effectRef>
+          <a:fontRef idx="minor">
+            <a:schemeClr val="lt1"/>
+          </a:fontRef>
+        </p:style>
+        <p:txBody>
+          <a:bodyPr rtlCol="0" anchor="ctr"/>
+          <a:lstStyle/>
+          <a:p>
+            <a:pPr algn="ctr"/>
+            <a:r>
+              <a:rPr lang="en-US" dirty="0">
+                <a:latin typeface="Consolas" panose="020B0609020204030204" pitchFamily="49" charset="0"/>
+              </a:rPr>
+              <a:t>Model 2</a:t>
+            </a:r>
+            <a:endParaRPr lang="en-AU" dirty="0">
+              <a:latin typeface="Consolas" panose="020B0609020204030204" pitchFamily="49" charset="0"/>
+            </a:endParaRPr>
+          </a:p>
+        </p:txBody>
+      </p:sp>
+      <p:sp>
+        <p:nvSpPr>
+          <p:cNvPr id="23" name="Rectangle 22">
+            <a:extLst>
+              <a:ext uri="{FF2B5EF4-FFF2-40B4-BE49-F238E27FC236}">
+                <a16:creationId xmlns:a16="http://schemas.microsoft.com/office/drawing/2014/main" id="{9B77F37B-B27F-4800-BA3E-D53FD0D7A605}"/>
+              </a:ext>
+            </a:extLst>
+          </p:cNvPr>
+          <p:cNvSpPr/>
+          <p:nvPr/>
+        </p:nvSpPr>
+        <p:spPr>
+          <a:xfrm>
+            <a:off x="386036" y="3723931"/>
+            <a:ext cx="1403764" cy="603209"/>
+          </a:xfrm>
+          <a:prstGeom prst="rect">
+            <a:avLst/>
+          </a:prstGeom>
+          <a:ln>
+            <a:noFill/>
+          </a:ln>
+          <a:effectLst>
+            <a:outerShdw blurRad="50800" dist="38100" dir="2700000" algn="tl" rotWithShape="0">
+              <a:prstClr val="black">
+                <a:alpha val="40000"/>
+              </a:prstClr>
+            </a:outerShdw>
+          </a:effectLst>
+        </p:spPr>
+        <p:style>
+          <a:lnRef idx="2">
+            <a:schemeClr val="accent1">
+              <a:shade val="50000"/>
+            </a:schemeClr>
+          </a:lnRef>
+          <a:fillRef idx="1">
+            <a:schemeClr val="accent1"/>
+          </a:fillRef>
+          <a:effectRef idx="0">
+            <a:schemeClr val="accent1"/>
+          </a:effectRef>
+          <a:fontRef idx="minor">
+            <a:schemeClr val="lt1"/>
+          </a:fontRef>
+        </p:style>
+        <p:txBody>
+          <a:bodyPr rtlCol="0" anchor="ctr"/>
+          <a:lstStyle/>
+          <a:p>
+            <a:pPr algn="ctr"/>
+            <a:r>
+              <a:rPr lang="en-US" dirty="0">
+                <a:latin typeface="Consolas" panose="020B0609020204030204" pitchFamily="49" charset="0"/>
+              </a:rPr>
+              <a:t>Config 1</a:t>
+            </a:r>
+            <a:endParaRPr lang="en-AU" dirty="0">
+              <a:latin typeface="Consolas" panose="020B0609020204030204" pitchFamily="49" charset="0"/>
+            </a:endParaRPr>
+          </a:p>
+        </p:txBody>
+      </p:sp>
+      <p:sp>
+        <p:nvSpPr>
+          <p:cNvPr id="24" name="Rectangle 23">
+            <a:extLst>
+              <a:ext uri="{FF2B5EF4-FFF2-40B4-BE49-F238E27FC236}">
+                <a16:creationId xmlns:a16="http://schemas.microsoft.com/office/drawing/2014/main" id="{2C2D4AD2-3CD9-43AF-A269-F8A4C1B65032}"/>
+              </a:ext>
+            </a:extLst>
+          </p:cNvPr>
+          <p:cNvSpPr/>
+          <p:nvPr/>
+        </p:nvSpPr>
+        <p:spPr>
+          <a:xfrm>
+            <a:off x="4438324" y="3345031"/>
+            <a:ext cx="1403764" cy="603209"/>
+          </a:xfrm>
+          <a:prstGeom prst="rect">
+            <a:avLst/>
+          </a:prstGeom>
+          <a:ln>
+            <a:noFill/>
+          </a:ln>
+          <a:effectLst>
+            <a:outerShdw blurRad="50800" dist="38100" dir="2700000" algn="tl" rotWithShape="0">
+              <a:prstClr val="black">
+                <a:alpha val="40000"/>
+              </a:prstClr>
+            </a:outerShdw>
+          </a:effectLst>
+        </p:spPr>
+        <p:style>
+          <a:lnRef idx="2">
+            <a:schemeClr val="accent1">
+              <a:shade val="50000"/>
+            </a:schemeClr>
+          </a:lnRef>
+          <a:fillRef idx="1">
+            <a:schemeClr val="accent1"/>
+          </a:fillRef>
+          <a:effectRef idx="0">
+            <a:schemeClr val="accent1"/>
+          </a:effectRef>
+          <a:fontRef idx="minor">
+            <a:schemeClr val="lt1"/>
+          </a:fontRef>
+        </p:style>
+        <p:txBody>
+          <a:bodyPr rtlCol="0" anchor="ctr"/>
+          <a:lstStyle/>
+          <a:p>
+            <a:pPr algn="ctr"/>
+            <a:r>
+              <a:rPr lang="en-US" dirty="0">
+                <a:latin typeface="Consolas" panose="020B0609020204030204" pitchFamily="49" charset="0"/>
+              </a:rPr>
+              <a:t>Model 1</a:t>
+            </a:r>
+            <a:endParaRPr lang="en-AU" dirty="0">
+              <a:latin typeface="Consolas" panose="020B0609020204030204" pitchFamily="49" charset="0"/>
+            </a:endParaRPr>
+          </a:p>
+        </p:txBody>
+      </p:sp>
+      <p:sp>
+        <p:nvSpPr>
+          <p:cNvPr id="26" name="Rectangle 25">
+            <a:extLst>
+              <a:ext uri="{FF2B5EF4-FFF2-40B4-BE49-F238E27FC236}">
+                <a16:creationId xmlns:a16="http://schemas.microsoft.com/office/drawing/2014/main" id="{C054095F-711B-4F14-8C13-D20F36511DD6}"/>
+              </a:ext>
+            </a:extLst>
+          </p:cNvPr>
+          <p:cNvSpPr/>
+          <p:nvPr/>
+        </p:nvSpPr>
+        <p:spPr>
+          <a:xfrm>
+            <a:off x="4341677" y="2377458"/>
+            <a:ext cx="1254767" cy="707886"/>
+          </a:xfrm>
+          <a:prstGeom prst="rect">
+            <a:avLst/>
+          </a:prstGeom>
+          <a:noFill/>
+        </p:spPr>
+        <p:txBody>
+          <a:bodyPr wrap="none" lIns="91440" tIns="45720" rIns="91440" bIns="45720">
+            <a:spAutoFit/>
+          </a:bodyPr>
+          <a:lstStyle/>
+          <a:p>
+            <a:pPr algn="ctr"/>
+            <a:r>
+              <a:rPr lang="en-US" sz="4000" dirty="0">
+                <a:ln w="0"/>
+              </a:rPr>
+              <a:t>Filter</a:t>
+            </a:r>
+            <a:endParaRPr lang="en-US" sz="4000" b="0" cap="none" spc="0" dirty="0">
+              <a:ln w="0"/>
+              <a:solidFill>
+                <a:schemeClr val="tx1"/>
+              </a:solidFill>
+            </a:endParaRPr>
+          </a:p>
+        </p:txBody>
+      </p:sp>
+      <p:sp>
+        <p:nvSpPr>
+          <p:cNvPr id="29" name="Rectangle 28">
+            <a:extLst>
+              <a:ext uri="{FF2B5EF4-FFF2-40B4-BE49-F238E27FC236}">
+                <a16:creationId xmlns:a16="http://schemas.microsoft.com/office/drawing/2014/main" id="{90AAF65B-FDC4-400B-9E43-629EA255D211}"/>
+              </a:ext>
+            </a:extLst>
+          </p:cNvPr>
+          <p:cNvSpPr/>
+          <p:nvPr/>
+        </p:nvSpPr>
+        <p:spPr>
+          <a:xfrm>
+            <a:off x="5991811" y="2801488"/>
+            <a:ext cx="1403764" cy="603209"/>
+          </a:xfrm>
+          <a:prstGeom prst="rect">
+            <a:avLst/>
+          </a:prstGeom>
+          <a:ln>
+            <a:noFill/>
+          </a:ln>
+          <a:effectLst>
+            <a:outerShdw blurRad="50800" dist="38100" dir="2700000" algn="tl" rotWithShape="0">
+              <a:prstClr val="black">
+                <a:alpha val="40000"/>
+              </a:prstClr>
+            </a:outerShdw>
+          </a:effectLst>
+        </p:spPr>
+        <p:style>
+          <a:lnRef idx="2">
+            <a:schemeClr val="accent1">
+              <a:shade val="50000"/>
+            </a:schemeClr>
+          </a:lnRef>
+          <a:fillRef idx="1">
+            <a:schemeClr val="accent1"/>
+          </a:fillRef>
+          <a:effectRef idx="0">
+            <a:schemeClr val="accent1"/>
+          </a:effectRef>
+          <a:fontRef idx="minor">
+            <a:schemeClr val="lt1"/>
+          </a:fontRef>
+        </p:style>
+        <p:txBody>
+          <a:bodyPr rtlCol="0" anchor="ctr"/>
+          <a:lstStyle/>
+          <a:p>
+            <a:pPr algn="ctr"/>
+            <a:r>
+              <a:rPr lang="en-US" dirty="0">
+                <a:latin typeface="Consolas" panose="020B0609020204030204" pitchFamily="49" charset="0"/>
+              </a:rPr>
+              <a:t>Config 1</a:t>
+            </a:r>
+            <a:endParaRPr lang="en-AU" dirty="0">
+              <a:latin typeface="Consolas" panose="020B0609020204030204" pitchFamily="49" charset="0"/>
+            </a:endParaRPr>
+          </a:p>
+        </p:txBody>
+      </p:sp>
+      <p:sp>
+        <p:nvSpPr>
+          <p:cNvPr id="35" name="Rectangle 34">
+            <a:extLst>
+              <a:ext uri="{FF2B5EF4-FFF2-40B4-BE49-F238E27FC236}">
+                <a16:creationId xmlns:a16="http://schemas.microsoft.com/office/drawing/2014/main" id="{B9211DC3-FB4F-48B6-A471-36A38E647204}"/>
+              </a:ext>
+            </a:extLst>
+          </p:cNvPr>
+          <p:cNvSpPr/>
+          <p:nvPr/>
+        </p:nvSpPr>
+        <p:spPr>
+          <a:xfrm>
+            <a:off x="8492669" y="3333153"/>
+            <a:ext cx="1403764" cy="603209"/>
+          </a:xfrm>
+          <a:prstGeom prst="rect">
+            <a:avLst/>
+          </a:prstGeom>
+          <a:ln>
+            <a:noFill/>
+          </a:ln>
+          <a:effectLst>
+            <a:outerShdw blurRad="50800" dist="38100" dir="2700000" algn="tl" rotWithShape="0">
+              <a:prstClr val="black">
+                <a:alpha val="40000"/>
+              </a:prstClr>
+            </a:outerShdw>
+          </a:effectLst>
+        </p:spPr>
+        <p:style>
+          <a:lnRef idx="2">
+            <a:schemeClr val="accent1">
+              <a:shade val="50000"/>
+            </a:schemeClr>
+          </a:lnRef>
+          <a:fillRef idx="1">
+            <a:schemeClr val="accent1"/>
+          </a:fillRef>
+          <a:effectRef idx="0">
+            <a:schemeClr val="accent1"/>
+          </a:effectRef>
+          <a:fontRef idx="minor">
+            <a:schemeClr val="lt1"/>
+          </a:fontRef>
+        </p:style>
+        <p:txBody>
+          <a:bodyPr rtlCol="0" anchor="ctr"/>
+          <a:lstStyle/>
+          <a:p>
+            <a:pPr algn="ctr"/>
+            <a:r>
+              <a:rPr lang="en-US" dirty="0">
+                <a:latin typeface="Consolas" panose="020B0609020204030204" pitchFamily="49" charset="0"/>
+              </a:rPr>
+              <a:t>Model 1</a:t>
+            </a:r>
+            <a:endParaRPr lang="en-AU" dirty="0">
+              <a:latin typeface="Consolas" panose="020B0609020204030204" pitchFamily="49" charset="0"/>
+            </a:endParaRPr>
+          </a:p>
+        </p:txBody>
+      </p:sp>
+      <p:sp>
+        <p:nvSpPr>
+          <p:cNvPr id="41" name="Rectangle 40">
+            <a:extLst>
+              <a:ext uri="{FF2B5EF4-FFF2-40B4-BE49-F238E27FC236}">
+                <a16:creationId xmlns:a16="http://schemas.microsoft.com/office/drawing/2014/main" id="{16B518E3-4541-4DFF-8EFA-C95241A3A7AB}"/>
+              </a:ext>
+            </a:extLst>
+          </p:cNvPr>
+          <p:cNvSpPr/>
+          <p:nvPr/>
+        </p:nvSpPr>
+        <p:spPr>
+          <a:xfrm>
+            <a:off x="8677703" y="2377458"/>
+            <a:ext cx="1172116" cy="707886"/>
+          </a:xfrm>
+          <a:prstGeom prst="rect">
+            <a:avLst/>
+          </a:prstGeom>
+          <a:noFill/>
+        </p:spPr>
+        <p:txBody>
+          <a:bodyPr wrap="none" lIns="91440" tIns="45720" rIns="91440" bIns="45720">
+            <a:spAutoFit/>
+          </a:bodyPr>
+          <a:lstStyle/>
+          <a:p>
+            <a:pPr algn="ctr"/>
+            <a:r>
+              <a:rPr lang="en-US" sz="4000" dirty="0">
+                <a:ln w="0"/>
+              </a:rPr>
+              <a:t>GNN</a:t>
+            </a:r>
+            <a:endParaRPr lang="en-US" sz="4000" b="0" cap="none" spc="0" dirty="0">
+              <a:ln w="0"/>
+              <a:solidFill>
+                <a:schemeClr val="tx1"/>
+              </a:solidFill>
+            </a:endParaRPr>
+          </a:p>
+        </p:txBody>
+      </p:sp>
+      <p:sp>
+        <p:nvSpPr>
+          <p:cNvPr id="49" name="Rectangle 48">
+            <a:extLst>
+              <a:ext uri="{FF2B5EF4-FFF2-40B4-BE49-F238E27FC236}">
+                <a16:creationId xmlns:a16="http://schemas.microsoft.com/office/drawing/2014/main" id="{2DFCFAE6-0A08-4198-BE53-01AEFBE8CBE6}"/>
+              </a:ext>
+            </a:extLst>
+          </p:cNvPr>
+          <p:cNvSpPr/>
+          <p:nvPr/>
+        </p:nvSpPr>
+        <p:spPr>
+          <a:xfrm>
+            <a:off x="10162406" y="3347238"/>
+            <a:ext cx="1403764" cy="603209"/>
+          </a:xfrm>
+          <a:prstGeom prst="rect">
+            <a:avLst/>
+          </a:prstGeom>
+          <a:ln>
+            <a:noFill/>
+          </a:ln>
+          <a:effectLst>
+            <a:outerShdw blurRad="50800" dist="38100" dir="2700000" algn="tl" rotWithShape="0">
+              <a:prstClr val="black">
+                <a:alpha val="40000"/>
+              </a:prstClr>
+            </a:outerShdw>
+          </a:effectLst>
+        </p:spPr>
+        <p:style>
+          <a:lnRef idx="2">
+            <a:schemeClr val="accent1">
+              <a:shade val="50000"/>
+            </a:schemeClr>
+          </a:lnRef>
+          <a:fillRef idx="1">
+            <a:schemeClr val="accent1"/>
+          </a:fillRef>
+          <a:effectRef idx="0">
+            <a:schemeClr val="accent1"/>
+          </a:effectRef>
+          <a:fontRef idx="minor">
+            <a:schemeClr val="lt1"/>
+          </a:fontRef>
+        </p:style>
+        <p:txBody>
+          <a:bodyPr rtlCol="0" anchor="ctr"/>
+          <a:lstStyle/>
+          <a:p>
+            <a:pPr algn="ctr"/>
+            <a:r>
+              <a:rPr lang="en-US" dirty="0">
+                <a:latin typeface="Consolas" panose="020B0609020204030204" pitchFamily="49" charset="0"/>
+              </a:rPr>
+              <a:t>Model 2</a:t>
+            </a:r>
+            <a:endParaRPr lang="en-AU" dirty="0">
+              <a:latin typeface="Consolas" panose="020B0609020204030204" pitchFamily="49" charset="0"/>
+            </a:endParaRPr>
+          </a:p>
+        </p:txBody>
+      </p:sp>
+      <p:sp>
+        <p:nvSpPr>
+          <p:cNvPr id="51" name="Rectangle 50">
+            <a:extLst>
+              <a:ext uri="{FF2B5EF4-FFF2-40B4-BE49-F238E27FC236}">
+                <a16:creationId xmlns:a16="http://schemas.microsoft.com/office/drawing/2014/main" id="{3FE75533-DDEF-4E05-8F98-0418E3D77F5A}"/>
+              </a:ext>
+            </a:extLst>
+          </p:cNvPr>
+          <p:cNvSpPr/>
+          <p:nvPr/>
+        </p:nvSpPr>
+        <p:spPr>
+          <a:xfrm>
+            <a:off x="10267692" y="2480021"/>
+            <a:ext cx="1403764" cy="603209"/>
+          </a:xfrm>
+          <a:prstGeom prst="rect">
+            <a:avLst/>
+          </a:prstGeom>
+          <a:ln>
+            <a:noFill/>
+          </a:ln>
+          <a:effectLst>
+            <a:outerShdw blurRad="50800" dist="38100" dir="2700000" algn="tl" rotWithShape="0">
+              <a:prstClr val="black">
+                <a:alpha val="40000"/>
+              </a:prstClr>
+            </a:outerShdw>
+          </a:effectLst>
+        </p:spPr>
+        <p:style>
+          <a:lnRef idx="2">
+            <a:schemeClr val="accent1">
+              <a:shade val="50000"/>
+            </a:schemeClr>
+          </a:lnRef>
+          <a:fillRef idx="1">
+            <a:schemeClr val="accent1"/>
+          </a:fillRef>
+          <a:effectRef idx="0">
+            <a:schemeClr val="accent1"/>
+          </a:effectRef>
+          <a:fontRef idx="minor">
+            <a:schemeClr val="lt1"/>
+          </a:fontRef>
+        </p:style>
+        <p:txBody>
+          <a:bodyPr rtlCol="0" anchor="ctr"/>
+          <a:lstStyle/>
+          <a:p>
+            <a:pPr algn="ctr"/>
+            <a:r>
+              <a:rPr lang="en-US" dirty="0">
+                <a:latin typeface="Consolas" panose="020B0609020204030204" pitchFamily="49" charset="0"/>
+              </a:rPr>
+              <a:t>Config 1</a:t>
+            </a:r>
+            <a:endParaRPr lang="en-AU" dirty="0">
+              <a:latin typeface="Consolas" panose="020B0609020204030204" pitchFamily="49" charset="0"/>
+            </a:endParaRPr>
+          </a:p>
+        </p:txBody>
+      </p:sp>
+      <p:sp>
+        <p:nvSpPr>
+          <p:cNvPr id="53" name="Rectangle 52">
+            <a:extLst>
+              <a:ext uri="{FF2B5EF4-FFF2-40B4-BE49-F238E27FC236}">
+                <a16:creationId xmlns:a16="http://schemas.microsoft.com/office/drawing/2014/main" id="{7FB3C7A7-9245-44EE-BAAE-848D42501D07}"/>
+              </a:ext>
+            </a:extLst>
+          </p:cNvPr>
+          <p:cNvSpPr/>
+          <p:nvPr/>
+        </p:nvSpPr>
+        <p:spPr>
+          <a:xfrm>
+            <a:off x="8976597" y="4130214"/>
+            <a:ext cx="1403764" cy="603209"/>
+          </a:xfrm>
+          <a:prstGeom prst="rect">
+            <a:avLst/>
+          </a:prstGeom>
+          <a:ln>
+            <a:noFill/>
+          </a:ln>
+          <a:effectLst>
+            <a:outerShdw blurRad="50800" dist="38100" dir="2700000" algn="tl" rotWithShape="0">
+              <a:prstClr val="black">
+                <a:alpha val="40000"/>
+              </a:prstClr>
+            </a:outerShdw>
+          </a:effectLst>
+        </p:spPr>
+        <p:style>
+          <a:lnRef idx="2">
+            <a:schemeClr val="accent1">
+              <a:shade val="50000"/>
+            </a:schemeClr>
+          </a:lnRef>
+          <a:fillRef idx="1">
+            <a:schemeClr val="accent1"/>
+          </a:fillRef>
+          <a:effectRef idx="0">
+            <a:schemeClr val="accent1"/>
+          </a:effectRef>
+          <a:fontRef idx="minor">
+            <a:schemeClr val="lt1"/>
+          </a:fontRef>
+        </p:style>
+        <p:txBody>
+          <a:bodyPr rtlCol="0" anchor="ctr"/>
+          <a:lstStyle/>
+          <a:p>
+            <a:pPr algn="ctr"/>
+            <a:r>
+              <a:rPr lang="en-US" dirty="0">
+                <a:latin typeface="Consolas" panose="020B0609020204030204" pitchFamily="49" charset="0"/>
+              </a:rPr>
+              <a:t>Config 2</a:t>
+            </a:r>
+            <a:endParaRPr lang="en-AU" dirty="0">
+              <a:latin typeface="Consolas" panose="020B0609020204030204" pitchFamily="49" charset="0"/>
+            </a:endParaRPr>
+          </a:p>
+        </p:txBody>
+      </p:sp>
+      <p:sp>
+        <p:nvSpPr>
+          <p:cNvPr id="54" name="Rectangle 53">
+            <a:extLst>
+              <a:ext uri="{FF2B5EF4-FFF2-40B4-BE49-F238E27FC236}">
+                <a16:creationId xmlns:a16="http://schemas.microsoft.com/office/drawing/2014/main" id="{EEA16EA8-1C74-4590-B812-F2EF50B649AC}"/>
+              </a:ext>
+            </a:extLst>
+          </p:cNvPr>
+          <p:cNvSpPr/>
+          <p:nvPr/>
+        </p:nvSpPr>
+        <p:spPr>
+          <a:xfrm>
+            <a:off x="218276" y="2135566"/>
+            <a:ext cx="3592707" cy="2648811"/>
+          </a:xfrm>
+          <a:prstGeom prst="rect">
+            <a:avLst/>
+          </a:prstGeom>
+          <a:noFill/>
+          <a:ln w="25400">
+            <a:solidFill>
+              <a:schemeClr val="bg1">
+                <a:lumMod val="65000"/>
+              </a:schemeClr>
+            </a:solidFill>
+            <a:prstDash val="sysDot"/>
+          </a:ln>
+        </p:spPr>
+        <p:style>
+          <a:lnRef idx="2">
+            <a:schemeClr val="accent1">
+              <a:shade val="50000"/>
+            </a:schemeClr>
+          </a:lnRef>
+          <a:fillRef idx="1">
+            <a:schemeClr val="accent1"/>
+          </a:fillRef>
+          <a:effectRef idx="0">
+            <a:schemeClr val="accent1"/>
+          </a:effectRef>
+          <a:fontRef idx="minor">
+            <a:schemeClr val="lt1"/>
+          </a:fontRef>
+        </p:style>
+        <p:txBody>
+          <a:bodyPr rtlCol="0" anchor="ctr"/>
+          <a:lstStyle/>
+          <a:p>
+            <a:pPr algn="ctr"/>
+            <a:endParaRPr lang="en-AU"/>
+          </a:p>
+        </p:txBody>
+      </p:sp>
+      <p:sp>
+        <p:nvSpPr>
+          <p:cNvPr id="56" name="Rectangle 55">
+            <a:extLst>
+              <a:ext uri="{FF2B5EF4-FFF2-40B4-BE49-F238E27FC236}">
+                <a16:creationId xmlns:a16="http://schemas.microsoft.com/office/drawing/2014/main" id="{687423B7-CABE-486D-B44B-CFEDE4B14E1C}"/>
+              </a:ext>
+            </a:extLst>
+          </p:cNvPr>
+          <p:cNvSpPr/>
+          <p:nvPr/>
+        </p:nvSpPr>
+        <p:spPr>
+          <a:xfrm>
+            <a:off x="4228856" y="2140482"/>
+            <a:ext cx="3592707" cy="2648811"/>
+          </a:xfrm>
+          <a:prstGeom prst="rect">
+            <a:avLst/>
+          </a:prstGeom>
+          <a:noFill/>
+          <a:ln w="25400">
+            <a:solidFill>
+              <a:schemeClr val="bg1">
+                <a:lumMod val="65000"/>
+              </a:schemeClr>
+            </a:solidFill>
+            <a:prstDash val="sysDot"/>
+          </a:ln>
+        </p:spPr>
+        <p:style>
+          <a:lnRef idx="2">
+            <a:schemeClr val="accent1">
+              <a:shade val="50000"/>
+            </a:schemeClr>
+          </a:lnRef>
+          <a:fillRef idx="1">
+            <a:schemeClr val="accent1"/>
+          </a:fillRef>
+          <a:effectRef idx="0">
+            <a:schemeClr val="accent1"/>
+          </a:effectRef>
+          <a:fontRef idx="minor">
+            <a:schemeClr val="lt1"/>
+          </a:fontRef>
+        </p:style>
+        <p:txBody>
+          <a:bodyPr rtlCol="0" anchor="ctr"/>
+          <a:lstStyle/>
+          <a:p>
+            <a:pPr algn="ctr"/>
+            <a:endParaRPr lang="en-AU"/>
+          </a:p>
+        </p:txBody>
+      </p:sp>
+      <p:sp>
+        <p:nvSpPr>
+          <p:cNvPr id="58" name="Rectangle 57">
+            <a:extLst>
+              <a:ext uri="{FF2B5EF4-FFF2-40B4-BE49-F238E27FC236}">
+                <a16:creationId xmlns:a16="http://schemas.microsoft.com/office/drawing/2014/main" id="{AAD6ECFC-11BD-4847-A4F2-22A2EF4653C9}"/>
+              </a:ext>
+            </a:extLst>
+          </p:cNvPr>
+          <p:cNvSpPr/>
+          <p:nvPr/>
+        </p:nvSpPr>
+        <p:spPr>
+          <a:xfrm>
+            <a:off x="8239436" y="2135566"/>
+            <a:ext cx="3592707" cy="2648811"/>
+          </a:xfrm>
+          <a:prstGeom prst="rect">
+            <a:avLst/>
+          </a:prstGeom>
+          <a:noFill/>
+          <a:ln w="25400">
+            <a:solidFill>
+              <a:schemeClr val="bg1">
+                <a:lumMod val="65000"/>
+              </a:schemeClr>
+            </a:solidFill>
+            <a:prstDash val="sysDot"/>
+          </a:ln>
+        </p:spPr>
+        <p:style>
+          <a:lnRef idx="2">
+            <a:schemeClr val="accent1">
+              <a:shade val="50000"/>
+            </a:schemeClr>
+          </a:lnRef>
+          <a:fillRef idx="1">
+            <a:schemeClr val="accent1"/>
+          </a:fillRef>
+          <a:effectRef idx="0">
+            <a:schemeClr val="accent1"/>
+          </a:effectRef>
+          <a:fontRef idx="minor">
+            <a:schemeClr val="lt1"/>
+          </a:fontRef>
+        </p:style>
+        <p:txBody>
+          <a:bodyPr rtlCol="0" anchor="ctr"/>
+          <a:lstStyle/>
+          <a:p>
+            <a:pPr algn="ctr"/>
+            <a:endParaRPr lang="en-AU"/>
+          </a:p>
+        </p:txBody>
+      </p:sp>
+      <p:sp>
+        <p:nvSpPr>
+          <p:cNvPr id="59" name="Rectangle 58">
+            <a:extLst>
+              <a:ext uri="{FF2B5EF4-FFF2-40B4-BE49-F238E27FC236}">
+                <a16:creationId xmlns:a16="http://schemas.microsoft.com/office/drawing/2014/main" id="{BB2FBC8D-46CB-4542-BBED-ABBE7FB53080}"/>
+              </a:ext>
+            </a:extLst>
+          </p:cNvPr>
+          <p:cNvSpPr/>
+          <p:nvPr/>
+        </p:nvSpPr>
+        <p:spPr>
+          <a:xfrm>
+            <a:off x="1298959" y="5462014"/>
+            <a:ext cx="700922" cy="324464"/>
+          </a:xfrm>
+          <a:prstGeom prst="rect">
+            <a:avLst/>
+          </a:prstGeom>
+          <a:solidFill>
+            <a:schemeClr val="accent6">
+              <a:lumMod val="50000"/>
+            </a:schemeClr>
+          </a:solidFill>
+          <a:ln>
+            <a:solidFill>
+              <a:schemeClr val="accent6">
+                <a:lumMod val="60000"/>
+                <a:lumOff val="40000"/>
+              </a:schemeClr>
+            </a:solidFill>
+          </a:ln>
+        </p:spPr>
+        <p:style>
+          <a:lnRef idx="2">
+            <a:schemeClr val="accent1">
+              <a:shade val="50000"/>
+            </a:schemeClr>
+          </a:lnRef>
+          <a:fillRef idx="1">
+            <a:schemeClr val="accent1"/>
+          </a:fillRef>
+          <a:effectRef idx="0">
+            <a:schemeClr val="accent1"/>
+          </a:effectRef>
+          <a:fontRef idx="minor">
+            <a:schemeClr val="lt1"/>
+          </a:fontRef>
+        </p:style>
+        <p:txBody>
+          <a:bodyPr rtlCol="0" anchor="ctr"/>
+          <a:lstStyle/>
+          <a:p>
+            <a:pPr algn="ctr"/>
+            <a:r>
+              <a:rPr lang="en-US" dirty="0"/>
+              <a:t>- {…}</a:t>
+            </a:r>
+            <a:endParaRPr lang="en-AU" dirty="0"/>
+          </a:p>
+        </p:txBody>
+      </p:sp>
+      <p:sp>
+        <p:nvSpPr>
+          <p:cNvPr id="63" name="Rectangle 62">
+            <a:extLst>
+              <a:ext uri="{FF2B5EF4-FFF2-40B4-BE49-F238E27FC236}">
+                <a16:creationId xmlns:a16="http://schemas.microsoft.com/office/drawing/2014/main" id="{73084C4B-A0DE-4599-9C13-47F957F4A9B1}"/>
+              </a:ext>
+            </a:extLst>
+          </p:cNvPr>
+          <p:cNvSpPr/>
+          <p:nvPr/>
+        </p:nvSpPr>
+        <p:spPr>
+          <a:xfrm>
+            <a:off x="6786772" y="497002"/>
+            <a:ext cx="2224057" cy="955696"/>
+          </a:xfrm>
+          <a:prstGeom prst="rect">
+            <a:avLst/>
+          </a:prstGeom>
+          <a:solidFill>
+            <a:schemeClr val="accent2">
+              <a:lumMod val="50000"/>
+              <a:alpha val="26000"/>
+            </a:schemeClr>
+          </a:solidFill>
+          <a:ln>
+            <a:solidFill>
+              <a:schemeClr val="accent2">
+                <a:lumMod val="50000"/>
+                <a:alpha val="30000"/>
+              </a:schemeClr>
+            </a:solidFill>
+          </a:ln>
+          <a:effectLst>
+            <a:outerShdw blurRad="50800" dist="38100" dir="2700000" algn="tl" rotWithShape="0">
+              <a:prstClr val="black">
+                <a:alpha val="40000"/>
+              </a:prstClr>
+            </a:outerShdw>
+          </a:effectLst>
+        </p:spPr>
+        <p:style>
+          <a:lnRef idx="2">
+            <a:schemeClr val="accent1">
+              <a:shade val="50000"/>
+            </a:schemeClr>
+          </a:lnRef>
+          <a:fillRef idx="1">
+            <a:schemeClr val="accent1"/>
+          </a:fillRef>
+          <a:effectRef idx="0">
+            <a:schemeClr val="accent1"/>
+          </a:effectRef>
+          <a:fontRef idx="minor">
+            <a:schemeClr val="lt1"/>
+          </a:fontRef>
+        </p:style>
+        <p:txBody>
+          <a:bodyPr rtlCol="0" anchor="ctr"/>
+          <a:lstStyle/>
+          <a:p>
+            <a:pPr algn="ctr"/>
+            <a:r>
+              <a:rPr lang="en-US" dirty="0"/>
+              <a:t>Pipeline B</a:t>
+            </a:r>
+            <a:endParaRPr lang="en-AU" dirty="0"/>
+          </a:p>
+        </p:txBody>
+      </p:sp>
+      <p:sp>
+        <p:nvSpPr>
+          <p:cNvPr id="65" name="Oval 64">
+            <a:extLst>
+              <a:ext uri="{FF2B5EF4-FFF2-40B4-BE49-F238E27FC236}">
+                <a16:creationId xmlns:a16="http://schemas.microsoft.com/office/drawing/2014/main" id="{0613A2A7-52F9-4D62-AFBA-42F9AC0A6A2A}"/>
+              </a:ext>
+            </a:extLst>
+          </p:cNvPr>
+          <p:cNvSpPr/>
+          <p:nvPr/>
+        </p:nvSpPr>
+        <p:spPr>
+          <a:xfrm>
+            <a:off x="7138864" y="1307436"/>
+            <a:ext cx="324464" cy="324464"/>
+          </a:xfrm>
+          <a:prstGeom prst="ellipse">
+            <a:avLst/>
+          </a:prstGeom>
+          <a:solidFill>
+            <a:schemeClr val="accent2">
+              <a:lumMod val="50000"/>
+              <a:alpha val="26000"/>
+            </a:schemeClr>
+          </a:solidFill>
+          <a:ln>
+            <a:solidFill>
+              <a:schemeClr val="accent2">
+                <a:lumMod val="50000"/>
+                <a:alpha val="30000"/>
+              </a:schemeClr>
+            </a:solidFill>
+          </a:ln>
+        </p:spPr>
+        <p:style>
+          <a:lnRef idx="2">
+            <a:schemeClr val="accent1">
+              <a:shade val="50000"/>
+            </a:schemeClr>
+          </a:lnRef>
+          <a:fillRef idx="1">
+            <a:schemeClr val="accent1"/>
+          </a:fillRef>
+          <a:effectRef idx="0">
+            <a:schemeClr val="accent1"/>
+          </a:effectRef>
+          <a:fontRef idx="minor">
+            <a:schemeClr val="lt1"/>
+          </a:fontRef>
+        </p:style>
+        <p:txBody>
+          <a:bodyPr rtlCol="0" anchor="ctr"/>
+          <a:lstStyle/>
+          <a:p>
+            <a:pPr algn="ctr"/>
+            <a:r>
+              <a:rPr lang="en-US" dirty="0"/>
+              <a:t>1</a:t>
+            </a:r>
+            <a:endParaRPr lang="en-AU" dirty="0"/>
+          </a:p>
+        </p:txBody>
+      </p:sp>
+      <p:sp>
+        <p:nvSpPr>
+          <p:cNvPr id="67" name="Oval 66">
+            <a:extLst>
+              <a:ext uri="{FF2B5EF4-FFF2-40B4-BE49-F238E27FC236}">
+                <a16:creationId xmlns:a16="http://schemas.microsoft.com/office/drawing/2014/main" id="{215C4852-D335-4474-A4C5-812A833C028D}"/>
+              </a:ext>
+            </a:extLst>
+          </p:cNvPr>
+          <p:cNvSpPr/>
+          <p:nvPr/>
+        </p:nvSpPr>
+        <p:spPr>
+          <a:xfrm>
+            <a:off x="7750382" y="1307436"/>
+            <a:ext cx="324464" cy="324464"/>
+          </a:xfrm>
+          <a:prstGeom prst="ellipse">
+            <a:avLst/>
+          </a:prstGeom>
+          <a:solidFill>
+            <a:schemeClr val="accent2">
+              <a:lumMod val="50000"/>
+              <a:alpha val="26000"/>
+            </a:schemeClr>
+          </a:solidFill>
+          <a:ln>
+            <a:solidFill>
+              <a:schemeClr val="accent2">
+                <a:lumMod val="50000"/>
+                <a:alpha val="30000"/>
+              </a:schemeClr>
+            </a:solidFill>
+          </a:ln>
+        </p:spPr>
+        <p:style>
+          <a:lnRef idx="2">
+            <a:schemeClr val="accent1">
+              <a:shade val="50000"/>
+            </a:schemeClr>
+          </a:lnRef>
+          <a:fillRef idx="1">
+            <a:schemeClr val="accent1"/>
+          </a:fillRef>
+          <a:effectRef idx="0">
+            <a:schemeClr val="accent1"/>
+          </a:effectRef>
+          <a:fontRef idx="minor">
+            <a:schemeClr val="lt1"/>
+          </a:fontRef>
+        </p:style>
+        <p:txBody>
+          <a:bodyPr rtlCol="0" anchor="ctr"/>
+          <a:lstStyle/>
+          <a:p>
+            <a:pPr algn="ctr"/>
+            <a:r>
+              <a:rPr lang="en-US" dirty="0"/>
+              <a:t>2</a:t>
+            </a:r>
+            <a:endParaRPr lang="en-AU" dirty="0"/>
+          </a:p>
+        </p:txBody>
+      </p:sp>
+      <p:sp>
+        <p:nvSpPr>
+          <p:cNvPr id="69" name="Oval 68">
+            <a:extLst>
+              <a:ext uri="{FF2B5EF4-FFF2-40B4-BE49-F238E27FC236}">
+                <a16:creationId xmlns:a16="http://schemas.microsoft.com/office/drawing/2014/main" id="{C51C740B-F430-4AD0-A815-B9FEBE568B67}"/>
+              </a:ext>
+            </a:extLst>
+          </p:cNvPr>
+          <p:cNvSpPr/>
+          <p:nvPr/>
+        </p:nvSpPr>
+        <p:spPr>
+          <a:xfrm>
+            <a:off x="8330437" y="1307436"/>
+            <a:ext cx="324464" cy="324464"/>
+          </a:xfrm>
+          <a:prstGeom prst="ellipse">
+            <a:avLst/>
+          </a:prstGeom>
+          <a:solidFill>
+            <a:schemeClr val="accent2">
+              <a:lumMod val="50000"/>
+              <a:alpha val="26000"/>
+            </a:schemeClr>
+          </a:solidFill>
+          <a:ln>
+            <a:solidFill>
+              <a:schemeClr val="accent2">
+                <a:lumMod val="50000"/>
+                <a:alpha val="30000"/>
+              </a:schemeClr>
+            </a:solidFill>
+          </a:ln>
+        </p:spPr>
+        <p:style>
+          <a:lnRef idx="2">
+            <a:schemeClr val="accent1">
+              <a:shade val="50000"/>
+            </a:schemeClr>
+          </a:lnRef>
+          <a:fillRef idx="1">
+            <a:schemeClr val="accent1"/>
+          </a:fillRef>
+          <a:effectRef idx="0">
+            <a:schemeClr val="accent1"/>
+          </a:effectRef>
+          <a:fontRef idx="minor">
+            <a:schemeClr val="lt1"/>
+          </a:fontRef>
+        </p:style>
+        <p:txBody>
+          <a:bodyPr rtlCol="0" anchor="ctr"/>
+          <a:lstStyle/>
+          <a:p>
+            <a:pPr algn="ctr"/>
+            <a:r>
+              <a:rPr lang="en-US" dirty="0"/>
+              <a:t>2</a:t>
+            </a:r>
+            <a:endParaRPr lang="en-AU" dirty="0"/>
+          </a:p>
+        </p:txBody>
+      </p:sp>
+      <p:sp>
+        <p:nvSpPr>
+          <p:cNvPr id="22" name="Rectangle 21">
+            <a:extLst>
+              <a:ext uri="{FF2B5EF4-FFF2-40B4-BE49-F238E27FC236}">
+                <a16:creationId xmlns:a16="http://schemas.microsoft.com/office/drawing/2014/main" id="{793C50B7-95E3-4178-968F-3212198BA396}"/>
+              </a:ext>
+            </a:extLst>
+          </p:cNvPr>
+          <p:cNvSpPr/>
+          <p:nvPr/>
+        </p:nvSpPr>
+        <p:spPr>
+          <a:xfrm>
+            <a:off x="1298959" y="6015024"/>
+            <a:ext cx="700922" cy="324464"/>
+          </a:xfrm>
+          <a:prstGeom prst="rect">
+            <a:avLst/>
+          </a:prstGeom>
+          <a:solidFill>
+            <a:schemeClr val="accent6">
+              <a:lumMod val="50000"/>
+            </a:schemeClr>
+          </a:solidFill>
+          <a:ln>
+            <a:solidFill>
+              <a:schemeClr val="accent6">
+                <a:lumMod val="60000"/>
+                <a:lumOff val="40000"/>
+              </a:schemeClr>
+            </a:solidFill>
+          </a:ln>
+        </p:spPr>
+        <p:style>
+          <a:lnRef idx="2">
+            <a:schemeClr val="accent1">
+              <a:shade val="50000"/>
+            </a:schemeClr>
+          </a:lnRef>
+          <a:fillRef idx="1">
+            <a:schemeClr val="accent1"/>
+          </a:fillRef>
+          <a:effectRef idx="0">
+            <a:schemeClr val="accent1"/>
+          </a:effectRef>
+          <a:fontRef idx="minor">
+            <a:schemeClr val="lt1"/>
+          </a:fontRef>
+        </p:style>
+        <p:txBody>
+          <a:bodyPr rtlCol="0" anchor="ctr"/>
+          <a:lstStyle/>
+          <a:p>
+            <a:pPr algn="ctr"/>
+            <a:r>
+              <a:rPr lang="en-US" dirty="0"/>
+              <a:t>- {…}</a:t>
+            </a:r>
+            <a:endParaRPr lang="en-AU" dirty="0"/>
+          </a:p>
+        </p:txBody>
+      </p:sp>
+    </p:spTree>
+    <p:extLst>
+      <p:ext uri="{BB962C8B-B14F-4D97-AF65-F5344CB8AC3E}">
+        <p14:creationId xmlns:p14="http://schemas.microsoft.com/office/powerpoint/2010/main" val="2632490884"/>
+      </p:ext>
+    </p:extLst>
+  </p:cSld>
+  <p:clrMapOvr>
+    <a:masterClrMapping/>
+  </p:clrMapOvr>
+</p:sld>
+</file>
+
+<file path=ppt/slides/slide4.xml><?xml version="1.0" encoding="utf-8"?>
+<p:sld xmlns:a="http://schemas.openxmlformats.org/drawingml/2006/main" xmlns:r="http://schemas.openxmlformats.org/officeDocument/2006/relationships" xmlns:p="http://schemas.openxmlformats.org/presentationml/2006/main">
+  <p:cSld>
+    <p:spTree>
+      <p:nvGrpSpPr>
+        <p:cNvPr id="1" name=""/>
+        <p:cNvGrpSpPr/>
+        <p:nvPr/>
+      </p:nvGrpSpPr>
+      <p:grpSpPr>
+        <a:xfrm>
+          <a:off x="0" y="0"/>
+          <a:ext cx="0" cy="0"/>
+          <a:chOff x="0" y="0"/>
+          <a:chExt cx="0" cy="0"/>
+        </a:xfrm>
+      </p:grpSpPr>
+      <p:cxnSp>
+        <p:nvCxnSpPr>
+          <p:cNvPr id="71" name="Straight Arrow Connector 70">
+            <a:extLst>
+              <a:ext uri="{FF2B5EF4-FFF2-40B4-BE49-F238E27FC236}">
+                <a16:creationId xmlns:a16="http://schemas.microsoft.com/office/drawing/2014/main" id="{DB3E5D1B-86A9-44EB-B85E-0CA37E4C6059}"/>
+              </a:ext>
+            </a:extLst>
+          </p:cNvPr>
+          <p:cNvCxnSpPr>
+            <a:cxnSpLocks/>
+            <a:stCxn id="6" idx="2"/>
+            <a:endCxn id="59" idx="3"/>
+          </p:cNvCxnSpPr>
+          <p:nvPr/>
+        </p:nvCxnSpPr>
+        <p:spPr>
+          <a:xfrm>
+            <a:off x="2618188" y="3103093"/>
+            <a:ext cx="1868524" cy="2361833"/>
+          </a:xfrm>
+          <a:prstGeom prst="straightConnector1">
+            <a:avLst/>
+          </a:prstGeom>
+          <a:ln w="31750">
+            <a:solidFill>
+              <a:schemeClr val="accent6">
+                <a:lumMod val="75000"/>
+              </a:schemeClr>
+            </a:solidFill>
+            <a:prstDash val="dash"/>
+            <a:tailEnd type="triangle"/>
+          </a:ln>
+        </p:spPr>
+        <p:style>
+          <a:lnRef idx="1">
+            <a:schemeClr val="accent1"/>
+          </a:lnRef>
+          <a:fillRef idx="0">
+            <a:schemeClr val="accent1"/>
+          </a:fillRef>
+          <a:effectRef idx="0">
+            <a:schemeClr val="accent1"/>
+          </a:effectRef>
+          <a:fontRef idx="minor">
+            <a:schemeClr val="tx1"/>
+          </a:fontRef>
+        </p:style>
+      </p:cxnSp>
+      <p:cxnSp>
+        <p:nvCxnSpPr>
+          <p:cNvPr id="72" name="Straight Arrow Connector 71">
+            <a:extLst>
+              <a:ext uri="{FF2B5EF4-FFF2-40B4-BE49-F238E27FC236}">
+                <a16:creationId xmlns:a16="http://schemas.microsoft.com/office/drawing/2014/main" id="{C29FDA87-6FB8-4009-8765-C0A5ECD2F5B1}"/>
+              </a:ext>
+            </a:extLst>
+          </p:cNvPr>
+          <p:cNvCxnSpPr>
+            <a:cxnSpLocks/>
+            <a:stCxn id="23" idx="2"/>
+            <a:endCxn id="59" idx="3"/>
+          </p:cNvCxnSpPr>
+          <p:nvPr/>
+        </p:nvCxnSpPr>
+        <p:spPr>
+          <a:xfrm>
+            <a:off x="1087918" y="4327140"/>
+            <a:ext cx="3398794" cy="1137786"/>
+          </a:xfrm>
+          <a:prstGeom prst="straightConnector1">
+            <a:avLst/>
+          </a:prstGeom>
+          <a:ln w="31750">
+            <a:solidFill>
+              <a:schemeClr val="accent6">
+                <a:lumMod val="75000"/>
+              </a:schemeClr>
+            </a:solidFill>
+            <a:prstDash val="dash"/>
+            <a:tailEnd type="triangle"/>
+          </a:ln>
+        </p:spPr>
+        <p:style>
+          <a:lnRef idx="1">
+            <a:schemeClr val="accent1"/>
+          </a:lnRef>
+          <a:fillRef idx="0">
+            <a:schemeClr val="accent1"/>
+          </a:fillRef>
+          <a:effectRef idx="0">
+            <a:schemeClr val="accent1"/>
+          </a:effectRef>
+          <a:fontRef idx="minor">
+            <a:schemeClr val="tx1"/>
+          </a:fontRef>
+        </p:style>
+      </p:cxnSp>
+      <p:cxnSp>
+        <p:nvCxnSpPr>
+          <p:cNvPr id="80" name="Straight Arrow Connector 79">
+            <a:extLst>
+              <a:ext uri="{FF2B5EF4-FFF2-40B4-BE49-F238E27FC236}">
+                <a16:creationId xmlns:a16="http://schemas.microsoft.com/office/drawing/2014/main" id="{626BD533-8AB4-40B0-966F-8832738B9EE8}"/>
+              </a:ext>
+            </a:extLst>
+          </p:cNvPr>
+          <p:cNvCxnSpPr>
+            <a:cxnSpLocks/>
+            <a:stCxn id="35" idx="2"/>
+            <a:endCxn id="22" idx="3"/>
+          </p:cNvCxnSpPr>
+          <p:nvPr/>
+        </p:nvCxnSpPr>
+        <p:spPr>
+          <a:xfrm flipH="1">
+            <a:off x="5048559" y="3936362"/>
+            <a:ext cx="4145992" cy="1528565"/>
+          </a:xfrm>
+          <a:prstGeom prst="straightConnector1">
+            <a:avLst/>
+          </a:prstGeom>
+          <a:ln w="31750">
+            <a:solidFill>
+              <a:schemeClr val="accent6">
+                <a:lumMod val="75000"/>
+              </a:schemeClr>
+            </a:solidFill>
+            <a:prstDash val="dash"/>
+            <a:tailEnd type="triangle"/>
+          </a:ln>
+        </p:spPr>
+        <p:style>
+          <a:lnRef idx="1">
+            <a:schemeClr val="accent1"/>
+          </a:lnRef>
+          <a:fillRef idx="0">
+            <a:schemeClr val="accent1"/>
+          </a:fillRef>
+          <a:effectRef idx="0">
+            <a:schemeClr val="accent1"/>
+          </a:effectRef>
+          <a:fontRef idx="minor">
+            <a:schemeClr val="tx1"/>
+          </a:fontRef>
+        </p:style>
+      </p:cxnSp>
+      <p:cxnSp>
+        <p:nvCxnSpPr>
+          <p:cNvPr id="86" name="Straight Arrow Connector 85">
+            <a:extLst>
+              <a:ext uri="{FF2B5EF4-FFF2-40B4-BE49-F238E27FC236}">
+                <a16:creationId xmlns:a16="http://schemas.microsoft.com/office/drawing/2014/main" id="{C12CCCB0-438C-450E-BA29-DE084FB1D3CD}"/>
+              </a:ext>
+            </a:extLst>
+          </p:cNvPr>
+          <p:cNvCxnSpPr>
+            <a:cxnSpLocks/>
+            <a:stCxn id="53" idx="2"/>
+            <a:endCxn id="22" idx="3"/>
+          </p:cNvCxnSpPr>
+          <p:nvPr/>
+        </p:nvCxnSpPr>
+        <p:spPr>
+          <a:xfrm flipH="1">
+            <a:off x="5048559" y="4733423"/>
+            <a:ext cx="4629920" cy="731504"/>
+          </a:xfrm>
+          <a:prstGeom prst="straightConnector1">
+            <a:avLst/>
+          </a:prstGeom>
+          <a:ln w="31750">
+            <a:solidFill>
+              <a:schemeClr val="accent6">
+                <a:lumMod val="75000"/>
+              </a:schemeClr>
+            </a:solidFill>
+            <a:prstDash val="dash"/>
+            <a:tailEnd type="triangle"/>
+          </a:ln>
+        </p:spPr>
+        <p:style>
+          <a:lnRef idx="1">
+            <a:schemeClr val="accent1"/>
+          </a:lnRef>
+          <a:fillRef idx="0">
+            <a:schemeClr val="accent1"/>
+          </a:fillRef>
+          <a:effectRef idx="0">
+            <a:schemeClr val="accent1"/>
+          </a:effectRef>
+          <a:fontRef idx="minor">
+            <a:schemeClr val="tx1"/>
+          </a:fontRef>
+        </p:style>
+      </p:cxnSp>
+      <p:cxnSp>
+        <p:nvCxnSpPr>
+          <p:cNvPr id="76" name="Straight Arrow Connector 75">
+            <a:extLst>
+              <a:ext uri="{FF2B5EF4-FFF2-40B4-BE49-F238E27FC236}">
+                <a16:creationId xmlns:a16="http://schemas.microsoft.com/office/drawing/2014/main" id="{D3774586-04AD-4E15-A981-0CA6ED346827}"/>
+              </a:ext>
+            </a:extLst>
+          </p:cNvPr>
+          <p:cNvCxnSpPr>
+            <a:cxnSpLocks/>
+            <a:stCxn id="23" idx="0"/>
+            <a:endCxn id="31" idx="1"/>
+          </p:cNvCxnSpPr>
+          <p:nvPr/>
+        </p:nvCxnSpPr>
+        <p:spPr>
+          <a:xfrm flipV="1">
+            <a:off x="1087918" y="1414924"/>
+            <a:ext cx="6733645" cy="2309007"/>
+          </a:xfrm>
+          <a:prstGeom prst="straightConnector1">
+            <a:avLst/>
+          </a:prstGeom>
+          <a:ln w="19050">
+            <a:solidFill>
+              <a:schemeClr val="accent2">
+                <a:lumMod val="50000"/>
+                <a:alpha val="30000"/>
+              </a:schemeClr>
+            </a:solidFill>
+            <a:prstDash val="dash"/>
+            <a:tailEnd type="triangle"/>
+          </a:ln>
+        </p:spPr>
+        <p:style>
+          <a:lnRef idx="1">
+            <a:schemeClr val="dk1"/>
+          </a:lnRef>
+          <a:fillRef idx="0">
+            <a:schemeClr val="dk1"/>
+          </a:fillRef>
+          <a:effectRef idx="0">
+            <a:schemeClr val="dk1"/>
+          </a:effectRef>
+          <a:fontRef idx="minor">
+            <a:schemeClr val="tx1"/>
+          </a:fontRef>
+        </p:style>
+      </p:cxnSp>
+      <p:cxnSp>
+        <p:nvCxnSpPr>
+          <p:cNvPr id="78" name="Straight Arrow Connector 77">
+            <a:extLst>
+              <a:ext uri="{FF2B5EF4-FFF2-40B4-BE49-F238E27FC236}">
+                <a16:creationId xmlns:a16="http://schemas.microsoft.com/office/drawing/2014/main" id="{8A42E9DA-5B79-4D90-A751-149E9592A127}"/>
+              </a:ext>
+            </a:extLst>
+          </p:cNvPr>
+          <p:cNvCxnSpPr>
+            <a:cxnSpLocks/>
+            <a:stCxn id="21" idx="0"/>
+            <a:endCxn id="31" idx="1"/>
+          </p:cNvCxnSpPr>
+          <p:nvPr/>
+        </p:nvCxnSpPr>
+        <p:spPr>
+          <a:xfrm flipV="1">
+            <a:off x="2788190" y="1414924"/>
+            <a:ext cx="5033373" cy="2025981"/>
+          </a:xfrm>
+          <a:prstGeom prst="straightConnector1">
+            <a:avLst/>
+          </a:prstGeom>
+          <a:ln w="19050">
+            <a:solidFill>
+              <a:schemeClr val="accent2">
+                <a:lumMod val="50000"/>
+                <a:alpha val="30000"/>
+              </a:schemeClr>
+            </a:solidFill>
+            <a:prstDash val="dash"/>
+            <a:tailEnd type="triangle"/>
+          </a:ln>
+        </p:spPr>
+        <p:style>
+          <a:lnRef idx="1">
+            <a:schemeClr val="dk1"/>
+          </a:lnRef>
+          <a:fillRef idx="0">
+            <a:schemeClr val="dk1"/>
+          </a:fillRef>
+          <a:effectRef idx="0">
+            <a:schemeClr val="dk1"/>
+          </a:effectRef>
+          <a:fontRef idx="minor">
+            <a:schemeClr val="tx1"/>
+          </a:fontRef>
+        </p:style>
+      </p:cxnSp>
+      <p:cxnSp>
+        <p:nvCxnSpPr>
+          <p:cNvPr id="88" name="Straight Arrow Connector 87">
+            <a:extLst>
+              <a:ext uri="{FF2B5EF4-FFF2-40B4-BE49-F238E27FC236}">
+                <a16:creationId xmlns:a16="http://schemas.microsoft.com/office/drawing/2014/main" id="{E620B776-8781-40EE-8AAC-07FB1D515049}"/>
+              </a:ext>
+            </a:extLst>
+          </p:cNvPr>
+          <p:cNvCxnSpPr>
+            <a:cxnSpLocks/>
+            <a:stCxn id="24" idx="0"/>
+            <a:endCxn id="32" idx="1"/>
+          </p:cNvCxnSpPr>
+          <p:nvPr/>
+        </p:nvCxnSpPr>
+        <p:spPr>
+          <a:xfrm flipV="1">
+            <a:off x="5140206" y="1413651"/>
+            <a:ext cx="3147611" cy="1931380"/>
+          </a:xfrm>
+          <a:prstGeom prst="straightConnector1">
+            <a:avLst/>
+          </a:prstGeom>
+          <a:ln w="19050">
+            <a:solidFill>
+              <a:schemeClr val="accent2">
+                <a:lumMod val="50000"/>
+                <a:alpha val="30000"/>
+              </a:schemeClr>
+            </a:solidFill>
+            <a:prstDash val="dash"/>
+            <a:tailEnd type="triangle"/>
+          </a:ln>
+        </p:spPr>
+        <p:style>
+          <a:lnRef idx="1">
+            <a:schemeClr val="dk1"/>
+          </a:lnRef>
+          <a:fillRef idx="0">
+            <a:schemeClr val="dk1"/>
+          </a:fillRef>
+          <a:effectRef idx="0">
+            <a:schemeClr val="dk1"/>
+          </a:effectRef>
+          <a:fontRef idx="minor">
+            <a:schemeClr val="tx1"/>
+          </a:fontRef>
+        </p:style>
+      </p:cxnSp>
+      <p:cxnSp>
+        <p:nvCxnSpPr>
+          <p:cNvPr id="90" name="Straight Arrow Connector 89">
+            <a:extLst>
+              <a:ext uri="{FF2B5EF4-FFF2-40B4-BE49-F238E27FC236}">
+                <a16:creationId xmlns:a16="http://schemas.microsoft.com/office/drawing/2014/main" id="{31F66451-7FE7-4E21-902C-7393C4BB71EE}"/>
+              </a:ext>
+            </a:extLst>
+          </p:cNvPr>
+          <p:cNvCxnSpPr>
+            <a:cxnSpLocks/>
+            <a:stCxn id="29" idx="0"/>
+            <a:endCxn id="32" idx="1"/>
+          </p:cNvCxnSpPr>
+          <p:nvPr/>
+        </p:nvCxnSpPr>
+        <p:spPr>
+          <a:xfrm flipV="1">
+            <a:off x="6693693" y="1413651"/>
+            <a:ext cx="1594124" cy="1387837"/>
+          </a:xfrm>
+          <a:prstGeom prst="straightConnector1">
+            <a:avLst/>
+          </a:prstGeom>
+          <a:ln w="19050">
+            <a:solidFill>
+              <a:schemeClr val="accent2">
+                <a:lumMod val="50000"/>
+                <a:alpha val="30000"/>
+              </a:schemeClr>
+            </a:solidFill>
+            <a:prstDash val="dash"/>
+            <a:tailEnd type="triangle"/>
+          </a:ln>
+        </p:spPr>
+        <p:style>
+          <a:lnRef idx="1">
+            <a:schemeClr val="dk1"/>
+          </a:lnRef>
+          <a:fillRef idx="0">
+            <a:schemeClr val="dk1"/>
+          </a:fillRef>
+          <a:effectRef idx="0">
+            <a:schemeClr val="dk1"/>
+          </a:effectRef>
+          <a:fontRef idx="minor">
+            <a:schemeClr val="tx1"/>
+          </a:fontRef>
+        </p:style>
+      </p:cxnSp>
+      <p:cxnSp>
+        <p:nvCxnSpPr>
+          <p:cNvPr id="94" name="Straight Arrow Connector 93">
+            <a:extLst>
+              <a:ext uri="{FF2B5EF4-FFF2-40B4-BE49-F238E27FC236}">
+                <a16:creationId xmlns:a16="http://schemas.microsoft.com/office/drawing/2014/main" id="{94D7C9D9-8134-4EBA-9EE5-381014BB15D3}"/>
+              </a:ext>
+            </a:extLst>
+          </p:cNvPr>
+          <p:cNvCxnSpPr>
+            <a:cxnSpLocks/>
+            <a:stCxn id="51" idx="0"/>
+            <a:endCxn id="33" idx="1"/>
+          </p:cNvCxnSpPr>
+          <p:nvPr/>
+        </p:nvCxnSpPr>
+        <p:spPr>
+          <a:xfrm flipH="1" flipV="1">
+            <a:off x="8754071" y="1413651"/>
+            <a:ext cx="2215503" cy="1066370"/>
+          </a:xfrm>
+          <a:prstGeom prst="straightConnector1">
+            <a:avLst/>
+          </a:prstGeom>
+          <a:ln w="19050">
+            <a:solidFill>
+              <a:schemeClr val="accent2">
+                <a:lumMod val="50000"/>
+                <a:alpha val="30000"/>
+              </a:schemeClr>
+            </a:solidFill>
+            <a:prstDash val="dash"/>
+            <a:tailEnd type="triangle"/>
+          </a:ln>
+        </p:spPr>
+        <p:style>
+          <a:lnRef idx="1">
+            <a:schemeClr val="dk1"/>
+          </a:lnRef>
+          <a:fillRef idx="0">
+            <a:schemeClr val="dk1"/>
+          </a:fillRef>
+          <a:effectRef idx="0">
+            <a:schemeClr val="dk1"/>
+          </a:effectRef>
+          <a:fontRef idx="minor">
+            <a:schemeClr val="tx1"/>
+          </a:fontRef>
+        </p:style>
+      </p:cxnSp>
+      <p:cxnSp>
+        <p:nvCxnSpPr>
+          <p:cNvPr id="96" name="Straight Arrow Connector 95">
+            <a:extLst>
+              <a:ext uri="{FF2B5EF4-FFF2-40B4-BE49-F238E27FC236}">
+                <a16:creationId xmlns:a16="http://schemas.microsoft.com/office/drawing/2014/main" id="{8BA5A299-7247-4752-BE24-43AE4A46681F}"/>
+              </a:ext>
+            </a:extLst>
+          </p:cNvPr>
+          <p:cNvCxnSpPr>
+            <a:cxnSpLocks/>
+            <a:stCxn id="49" idx="0"/>
+            <a:endCxn id="33" idx="1"/>
+          </p:cNvCxnSpPr>
+          <p:nvPr/>
+        </p:nvCxnSpPr>
+        <p:spPr>
+          <a:xfrm flipH="1" flipV="1">
+            <a:off x="8754071" y="1413651"/>
+            <a:ext cx="2110217" cy="1933587"/>
+          </a:xfrm>
+          <a:prstGeom prst="straightConnector1">
+            <a:avLst/>
+          </a:prstGeom>
+          <a:ln w="19050">
+            <a:solidFill>
+              <a:schemeClr val="accent2">
+                <a:lumMod val="50000"/>
+                <a:alpha val="30000"/>
+              </a:schemeClr>
+            </a:solidFill>
+            <a:prstDash val="dash"/>
+            <a:tailEnd type="triangle"/>
+          </a:ln>
+        </p:spPr>
+        <p:style>
+          <a:lnRef idx="1">
+            <a:schemeClr val="dk1"/>
+          </a:lnRef>
+          <a:fillRef idx="0">
+            <a:schemeClr val="dk1"/>
+          </a:fillRef>
+          <a:effectRef idx="0">
+            <a:schemeClr val="dk1"/>
+          </a:effectRef>
+          <a:fontRef idx="minor">
+            <a:schemeClr val="tx1"/>
+          </a:fontRef>
+        </p:style>
+      </p:cxnSp>
+      <p:sp>
+        <p:nvSpPr>
+          <p:cNvPr id="6" name="Rectangle 5">
+            <a:extLst>
+              <a:ext uri="{FF2B5EF4-FFF2-40B4-BE49-F238E27FC236}">
+                <a16:creationId xmlns:a16="http://schemas.microsoft.com/office/drawing/2014/main" id="{8F8B0C78-FE37-4D26-B788-3B6ABBF2E9C3}"/>
+              </a:ext>
+            </a:extLst>
+          </p:cNvPr>
+          <p:cNvSpPr/>
+          <p:nvPr/>
+        </p:nvSpPr>
+        <p:spPr>
+          <a:xfrm>
+            <a:off x="1916306" y="2499884"/>
+            <a:ext cx="1403764" cy="603209"/>
+          </a:xfrm>
+          <a:prstGeom prst="rect">
+            <a:avLst/>
+          </a:prstGeom>
+          <a:ln>
+            <a:noFill/>
+          </a:ln>
+          <a:effectLst>
+            <a:outerShdw blurRad="50800" dist="38100" dir="2700000" algn="tl" rotWithShape="0">
+              <a:prstClr val="black">
+                <a:alpha val="40000"/>
+              </a:prstClr>
+            </a:outerShdw>
+          </a:effectLst>
+        </p:spPr>
+        <p:style>
+          <a:lnRef idx="2">
+            <a:schemeClr val="accent1">
+              <a:shade val="50000"/>
+            </a:schemeClr>
+          </a:lnRef>
+          <a:fillRef idx="1">
+            <a:schemeClr val="accent1"/>
+          </a:fillRef>
+          <a:effectRef idx="0">
+            <a:schemeClr val="accent1"/>
+          </a:effectRef>
+          <a:fontRef idx="minor">
+            <a:schemeClr val="lt1"/>
+          </a:fontRef>
+        </p:style>
+        <p:txBody>
+          <a:bodyPr rtlCol="0" anchor="ctr"/>
+          <a:lstStyle/>
+          <a:p>
+            <a:pPr algn="ctr"/>
+            <a:r>
+              <a:rPr lang="en-US" dirty="0">
+                <a:latin typeface="Consolas" panose="020B0609020204030204" pitchFamily="49" charset="0"/>
+              </a:rPr>
+              <a:t>Model 1</a:t>
+            </a:r>
+            <a:endParaRPr lang="en-AU" dirty="0">
+              <a:latin typeface="Consolas" panose="020B0609020204030204" pitchFamily="49" charset="0"/>
+            </a:endParaRPr>
+          </a:p>
+        </p:txBody>
+      </p:sp>
+      <p:sp>
+        <p:nvSpPr>
+          <p:cNvPr id="39" name="Rectangle 38">
+            <a:extLst>
+              <a:ext uri="{FF2B5EF4-FFF2-40B4-BE49-F238E27FC236}">
+                <a16:creationId xmlns:a16="http://schemas.microsoft.com/office/drawing/2014/main" id="{EAA56939-CBD7-4F87-95C3-E91AE981EF81}"/>
+              </a:ext>
+            </a:extLst>
+          </p:cNvPr>
+          <p:cNvSpPr/>
+          <p:nvPr/>
+        </p:nvSpPr>
+        <p:spPr>
+          <a:xfrm>
+            <a:off x="2788190" y="5591079"/>
+            <a:ext cx="2701093" cy="795693"/>
+          </a:xfrm>
+          <a:prstGeom prst="rect">
+            <a:avLst/>
+          </a:prstGeom>
+          <a:solidFill>
+            <a:schemeClr val="accent6">
+              <a:lumMod val="50000"/>
+            </a:schemeClr>
+          </a:solidFill>
+          <a:ln>
+            <a:solidFill>
+              <a:schemeClr val="accent6">
+                <a:lumMod val="60000"/>
+                <a:lumOff val="40000"/>
+              </a:schemeClr>
+            </a:solidFill>
+          </a:ln>
+          <a:effectLst>
+            <a:outerShdw blurRad="50800" dist="38100" dir="2700000" algn="tl" rotWithShape="0">
+              <a:prstClr val="black">
+                <a:alpha val="40000"/>
+              </a:prstClr>
+            </a:outerShdw>
+          </a:effectLst>
+        </p:spPr>
+        <p:style>
+          <a:lnRef idx="2">
+            <a:schemeClr val="accent1">
+              <a:shade val="50000"/>
+            </a:schemeClr>
+          </a:lnRef>
+          <a:fillRef idx="1">
+            <a:schemeClr val="accent1"/>
+          </a:fillRef>
+          <a:effectRef idx="0">
+            <a:schemeClr val="accent1"/>
+          </a:effectRef>
+          <a:fontRef idx="minor">
+            <a:schemeClr val="lt1"/>
+          </a:fontRef>
+        </p:style>
+        <p:txBody>
+          <a:bodyPr rtlCol="0" anchor="ctr"/>
+          <a:lstStyle/>
+          <a:p>
+            <a:r>
+              <a:rPr lang="en-US" dirty="0"/>
+              <a:t>   Pipeline A</a:t>
+            </a:r>
+            <a:endParaRPr lang="en-AU" dirty="0"/>
+          </a:p>
+        </p:txBody>
+      </p:sp>
+      <p:sp>
+        <p:nvSpPr>
+          <p:cNvPr id="43" name="Rectangle 42">
+            <a:extLst>
+              <a:ext uri="{FF2B5EF4-FFF2-40B4-BE49-F238E27FC236}">
+                <a16:creationId xmlns:a16="http://schemas.microsoft.com/office/drawing/2014/main" id="{8E1C559A-A72A-4A34-A0A5-F4EC57BD3BF5}"/>
+              </a:ext>
+            </a:extLst>
+          </p:cNvPr>
+          <p:cNvSpPr/>
+          <p:nvPr/>
+        </p:nvSpPr>
+        <p:spPr>
+          <a:xfrm>
+            <a:off x="310291" y="2380502"/>
+            <a:ext cx="1438214" cy="954107"/>
+          </a:xfrm>
+          <a:prstGeom prst="rect">
+            <a:avLst/>
+          </a:prstGeom>
+          <a:noFill/>
+        </p:spPr>
+        <p:txBody>
+          <a:bodyPr wrap="none" lIns="91440" tIns="45720" rIns="91440" bIns="45720">
+            <a:spAutoFit/>
+          </a:bodyPr>
+          <a:lstStyle/>
+          <a:p>
+            <a:pPr algn="ctr"/>
+            <a:r>
+              <a:rPr lang="en-US" sz="2800" b="0" cap="none" spc="0" dirty="0">
+                <a:ln w="0"/>
+                <a:solidFill>
+                  <a:schemeClr val="tx1"/>
+                </a:solidFill>
+              </a:rPr>
+              <a:t>Metric</a:t>
+            </a:r>
+          </a:p>
+          <a:p>
+            <a:pPr algn="ctr"/>
+            <a:r>
+              <a:rPr lang="en-US" sz="2800" dirty="0">
+                <a:ln w="0"/>
+              </a:rPr>
+              <a:t>Learning</a:t>
+            </a:r>
+            <a:endParaRPr lang="en-US" sz="2800" b="0" cap="none" spc="0" dirty="0">
+              <a:ln w="0"/>
+              <a:solidFill>
+                <a:schemeClr val="tx1"/>
+              </a:solidFill>
+            </a:endParaRPr>
+          </a:p>
+        </p:txBody>
+      </p:sp>
+      <p:sp>
+        <p:nvSpPr>
+          <p:cNvPr id="21" name="Rectangle 20">
+            <a:extLst>
+              <a:ext uri="{FF2B5EF4-FFF2-40B4-BE49-F238E27FC236}">
+                <a16:creationId xmlns:a16="http://schemas.microsoft.com/office/drawing/2014/main" id="{A881BFA0-2AD9-4667-8114-C4D52E0D5314}"/>
+              </a:ext>
+            </a:extLst>
+          </p:cNvPr>
+          <p:cNvSpPr/>
+          <p:nvPr/>
+        </p:nvSpPr>
+        <p:spPr>
+          <a:xfrm>
+            <a:off x="2086308" y="3440905"/>
+            <a:ext cx="1403764" cy="603209"/>
+          </a:xfrm>
+          <a:prstGeom prst="rect">
+            <a:avLst/>
+          </a:prstGeom>
+          <a:ln>
+            <a:noFill/>
+          </a:ln>
+          <a:effectLst>
+            <a:outerShdw blurRad="50800" dist="38100" dir="2700000" algn="tl" rotWithShape="0">
+              <a:prstClr val="black">
+                <a:alpha val="40000"/>
+              </a:prstClr>
+            </a:outerShdw>
+          </a:effectLst>
+        </p:spPr>
+        <p:style>
+          <a:lnRef idx="2">
+            <a:schemeClr val="accent1">
+              <a:shade val="50000"/>
+            </a:schemeClr>
+          </a:lnRef>
+          <a:fillRef idx="1">
+            <a:schemeClr val="accent1"/>
+          </a:fillRef>
+          <a:effectRef idx="0">
+            <a:schemeClr val="accent1"/>
+          </a:effectRef>
+          <a:fontRef idx="minor">
+            <a:schemeClr val="lt1"/>
+          </a:fontRef>
+        </p:style>
+        <p:txBody>
+          <a:bodyPr rtlCol="0" anchor="ctr"/>
+          <a:lstStyle/>
+          <a:p>
+            <a:pPr algn="ctr"/>
+            <a:r>
+              <a:rPr lang="en-US" dirty="0">
+                <a:latin typeface="Consolas" panose="020B0609020204030204" pitchFamily="49" charset="0"/>
+              </a:rPr>
+              <a:t>Model 2</a:t>
+            </a:r>
+            <a:endParaRPr lang="en-AU" dirty="0">
+              <a:latin typeface="Consolas" panose="020B0609020204030204" pitchFamily="49" charset="0"/>
+            </a:endParaRPr>
+          </a:p>
+        </p:txBody>
+      </p:sp>
+      <p:sp>
+        <p:nvSpPr>
+          <p:cNvPr id="23" name="Rectangle 22">
+            <a:extLst>
+              <a:ext uri="{FF2B5EF4-FFF2-40B4-BE49-F238E27FC236}">
+                <a16:creationId xmlns:a16="http://schemas.microsoft.com/office/drawing/2014/main" id="{9B77F37B-B27F-4800-BA3E-D53FD0D7A605}"/>
+              </a:ext>
+            </a:extLst>
+          </p:cNvPr>
+          <p:cNvSpPr/>
+          <p:nvPr/>
+        </p:nvSpPr>
+        <p:spPr>
+          <a:xfrm>
+            <a:off x="386036" y="3723931"/>
+            <a:ext cx="1403764" cy="603209"/>
+          </a:xfrm>
+          <a:prstGeom prst="rect">
+            <a:avLst/>
+          </a:prstGeom>
+          <a:ln>
+            <a:noFill/>
+          </a:ln>
+          <a:effectLst>
+            <a:outerShdw blurRad="50800" dist="38100" dir="2700000" algn="tl" rotWithShape="0">
+              <a:prstClr val="black">
+                <a:alpha val="40000"/>
+              </a:prstClr>
+            </a:outerShdw>
+          </a:effectLst>
+        </p:spPr>
+        <p:style>
+          <a:lnRef idx="2">
+            <a:schemeClr val="accent1">
+              <a:shade val="50000"/>
+            </a:schemeClr>
+          </a:lnRef>
+          <a:fillRef idx="1">
+            <a:schemeClr val="accent1"/>
+          </a:fillRef>
+          <a:effectRef idx="0">
+            <a:schemeClr val="accent1"/>
+          </a:effectRef>
+          <a:fontRef idx="minor">
+            <a:schemeClr val="lt1"/>
+          </a:fontRef>
+        </p:style>
+        <p:txBody>
+          <a:bodyPr rtlCol="0" anchor="ctr"/>
+          <a:lstStyle/>
+          <a:p>
+            <a:pPr algn="ctr"/>
+            <a:r>
+              <a:rPr lang="en-US" dirty="0">
+                <a:latin typeface="Consolas" panose="020B0609020204030204" pitchFamily="49" charset="0"/>
+              </a:rPr>
+              <a:t>Config 1</a:t>
+            </a:r>
+            <a:endParaRPr lang="en-AU" dirty="0">
+              <a:latin typeface="Consolas" panose="020B0609020204030204" pitchFamily="49" charset="0"/>
+            </a:endParaRPr>
+          </a:p>
+        </p:txBody>
+      </p:sp>
+      <p:sp>
+        <p:nvSpPr>
+          <p:cNvPr id="24" name="Rectangle 23">
+            <a:extLst>
+              <a:ext uri="{FF2B5EF4-FFF2-40B4-BE49-F238E27FC236}">
+                <a16:creationId xmlns:a16="http://schemas.microsoft.com/office/drawing/2014/main" id="{2C2D4AD2-3CD9-43AF-A269-F8A4C1B65032}"/>
+              </a:ext>
+            </a:extLst>
+          </p:cNvPr>
+          <p:cNvSpPr/>
+          <p:nvPr/>
+        </p:nvSpPr>
+        <p:spPr>
+          <a:xfrm>
+            <a:off x="4438324" y="3345031"/>
+            <a:ext cx="1403764" cy="603209"/>
+          </a:xfrm>
+          <a:prstGeom prst="rect">
+            <a:avLst/>
+          </a:prstGeom>
+          <a:ln>
+            <a:noFill/>
+          </a:ln>
+          <a:effectLst>
+            <a:outerShdw blurRad="50800" dist="38100" dir="2700000" algn="tl" rotWithShape="0">
+              <a:prstClr val="black">
+                <a:alpha val="40000"/>
+              </a:prstClr>
+            </a:outerShdw>
+          </a:effectLst>
+        </p:spPr>
+        <p:style>
+          <a:lnRef idx="2">
+            <a:schemeClr val="accent1">
+              <a:shade val="50000"/>
+            </a:schemeClr>
+          </a:lnRef>
+          <a:fillRef idx="1">
+            <a:schemeClr val="accent1"/>
+          </a:fillRef>
+          <a:effectRef idx="0">
+            <a:schemeClr val="accent1"/>
+          </a:effectRef>
+          <a:fontRef idx="minor">
+            <a:schemeClr val="lt1"/>
+          </a:fontRef>
+        </p:style>
+        <p:txBody>
+          <a:bodyPr rtlCol="0" anchor="ctr"/>
+          <a:lstStyle/>
+          <a:p>
+            <a:pPr algn="ctr"/>
+            <a:r>
+              <a:rPr lang="en-US" dirty="0">
+                <a:latin typeface="Consolas" panose="020B0609020204030204" pitchFamily="49" charset="0"/>
+              </a:rPr>
+              <a:t>Model 1</a:t>
+            </a:r>
+            <a:endParaRPr lang="en-AU" dirty="0">
+              <a:latin typeface="Consolas" panose="020B0609020204030204" pitchFamily="49" charset="0"/>
+            </a:endParaRPr>
+          </a:p>
+        </p:txBody>
+      </p:sp>
+      <p:sp>
+        <p:nvSpPr>
+          <p:cNvPr id="26" name="Rectangle 25">
+            <a:extLst>
+              <a:ext uri="{FF2B5EF4-FFF2-40B4-BE49-F238E27FC236}">
+                <a16:creationId xmlns:a16="http://schemas.microsoft.com/office/drawing/2014/main" id="{C054095F-711B-4F14-8C13-D20F36511DD6}"/>
+              </a:ext>
+            </a:extLst>
+          </p:cNvPr>
+          <p:cNvSpPr/>
+          <p:nvPr/>
+        </p:nvSpPr>
+        <p:spPr>
+          <a:xfrm>
+            <a:off x="4341677" y="2377458"/>
+            <a:ext cx="1254767" cy="707886"/>
+          </a:xfrm>
+          <a:prstGeom prst="rect">
+            <a:avLst/>
+          </a:prstGeom>
+          <a:noFill/>
+        </p:spPr>
+        <p:txBody>
+          <a:bodyPr wrap="none" lIns="91440" tIns="45720" rIns="91440" bIns="45720">
+            <a:spAutoFit/>
+          </a:bodyPr>
+          <a:lstStyle/>
+          <a:p>
+            <a:pPr algn="ctr"/>
+            <a:r>
+              <a:rPr lang="en-US" sz="4000" dirty="0">
+                <a:ln w="0"/>
+              </a:rPr>
+              <a:t>Filter</a:t>
+            </a:r>
+            <a:endParaRPr lang="en-US" sz="4000" b="0" cap="none" spc="0" dirty="0">
+              <a:ln w="0"/>
+              <a:solidFill>
+                <a:schemeClr val="tx1"/>
+              </a:solidFill>
+            </a:endParaRPr>
+          </a:p>
+        </p:txBody>
+      </p:sp>
+      <p:sp>
+        <p:nvSpPr>
+          <p:cNvPr id="29" name="Rectangle 28">
+            <a:extLst>
+              <a:ext uri="{FF2B5EF4-FFF2-40B4-BE49-F238E27FC236}">
+                <a16:creationId xmlns:a16="http://schemas.microsoft.com/office/drawing/2014/main" id="{90AAF65B-FDC4-400B-9E43-629EA255D211}"/>
+              </a:ext>
+            </a:extLst>
+          </p:cNvPr>
+          <p:cNvSpPr/>
+          <p:nvPr/>
+        </p:nvSpPr>
+        <p:spPr>
+          <a:xfrm>
+            <a:off x="5991811" y="2801488"/>
+            <a:ext cx="1403764" cy="603209"/>
+          </a:xfrm>
+          <a:prstGeom prst="rect">
+            <a:avLst/>
+          </a:prstGeom>
+          <a:ln>
+            <a:noFill/>
+          </a:ln>
+          <a:effectLst>
+            <a:outerShdw blurRad="50800" dist="38100" dir="2700000" algn="tl" rotWithShape="0">
+              <a:prstClr val="black">
+                <a:alpha val="40000"/>
+              </a:prstClr>
+            </a:outerShdw>
+          </a:effectLst>
+        </p:spPr>
+        <p:style>
+          <a:lnRef idx="2">
+            <a:schemeClr val="accent1">
+              <a:shade val="50000"/>
+            </a:schemeClr>
+          </a:lnRef>
+          <a:fillRef idx="1">
+            <a:schemeClr val="accent1"/>
+          </a:fillRef>
+          <a:effectRef idx="0">
+            <a:schemeClr val="accent1"/>
+          </a:effectRef>
+          <a:fontRef idx="minor">
+            <a:schemeClr val="lt1"/>
+          </a:fontRef>
+        </p:style>
+        <p:txBody>
+          <a:bodyPr rtlCol="0" anchor="ctr"/>
+          <a:lstStyle/>
+          <a:p>
+            <a:pPr algn="ctr"/>
+            <a:r>
+              <a:rPr lang="en-US" dirty="0">
+                <a:latin typeface="Consolas" panose="020B0609020204030204" pitchFamily="49" charset="0"/>
+              </a:rPr>
+              <a:t>Config 1</a:t>
+            </a:r>
+            <a:endParaRPr lang="en-AU" dirty="0">
+              <a:latin typeface="Consolas" panose="020B0609020204030204" pitchFamily="49" charset="0"/>
+            </a:endParaRPr>
+          </a:p>
+        </p:txBody>
+      </p:sp>
+      <p:sp>
+        <p:nvSpPr>
+          <p:cNvPr id="35" name="Rectangle 34">
+            <a:extLst>
+              <a:ext uri="{FF2B5EF4-FFF2-40B4-BE49-F238E27FC236}">
+                <a16:creationId xmlns:a16="http://schemas.microsoft.com/office/drawing/2014/main" id="{B9211DC3-FB4F-48B6-A471-36A38E647204}"/>
+              </a:ext>
+            </a:extLst>
+          </p:cNvPr>
+          <p:cNvSpPr/>
+          <p:nvPr/>
+        </p:nvSpPr>
+        <p:spPr>
+          <a:xfrm>
+            <a:off x="8492669" y="3333153"/>
+            <a:ext cx="1403764" cy="603209"/>
+          </a:xfrm>
+          <a:prstGeom prst="rect">
+            <a:avLst/>
+          </a:prstGeom>
+          <a:ln>
+            <a:noFill/>
+          </a:ln>
+          <a:effectLst>
+            <a:outerShdw blurRad="50800" dist="38100" dir="2700000" algn="tl" rotWithShape="0">
+              <a:prstClr val="black">
+                <a:alpha val="40000"/>
+              </a:prstClr>
+            </a:outerShdw>
+          </a:effectLst>
+        </p:spPr>
+        <p:style>
+          <a:lnRef idx="2">
+            <a:schemeClr val="accent1">
+              <a:shade val="50000"/>
+            </a:schemeClr>
+          </a:lnRef>
+          <a:fillRef idx="1">
+            <a:schemeClr val="accent1"/>
+          </a:fillRef>
+          <a:effectRef idx="0">
+            <a:schemeClr val="accent1"/>
+          </a:effectRef>
+          <a:fontRef idx="minor">
+            <a:schemeClr val="lt1"/>
+          </a:fontRef>
+        </p:style>
+        <p:txBody>
+          <a:bodyPr rtlCol="0" anchor="ctr"/>
+          <a:lstStyle/>
+          <a:p>
+            <a:pPr algn="ctr"/>
+            <a:r>
+              <a:rPr lang="en-US" dirty="0">
+                <a:latin typeface="Consolas" panose="020B0609020204030204" pitchFamily="49" charset="0"/>
+              </a:rPr>
+              <a:t>Model 1</a:t>
+            </a:r>
+            <a:endParaRPr lang="en-AU" dirty="0">
+              <a:latin typeface="Consolas" panose="020B0609020204030204" pitchFamily="49" charset="0"/>
+            </a:endParaRPr>
+          </a:p>
+        </p:txBody>
+      </p:sp>
+      <p:sp>
+        <p:nvSpPr>
+          <p:cNvPr id="41" name="Rectangle 40">
+            <a:extLst>
+              <a:ext uri="{FF2B5EF4-FFF2-40B4-BE49-F238E27FC236}">
+                <a16:creationId xmlns:a16="http://schemas.microsoft.com/office/drawing/2014/main" id="{16B518E3-4541-4DFF-8EFA-C95241A3A7AB}"/>
+              </a:ext>
+            </a:extLst>
+          </p:cNvPr>
+          <p:cNvSpPr/>
+          <p:nvPr/>
+        </p:nvSpPr>
+        <p:spPr>
+          <a:xfrm>
+            <a:off x="8677703" y="2377458"/>
+            <a:ext cx="1172116" cy="707886"/>
+          </a:xfrm>
+          <a:prstGeom prst="rect">
+            <a:avLst/>
+          </a:prstGeom>
+          <a:noFill/>
+        </p:spPr>
+        <p:txBody>
+          <a:bodyPr wrap="none" lIns="91440" tIns="45720" rIns="91440" bIns="45720">
+            <a:spAutoFit/>
+          </a:bodyPr>
+          <a:lstStyle/>
+          <a:p>
+            <a:pPr algn="ctr"/>
+            <a:r>
+              <a:rPr lang="en-US" sz="4000" dirty="0">
+                <a:ln w="0"/>
+              </a:rPr>
+              <a:t>GNN</a:t>
+            </a:r>
+            <a:endParaRPr lang="en-US" sz="4000" b="0" cap="none" spc="0" dirty="0">
+              <a:ln w="0"/>
+              <a:solidFill>
+                <a:schemeClr val="tx1"/>
+              </a:solidFill>
+            </a:endParaRPr>
+          </a:p>
+        </p:txBody>
+      </p:sp>
+      <p:sp>
+        <p:nvSpPr>
+          <p:cNvPr id="49" name="Rectangle 48">
+            <a:extLst>
+              <a:ext uri="{FF2B5EF4-FFF2-40B4-BE49-F238E27FC236}">
+                <a16:creationId xmlns:a16="http://schemas.microsoft.com/office/drawing/2014/main" id="{2DFCFAE6-0A08-4198-BE53-01AEFBE8CBE6}"/>
+              </a:ext>
+            </a:extLst>
+          </p:cNvPr>
+          <p:cNvSpPr/>
+          <p:nvPr/>
+        </p:nvSpPr>
+        <p:spPr>
+          <a:xfrm>
+            <a:off x="10162406" y="3347238"/>
+            <a:ext cx="1403764" cy="603209"/>
+          </a:xfrm>
+          <a:prstGeom prst="rect">
+            <a:avLst/>
+          </a:prstGeom>
+          <a:ln>
+            <a:noFill/>
+          </a:ln>
+          <a:effectLst>
+            <a:outerShdw blurRad="50800" dist="38100" dir="2700000" algn="tl" rotWithShape="0">
+              <a:prstClr val="black">
+                <a:alpha val="40000"/>
+              </a:prstClr>
+            </a:outerShdw>
+          </a:effectLst>
+        </p:spPr>
+        <p:style>
+          <a:lnRef idx="2">
+            <a:schemeClr val="accent1">
+              <a:shade val="50000"/>
+            </a:schemeClr>
+          </a:lnRef>
+          <a:fillRef idx="1">
+            <a:schemeClr val="accent1"/>
+          </a:fillRef>
+          <a:effectRef idx="0">
+            <a:schemeClr val="accent1"/>
+          </a:effectRef>
+          <a:fontRef idx="minor">
+            <a:schemeClr val="lt1"/>
+          </a:fontRef>
+        </p:style>
+        <p:txBody>
+          <a:bodyPr rtlCol="0" anchor="ctr"/>
+          <a:lstStyle/>
+          <a:p>
+            <a:pPr algn="ctr"/>
+            <a:r>
+              <a:rPr lang="en-US" dirty="0">
+                <a:latin typeface="Consolas" panose="020B0609020204030204" pitchFamily="49" charset="0"/>
+              </a:rPr>
+              <a:t>Model 2</a:t>
+            </a:r>
+            <a:endParaRPr lang="en-AU" dirty="0">
+              <a:latin typeface="Consolas" panose="020B0609020204030204" pitchFamily="49" charset="0"/>
+            </a:endParaRPr>
+          </a:p>
+        </p:txBody>
+      </p:sp>
+      <p:sp>
+        <p:nvSpPr>
+          <p:cNvPr id="51" name="Rectangle 50">
+            <a:extLst>
+              <a:ext uri="{FF2B5EF4-FFF2-40B4-BE49-F238E27FC236}">
+                <a16:creationId xmlns:a16="http://schemas.microsoft.com/office/drawing/2014/main" id="{3FE75533-DDEF-4E05-8F98-0418E3D77F5A}"/>
+              </a:ext>
+            </a:extLst>
+          </p:cNvPr>
+          <p:cNvSpPr/>
+          <p:nvPr/>
+        </p:nvSpPr>
+        <p:spPr>
+          <a:xfrm>
+            <a:off x="10267692" y="2480021"/>
+            <a:ext cx="1403764" cy="603209"/>
+          </a:xfrm>
+          <a:prstGeom prst="rect">
+            <a:avLst/>
+          </a:prstGeom>
+          <a:ln>
+            <a:noFill/>
+          </a:ln>
+          <a:effectLst>
+            <a:outerShdw blurRad="50800" dist="38100" dir="2700000" algn="tl" rotWithShape="0">
+              <a:prstClr val="black">
+                <a:alpha val="40000"/>
+              </a:prstClr>
+            </a:outerShdw>
+          </a:effectLst>
+        </p:spPr>
+        <p:style>
+          <a:lnRef idx="2">
+            <a:schemeClr val="accent1">
+              <a:shade val="50000"/>
+            </a:schemeClr>
+          </a:lnRef>
+          <a:fillRef idx="1">
+            <a:schemeClr val="accent1"/>
+          </a:fillRef>
+          <a:effectRef idx="0">
+            <a:schemeClr val="accent1"/>
+          </a:effectRef>
+          <a:fontRef idx="minor">
+            <a:schemeClr val="lt1"/>
+          </a:fontRef>
+        </p:style>
+        <p:txBody>
+          <a:bodyPr rtlCol="0" anchor="ctr"/>
+          <a:lstStyle/>
+          <a:p>
+            <a:pPr algn="ctr"/>
+            <a:r>
+              <a:rPr lang="en-US" dirty="0">
+                <a:latin typeface="Consolas" panose="020B0609020204030204" pitchFamily="49" charset="0"/>
+              </a:rPr>
+              <a:t>Config 1</a:t>
+            </a:r>
+            <a:endParaRPr lang="en-AU" dirty="0">
+              <a:latin typeface="Consolas" panose="020B0609020204030204" pitchFamily="49" charset="0"/>
+            </a:endParaRPr>
+          </a:p>
+        </p:txBody>
+      </p:sp>
+      <p:sp>
+        <p:nvSpPr>
+          <p:cNvPr id="53" name="Rectangle 52">
+            <a:extLst>
+              <a:ext uri="{FF2B5EF4-FFF2-40B4-BE49-F238E27FC236}">
+                <a16:creationId xmlns:a16="http://schemas.microsoft.com/office/drawing/2014/main" id="{7FB3C7A7-9245-44EE-BAAE-848D42501D07}"/>
+              </a:ext>
+            </a:extLst>
+          </p:cNvPr>
+          <p:cNvSpPr/>
+          <p:nvPr/>
+        </p:nvSpPr>
+        <p:spPr>
+          <a:xfrm>
+            <a:off x="8976597" y="4130214"/>
+            <a:ext cx="1403764" cy="603209"/>
+          </a:xfrm>
+          <a:prstGeom prst="rect">
+            <a:avLst/>
+          </a:prstGeom>
+          <a:ln>
+            <a:noFill/>
+          </a:ln>
+          <a:effectLst>
+            <a:outerShdw blurRad="50800" dist="38100" dir="2700000" algn="tl" rotWithShape="0">
+              <a:prstClr val="black">
+                <a:alpha val="40000"/>
+              </a:prstClr>
+            </a:outerShdw>
+          </a:effectLst>
+        </p:spPr>
+        <p:style>
+          <a:lnRef idx="2">
+            <a:schemeClr val="accent1">
+              <a:shade val="50000"/>
+            </a:schemeClr>
+          </a:lnRef>
+          <a:fillRef idx="1">
+            <a:schemeClr val="accent1"/>
+          </a:fillRef>
+          <a:effectRef idx="0">
+            <a:schemeClr val="accent1"/>
+          </a:effectRef>
+          <a:fontRef idx="minor">
+            <a:schemeClr val="lt1"/>
+          </a:fontRef>
+        </p:style>
+        <p:txBody>
+          <a:bodyPr rtlCol="0" anchor="ctr"/>
+          <a:lstStyle/>
+          <a:p>
+            <a:pPr algn="ctr"/>
+            <a:r>
+              <a:rPr lang="en-US" dirty="0">
+                <a:latin typeface="Consolas" panose="020B0609020204030204" pitchFamily="49" charset="0"/>
+              </a:rPr>
+              <a:t>Config 2</a:t>
+            </a:r>
+            <a:endParaRPr lang="en-AU" dirty="0">
+              <a:latin typeface="Consolas" panose="020B0609020204030204" pitchFamily="49" charset="0"/>
+            </a:endParaRPr>
+          </a:p>
+        </p:txBody>
+      </p:sp>
+      <p:sp>
+        <p:nvSpPr>
+          <p:cNvPr id="54" name="Rectangle 53">
+            <a:extLst>
+              <a:ext uri="{FF2B5EF4-FFF2-40B4-BE49-F238E27FC236}">
+                <a16:creationId xmlns:a16="http://schemas.microsoft.com/office/drawing/2014/main" id="{EEA16EA8-1C74-4590-B812-F2EF50B649AC}"/>
+              </a:ext>
+            </a:extLst>
+          </p:cNvPr>
+          <p:cNvSpPr/>
+          <p:nvPr/>
+        </p:nvSpPr>
+        <p:spPr>
+          <a:xfrm>
+            <a:off x="218276" y="2135566"/>
+            <a:ext cx="3592707" cy="2648811"/>
+          </a:xfrm>
+          <a:prstGeom prst="rect">
+            <a:avLst/>
+          </a:prstGeom>
+          <a:noFill/>
+          <a:ln w="25400">
+            <a:solidFill>
+              <a:schemeClr val="bg1">
+                <a:lumMod val="65000"/>
+              </a:schemeClr>
+            </a:solidFill>
+            <a:prstDash val="sysDot"/>
+          </a:ln>
+        </p:spPr>
+        <p:style>
+          <a:lnRef idx="2">
+            <a:schemeClr val="accent1">
+              <a:shade val="50000"/>
+            </a:schemeClr>
+          </a:lnRef>
+          <a:fillRef idx="1">
+            <a:schemeClr val="accent1"/>
+          </a:fillRef>
+          <a:effectRef idx="0">
+            <a:schemeClr val="accent1"/>
+          </a:effectRef>
+          <a:fontRef idx="minor">
+            <a:schemeClr val="lt1"/>
+          </a:fontRef>
+        </p:style>
+        <p:txBody>
+          <a:bodyPr rtlCol="0" anchor="ctr"/>
+          <a:lstStyle/>
+          <a:p>
+            <a:pPr algn="ctr"/>
+            <a:endParaRPr lang="en-AU"/>
+          </a:p>
+        </p:txBody>
+      </p:sp>
+      <p:sp>
+        <p:nvSpPr>
+          <p:cNvPr id="56" name="Rectangle 55">
+            <a:extLst>
+              <a:ext uri="{FF2B5EF4-FFF2-40B4-BE49-F238E27FC236}">
+                <a16:creationId xmlns:a16="http://schemas.microsoft.com/office/drawing/2014/main" id="{687423B7-CABE-486D-B44B-CFEDE4B14E1C}"/>
+              </a:ext>
+            </a:extLst>
+          </p:cNvPr>
+          <p:cNvSpPr/>
+          <p:nvPr/>
+        </p:nvSpPr>
+        <p:spPr>
+          <a:xfrm>
+            <a:off x="4228856" y="2140482"/>
+            <a:ext cx="3592707" cy="2648811"/>
+          </a:xfrm>
+          <a:prstGeom prst="rect">
+            <a:avLst/>
+          </a:prstGeom>
+          <a:noFill/>
+          <a:ln w="25400">
+            <a:solidFill>
+              <a:schemeClr val="bg1">
+                <a:lumMod val="65000"/>
+              </a:schemeClr>
+            </a:solidFill>
+            <a:prstDash val="sysDot"/>
+          </a:ln>
+        </p:spPr>
+        <p:style>
+          <a:lnRef idx="2">
+            <a:schemeClr val="accent1">
+              <a:shade val="50000"/>
+            </a:schemeClr>
+          </a:lnRef>
+          <a:fillRef idx="1">
+            <a:schemeClr val="accent1"/>
+          </a:fillRef>
+          <a:effectRef idx="0">
+            <a:schemeClr val="accent1"/>
+          </a:effectRef>
+          <a:fontRef idx="minor">
+            <a:schemeClr val="lt1"/>
+          </a:fontRef>
+        </p:style>
+        <p:txBody>
+          <a:bodyPr rtlCol="0" anchor="ctr"/>
+          <a:lstStyle/>
+          <a:p>
+            <a:pPr algn="ctr"/>
+            <a:endParaRPr lang="en-AU"/>
+          </a:p>
+        </p:txBody>
+      </p:sp>
+      <p:sp>
+        <p:nvSpPr>
+          <p:cNvPr id="58" name="Rectangle 57">
+            <a:extLst>
+              <a:ext uri="{FF2B5EF4-FFF2-40B4-BE49-F238E27FC236}">
+                <a16:creationId xmlns:a16="http://schemas.microsoft.com/office/drawing/2014/main" id="{AAD6ECFC-11BD-4847-A4F2-22A2EF4653C9}"/>
+              </a:ext>
+            </a:extLst>
+          </p:cNvPr>
+          <p:cNvSpPr/>
+          <p:nvPr/>
+        </p:nvSpPr>
+        <p:spPr>
+          <a:xfrm>
+            <a:off x="8239436" y="2135566"/>
+            <a:ext cx="3592707" cy="2648811"/>
+          </a:xfrm>
+          <a:prstGeom prst="rect">
+            <a:avLst/>
+          </a:prstGeom>
+          <a:noFill/>
+          <a:ln w="25400">
+            <a:solidFill>
+              <a:schemeClr val="bg1">
+                <a:lumMod val="65000"/>
+              </a:schemeClr>
+            </a:solidFill>
+            <a:prstDash val="sysDot"/>
+          </a:ln>
+        </p:spPr>
+        <p:style>
+          <a:lnRef idx="2">
+            <a:schemeClr val="accent1">
+              <a:shade val="50000"/>
+            </a:schemeClr>
+          </a:lnRef>
+          <a:fillRef idx="1">
+            <a:schemeClr val="accent1"/>
+          </a:fillRef>
+          <a:effectRef idx="0">
+            <a:schemeClr val="accent1"/>
+          </a:effectRef>
+          <a:fontRef idx="minor">
+            <a:schemeClr val="lt1"/>
+          </a:fontRef>
+        </p:style>
+        <p:txBody>
+          <a:bodyPr rtlCol="0" anchor="ctr"/>
+          <a:lstStyle/>
+          <a:p>
+            <a:pPr algn="ctr"/>
+            <a:endParaRPr lang="en-AU"/>
+          </a:p>
+        </p:txBody>
+      </p:sp>
+      <p:sp>
+        <p:nvSpPr>
+          <p:cNvPr id="59" name="Rectangle 58">
+            <a:extLst>
+              <a:ext uri="{FF2B5EF4-FFF2-40B4-BE49-F238E27FC236}">
+                <a16:creationId xmlns:a16="http://schemas.microsoft.com/office/drawing/2014/main" id="{BB2FBC8D-46CB-4542-BBED-ABBE7FB53080}"/>
+              </a:ext>
+            </a:extLst>
+          </p:cNvPr>
+          <p:cNvSpPr/>
+          <p:nvPr/>
+        </p:nvSpPr>
+        <p:spPr>
+          <a:xfrm rot="16200000">
+            <a:off x="4136251" y="5653155"/>
+            <a:ext cx="700922" cy="324464"/>
+          </a:xfrm>
+          <a:prstGeom prst="rect">
+            <a:avLst/>
+          </a:prstGeom>
+          <a:solidFill>
+            <a:schemeClr val="accent6">
+              <a:lumMod val="50000"/>
+            </a:schemeClr>
+          </a:solidFill>
+          <a:ln>
+            <a:solidFill>
+              <a:schemeClr val="accent6">
+                <a:lumMod val="60000"/>
+                <a:lumOff val="40000"/>
+              </a:schemeClr>
+            </a:solidFill>
+          </a:ln>
+        </p:spPr>
+        <p:style>
+          <a:lnRef idx="2">
+            <a:schemeClr val="accent1">
+              <a:shade val="50000"/>
+            </a:schemeClr>
+          </a:lnRef>
+          <a:fillRef idx="1">
+            <a:schemeClr val="accent1"/>
+          </a:fillRef>
+          <a:effectRef idx="0">
+            <a:schemeClr val="accent1"/>
+          </a:effectRef>
+          <a:fontRef idx="minor">
+            <a:schemeClr val="lt1"/>
+          </a:fontRef>
+        </p:style>
+        <p:txBody>
+          <a:bodyPr rtlCol="0" anchor="ctr"/>
+          <a:lstStyle/>
+          <a:p>
+            <a:pPr algn="ctr"/>
+            <a:r>
+              <a:rPr lang="en-US" dirty="0"/>
+              <a:t>- {…}</a:t>
+            </a:r>
+            <a:endParaRPr lang="en-AU" dirty="0"/>
+          </a:p>
+        </p:txBody>
+      </p:sp>
+      <p:sp>
+        <p:nvSpPr>
+          <p:cNvPr id="63" name="Rectangle 62">
+            <a:extLst>
+              <a:ext uri="{FF2B5EF4-FFF2-40B4-BE49-F238E27FC236}">
+                <a16:creationId xmlns:a16="http://schemas.microsoft.com/office/drawing/2014/main" id="{73084C4B-A0DE-4599-9C13-47F957F4A9B1}"/>
+              </a:ext>
+            </a:extLst>
+          </p:cNvPr>
+          <p:cNvSpPr/>
+          <p:nvPr/>
+        </p:nvSpPr>
+        <p:spPr>
+          <a:xfrm>
+            <a:off x="6389002" y="497002"/>
+            <a:ext cx="2621828" cy="700922"/>
+          </a:xfrm>
+          <a:prstGeom prst="rect">
+            <a:avLst/>
+          </a:prstGeom>
+          <a:solidFill>
+            <a:schemeClr val="accent2">
+              <a:lumMod val="50000"/>
+              <a:alpha val="26000"/>
+            </a:schemeClr>
+          </a:solidFill>
+          <a:ln>
+            <a:solidFill>
+              <a:schemeClr val="accent2">
+                <a:lumMod val="50000"/>
+                <a:alpha val="30000"/>
+              </a:schemeClr>
+            </a:solidFill>
+          </a:ln>
+          <a:effectLst>
+            <a:outerShdw blurRad="50800" dist="38100" dir="2700000" algn="tl" rotWithShape="0">
+              <a:prstClr val="black">
+                <a:alpha val="40000"/>
+              </a:prstClr>
+            </a:outerShdw>
+          </a:effectLst>
+        </p:spPr>
+        <p:style>
+          <a:lnRef idx="2">
+            <a:schemeClr val="accent1">
+              <a:shade val="50000"/>
+            </a:schemeClr>
+          </a:lnRef>
+          <a:fillRef idx="1">
+            <a:schemeClr val="accent1"/>
+          </a:fillRef>
+          <a:effectRef idx="0">
+            <a:schemeClr val="accent1"/>
+          </a:effectRef>
+          <a:fontRef idx="minor">
+            <a:schemeClr val="lt1"/>
+          </a:fontRef>
+        </p:style>
+        <p:txBody>
+          <a:bodyPr rtlCol="0" anchor="ctr"/>
+          <a:lstStyle/>
+          <a:p>
+            <a:r>
+              <a:rPr lang="en-US" dirty="0"/>
+              <a:t>  Pipeline B</a:t>
+            </a:r>
+            <a:endParaRPr lang="en-AU" dirty="0"/>
+          </a:p>
+        </p:txBody>
+      </p:sp>
+      <p:sp>
+        <p:nvSpPr>
+          <p:cNvPr id="22" name="Rectangle 21">
+            <a:extLst>
+              <a:ext uri="{FF2B5EF4-FFF2-40B4-BE49-F238E27FC236}">
+                <a16:creationId xmlns:a16="http://schemas.microsoft.com/office/drawing/2014/main" id="{793C50B7-95E3-4178-968F-3212198BA396}"/>
+              </a:ext>
+            </a:extLst>
+          </p:cNvPr>
+          <p:cNvSpPr/>
+          <p:nvPr/>
+        </p:nvSpPr>
+        <p:spPr>
+          <a:xfrm rot="16200000">
+            <a:off x="4698098" y="5653156"/>
+            <a:ext cx="700922" cy="324464"/>
+          </a:xfrm>
+          <a:prstGeom prst="rect">
+            <a:avLst/>
+          </a:prstGeom>
+          <a:solidFill>
+            <a:schemeClr val="accent6">
+              <a:lumMod val="50000"/>
+            </a:schemeClr>
+          </a:solidFill>
+          <a:ln>
+            <a:solidFill>
+              <a:schemeClr val="accent6">
+                <a:lumMod val="60000"/>
+                <a:lumOff val="40000"/>
+              </a:schemeClr>
+            </a:solidFill>
+          </a:ln>
+        </p:spPr>
+        <p:style>
+          <a:lnRef idx="2">
+            <a:schemeClr val="accent1">
+              <a:shade val="50000"/>
+            </a:schemeClr>
+          </a:lnRef>
+          <a:fillRef idx="1">
+            <a:schemeClr val="accent1"/>
+          </a:fillRef>
+          <a:effectRef idx="0">
+            <a:schemeClr val="accent1"/>
+          </a:effectRef>
+          <a:fontRef idx="minor">
+            <a:schemeClr val="lt1"/>
+          </a:fontRef>
+        </p:style>
+        <p:txBody>
+          <a:bodyPr rtlCol="0" anchor="ctr"/>
+          <a:lstStyle/>
+          <a:p>
+            <a:pPr algn="ctr"/>
+            <a:r>
+              <a:rPr lang="en-US" dirty="0"/>
+              <a:t>- {…}</a:t>
+            </a:r>
+            <a:endParaRPr lang="en-AU" dirty="0"/>
+          </a:p>
+        </p:txBody>
+      </p:sp>
+      <p:sp>
+        <p:nvSpPr>
+          <p:cNvPr id="31" name="Rectangle 30">
+            <a:extLst>
+              <a:ext uri="{FF2B5EF4-FFF2-40B4-BE49-F238E27FC236}">
+                <a16:creationId xmlns:a16="http://schemas.microsoft.com/office/drawing/2014/main" id="{9321A76B-300F-4877-A3D4-CDC0A4585AF4}"/>
+              </a:ext>
+            </a:extLst>
+          </p:cNvPr>
+          <p:cNvSpPr/>
+          <p:nvPr/>
+        </p:nvSpPr>
+        <p:spPr>
+          <a:xfrm rot="16200000">
+            <a:off x="7471102" y="902231"/>
+            <a:ext cx="700922" cy="324464"/>
+          </a:xfrm>
+          <a:prstGeom prst="rect">
+            <a:avLst/>
+          </a:prstGeom>
+          <a:solidFill>
+            <a:schemeClr val="accent2">
+              <a:lumMod val="50000"/>
+              <a:alpha val="36000"/>
+            </a:schemeClr>
+          </a:solidFill>
+          <a:ln>
+            <a:solidFill>
+              <a:schemeClr val="accent2">
+                <a:lumMod val="75000"/>
+                <a:alpha val="52000"/>
+              </a:schemeClr>
+            </a:solidFill>
+          </a:ln>
+        </p:spPr>
+        <p:style>
+          <a:lnRef idx="2">
+            <a:schemeClr val="accent1">
+              <a:shade val="50000"/>
+            </a:schemeClr>
+          </a:lnRef>
+          <a:fillRef idx="1">
+            <a:schemeClr val="accent1"/>
+          </a:fillRef>
+          <a:effectRef idx="0">
+            <a:schemeClr val="accent1"/>
+          </a:effectRef>
+          <a:fontRef idx="minor">
+            <a:schemeClr val="lt1"/>
+          </a:fontRef>
+        </p:style>
+        <p:txBody>
+          <a:bodyPr rtlCol="0" anchor="ctr"/>
+          <a:lstStyle/>
+          <a:p>
+            <a:pPr algn="ctr"/>
+            <a:r>
+              <a:rPr lang="en-US" dirty="0"/>
+              <a:t>- {…}</a:t>
+            </a:r>
+            <a:endParaRPr lang="en-AU" dirty="0"/>
+          </a:p>
+        </p:txBody>
+      </p:sp>
+      <p:sp>
+        <p:nvSpPr>
+          <p:cNvPr id="32" name="Rectangle 31">
+            <a:extLst>
+              <a:ext uri="{FF2B5EF4-FFF2-40B4-BE49-F238E27FC236}">
+                <a16:creationId xmlns:a16="http://schemas.microsoft.com/office/drawing/2014/main" id="{4A698B42-4DB0-4383-8FD5-F0818EA21721}"/>
+              </a:ext>
+            </a:extLst>
+          </p:cNvPr>
+          <p:cNvSpPr/>
+          <p:nvPr/>
+        </p:nvSpPr>
+        <p:spPr>
+          <a:xfrm rot="16200000">
+            <a:off x="7937356" y="900958"/>
+            <a:ext cx="700922" cy="324464"/>
+          </a:xfrm>
+          <a:prstGeom prst="rect">
+            <a:avLst/>
+          </a:prstGeom>
+          <a:solidFill>
+            <a:schemeClr val="accent2">
+              <a:lumMod val="50000"/>
+              <a:alpha val="36000"/>
+            </a:schemeClr>
+          </a:solidFill>
+          <a:ln>
+            <a:solidFill>
+              <a:schemeClr val="accent2">
+                <a:lumMod val="75000"/>
+                <a:alpha val="52000"/>
+              </a:schemeClr>
+            </a:solidFill>
+          </a:ln>
+        </p:spPr>
+        <p:style>
+          <a:lnRef idx="2">
+            <a:schemeClr val="accent1">
+              <a:shade val="50000"/>
+            </a:schemeClr>
+          </a:lnRef>
+          <a:fillRef idx="1">
+            <a:schemeClr val="accent1"/>
+          </a:fillRef>
+          <a:effectRef idx="0">
+            <a:schemeClr val="accent1"/>
+          </a:effectRef>
+          <a:fontRef idx="minor">
+            <a:schemeClr val="lt1"/>
+          </a:fontRef>
+        </p:style>
+        <p:txBody>
+          <a:bodyPr rtlCol="0" anchor="ctr"/>
+          <a:lstStyle/>
+          <a:p>
+            <a:pPr algn="ctr"/>
+            <a:r>
+              <a:rPr lang="en-US" dirty="0"/>
+              <a:t>- {…}</a:t>
+            </a:r>
+            <a:endParaRPr lang="en-AU" dirty="0"/>
+          </a:p>
+        </p:txBody>
+      </p:sp>
+      <p:sp>
+        <p:nvSpPr>
+          <p:cNvPr id="33" name="Rectangle 32">
+            <a:extLst>
+              <a:ext uri="{FF2B5EF4-FFF2-40B4-BE49-F238E27FC236}">
+                <a16:creationId xmlns:a16="http://schemas.microsoft.com/office/drawing/2014/main" id="{F7156FF0-223F-4CAB-937F-2CF8233935B7}"/>
+              </a:ext>
+            </a:extLst>
+          </p:cNvPr>
+          <p:cNvSpPr/>
+          <p:nvPr/>
+        </p:nvSpPr>
+        <p:spPr>
+          <a:xfrm rot="16200000">
+            <a:off x="8403610" y="900958"/>
+            <a:ext cx="700922" cy="324464"/>
+          </a:xfrm>
+          <a:prstGeom prst="rect">
+            <a:avLst/>
+          </a:prstGeom>
+          <a:solidFill>
+            <a:schemeClr val="accent2">
+              <a:lumMod val="50000"/>
+              <a:alpha val="36000"/>
+            </a:schemeClr>
+          </a:solidFill>
+          <a:ln>
+            <a:solidFill>
+              <a:schemeClr val="accent2">
+                <a:lumMod val="75000"/>
+                <a:alpha val="52000"/>
+              </a:schemeClr>
+            </a:solidFill>
+          </a:ln>
+        </p:spPr>
+        <p:style>
+          <a:lnRef idx="2">
+            <a:schemeClr val="accent1">
+              <a:shade val="50000"/>
+            </a:schemeClr>
+          </a:lnRef>
+          <a:fillRef idx="1">
+            <a:schemeClr val="accent1"/>
+          </a:fillRef>
+          <a:effectRef idx="0">
+            <a:schemeClr val="accent1"/>
+          </a:effectRef>
+          <a:fontRef idx="minor">
+            <a:schemeClr val="lt1"/>
+          </a:fontRef>
+        </p:style>
+        <p:txBody>
+          <a:bodyPr rtlCol="0" anchor="ctr"/>
+          <a:lstStyle/>
+          <a:p>
+            <a:pPr algn="ctr"/>
+            <a:r>
+              <a:rPr lang="en-US" dirty="0"/>
+              <a:t>- {…}</a:t>
+            </a:r>
+            <a:endParaRPr lang="en-AU" dirty="0"/>
+          </a:p>
+        </p:txBody>
+      </p:sp>
+    </p:spTree>
+    <p:extLst>
+      <p:ext uri="{BB962C8B-B14F-4D97-AF65-F5344CB8AC3E}">
+        <p14:creationId xmlns:p14="http://schemas.microsoft.com/office/powerpoint/2010/main" val="3002398019"/>
+      </p:ext>
+    </p:extLst>
+  </p:cSld>
+  <p:clrMapOvr>
+    <a:masterClrMapping/>
+  </p:clrMapOvr>
+</p:sld>
+</file>
+
+<file path=ppt/slides/slide5.xml><?xml version="1.0" encoding="utf-8"?>
+<p:sld xmlns:a="http://schemas.openxmlformats.org/drawingml/2006/main" xmlns:r="http://schemas.openxmlformats.org/officeDocument/2006/relationships" xmlns:p="http://schemas.openxmlformats.org/presentationml/2006/main">
+  <p:cSld>
+    <p:spTree>
+      <p:nvGrpSpPr>
+        <p:cNvPr id="1" name=""/>
+        <p:cNvGrpSpPr/>
+        <p:nvPr/>
+      </p:nvGrpSpPr>
+      <p:grpSpPr>
+        <a:xfrm>
+          <a:off x="0" y="0"/>
+          <a:ext cx="0" cy="0"/>
+          <a:chOff x="0" y="0"/>
+          <a:chExt cx="0" cy="0"/>
+        </a:xfrm>
+      </p:grpSpPr>
+      <p:sp>
+        <p:nvSpPr>
+          <p:cNvPr id="4" name="Rectangle 3">
+            <a:extLst>
+              <a:ext uri="{FF2B5EF4-FFF2-40B4-BE49-F238E27FC236}">
+                <a16:creationId xmlns:a16="http://schemas.microsoft.com/office/drawing/2014/main" id="{589DA172-3642-4BF3-AE4B-FCC867C442BD}"/>
+              </a:ext>
+            </a:extLst>
+          </p:cNvPr>
+          <p:cNvSpPr/>
+          <p:nvPr/>
+        </p:nvSpPr>
+        <p:spPr>
+          <a:xfrm>
+            <a:off x="1905491" y="2078047"/>
+            <a:ext cx="2224057" cy="955696"/>
+          </a:xfrm>
+          <a:prstGeom prst="rect">
+            <a:avLst/>
+          </a:prstGeom>
+          <a:ln>
+            <a:noFill/>
+          </a:ln>
+          <a:effectLst>
+            <a:outerShdw blurRad="50800" dist="38100" dir="2700000" algn="tl" rotWithShape="0">
+              <a:prstClr val="black">
+                <a:alpha val="40000"/>
+              </a:prstClr>
+            </a:outerShdw>
+          </a:effectLst>
+        </p:spPr>
+        <p:style>
+          <a:lnRef idx="2">
+            <a:schemeClr val="accent1">
+              <a:shade val="50000"/>
+            </a:schemeClr>
+          </a:lnRef>
+          <a:fillRef idx="1">
+            <a:schemeClr val="accent1"/>
+          </a:fillRef>
+          <a:effectRef idx="0">
+            <a:schemeClr val="accent1"/>
+          </a:effectRef>
+          <a:fontRef idx="minor">
+            <a:schemeClr val="lt1"/>
+          </a:fontRef>
+        </p:style>
+        <p:txBody>
+          <a:bodyPr rtlCol="0" anchor="ctr"/>
+          <a:lstStyle/>
+          <a:p>
+            <a:pPr algn="ctr"/>
+            <a:r>
+              <a:rPr lang="en-US" dirty="0"/>
+              <a:t>Models/</a:t>
+            </a:r>
+            <a:endParaRPr lang="en-AU" dirty="0"/>
+          </a:p>
+        </p:txBody>
+      </p:sp>
+      <p:sp>
+        <p:nvSpPr>
+          <p:cNvPr id="6" name="Rectangle 5">
+            <a:extLst>
+              <a:ext uri="{FF2B5EF4-FFF2-40B4-BE49-F238E27FC236}">
+                <a16:creationId xmlns:a16="http://schemas.microsoft.com/office/drawing/2014/main" id="{8F8B0C78-FE37-4D26-B788-3B6ABBF2E9C3}"/>
+              </a:ext>
+            </a:extLst>
+          </p:cNvPr>
+          <p:cNvSpPr/>
+          <p:nvPr/>
+        </p:nvSpPr>
+        <p:spPr>
+          <a:xfrm>
+            <a:off x="5054763" y="2078047"/>
+            <a:ext cx="2224057" cy="955696"/>
+          </a:xfrm>
+          <a:prstGeom prst="rect">
+            <a:avLst/>
+          </a:prstGeom>
+          <a:ln>
+            <a:noFill/>
+          </a:ln>
+          <a:effectLst>
+            <a:outerShdw blurRad="50800" dist="38100" dir="2700000" algn="tl" rotWithShape="0">
+              <a:prstClr val="black">
+                <a:alpha val="40000"/>
+              </a:prstClr>
+            </a:outerShdw>
+          </a:effectLst>
+        </p:spPr>
+        <p:style>
+          <a:lnRef idx="2">
+            <a:schemeClr val="accent1">
+              <a:shade val="50000"/>
+            </a:schemeClr>
+          </a:lnRef>
+          <a:fillRef idx="1">
+            <a:schemeClr val="accent1"/>
+          </a:fillRef>
+          <a:effectRef idx="0">
+            <a:schemeClr val="accent1"/>
+          </a:effectRef>
+          <a:fontRef idx="minor">
+            <a:schemeClr val="lt1"/>
+          </a:fontRef>
+        </p:style>
+        <p:txBody>
+          <a:bodyPr rtlCol="0" anchor="ctr"/>
+          <a:lstStyle/>
+          <a:p>
+            <a:pPr algn="ctr"/>
+            <a:r>
+              <a:rPr lang="en-US" dirty="0"/>
+              <a:t>Pipelines/</a:t>
+            </a:r>
+            <a:endParaRPr lang="en-AU" dirty="0"/>
+          </a:p>
+        </p:txBody>
+      </p:sp>
+      <p:sp>
+        <p:nvSpPr>
+          <p:cNvPr id="8" name="Rectangle 7">
+            <a:extLst>
+              <a:ext uri="{FF2B5EF4-FFF2-40B4-BE49-F238E27FC236}">
+                <a16:creationId xmlns:a16="http://schemas.microsoft.com/office/drawing/2014/main" id="{C2F48EDE-85DA-46C7-A955-366AE43E3C98}"/>
+              </a:ext>
+            </a:extLst>
+          </p:cNvPr>
+          <p:cNvSpPr/>
+          <p:nvPr/>
+        </p:nvSpPr>
+        <p:spPr>
+          <a:xfrm>
+            <a:off x="8204035" y="2078047"/>
+            <a:ext cx="2224057" cy="955696"/>
+          </a:xfrm>
+          <a:prstGeom prst="rect">
+            <a:avLst/>
+          </a:prstGeom>
+          <a:ln>
+            <a:noFill/>
+          </a:ln>
+          <a:effectLst>
+            <a:outerShdw blurRad="50800" dist="38100" dir="2700000" algn="tl" rotWithShape="0">
+              <a:prstClr val="black">
+                <a:alpha val="40000"/>
+              </a:prstClr>
+            </a:outerShdw>
+          </a:effectLst>
+        </p:spPr>
+        <p:style>
+          <a:lnRef idx="2">
+            <a:schemeClr val="accent1">
+              <a:shade val="50000"/>
+            </a:schemeClr>
+          </a:lnRef>
+          <a:fillRef idx="1">
+            <a:schemeClr val="accent1"/>
+          </a:fillRef>
+          <a:effectRef idx="0">
+            <a:schemeClr val="accent1"/>
+          </a:effectRef>
+          <a:fontRef idx="minor">
+            <a:schemeClr val="lt1"/>
+          </a:fontRef>
+        </p:style>
+        <p:txBody>
+          <a:bodyPr rtlCol="0" anchor="ctr"/>
+          <a:lstStyle/>
+          <a:p>
+            <a:pPr algn="ctr"/>
+            <a:r>
+              <a:rPr lang="en-US" dirty="0"/>
+              <a:t>Tools/</a:t>
             </a:r>
             <a:endParaRPr lang="en-AU" dirty="0"/>
           </a:p>
@@ -3881,7 +9568,7 @@
             <a:pPr algn="ctr"/>
             <a:r>
               <a:rPr lang="en-US" dirty="0"/>
-              <a:t>Examples</a:t>
+              <a:t>Examples/</a:t>
             </a:r>
             <a:endParaRPr lang="en-AU" dirty="0"/>
           </a:p>
@@ -3946,7 +9633,7 @@
             <a:pPr algn="ctr"/>
             <a:r>
               <a:rPr lang="en-US" dirty="0"/>
-              <a:t>Templates</a:t>
+              <a:t>Templates/</a:t>
             </a:r>
             <a:endParaRPr lang="en-AU" dirty="0"/>
           </a:p>
@@ -4115,6 +9802,10 @@
               <a:rPr lang="en-US" dirty="0" err="1"/>
               <a:t>TrackML</a:t>
             </a:r>
+            <a:r>
+              <a:rPr lang="en-US" dirty="0"/>
+              <a:t>/</a:t>
+            </a:r>
             <a:endParaRPr lang="en-AU" dirty="0"/>
           </a:p>
         </p:txBody>
@@ -4178,7 +9869,7 @@
             <a:pPr algn="ctr"/>
             <a:r>
               <a:rPr lang="en-US" dirty="0"/>
-              <a:t>Dune</a:t>
+              <a:t>Dune/</a:t>
             </a:r>
             <a:endParaRPr lang="en-AU" dirty="0"/>
           </a:p>
@@ -4347,7 +10038,1186 @@
     </p:spTree>
     <p:extLst>
       <p:ext uri="{BB962C8B-B14F-4D97-AF65-F5344CB8AC3E}">
-        <p14:creationId xmlns:p14="http://schemas.microsoft.com/office/powerpoint/2010/main" val="915898835"/>
+        <p14:creationId xmlns:p14="http://schemas.microsoft.com/office/powerpoint/2010/main" val="1512778032"/>
+      </p:ext>
+    </p:extLst>
+  </p:cSld>
+  <p:clrMapOvr>
+    <a:masterClrMapping/>
+  </p:clrMapOvr>
+</p:sld>
+</file>
+
+<file path=ppt/slides/slide6.xml><?xml version="1.0" encoding="utf-8"?>
+<p:sld xmlns:a="http://schemas.openxmlformats.org/drawingml/2006/main" xmlns:r="http://schemas.openxmlformats.org/officeDocument/2006/relationships" xmlns:p="http://schemas.openxmlformats.org/presentationml/2006/main">
+  <p:cSld>
+    <p:spTree>
+      <p:nvGrpSpPr>
+        <p:cNvPr id="1" name=""/>
+        <p:cNvGrpSpPr/>
+        <p:nvPr/>
+      </p:nvGrpSpPr>
+      <p:grpSpPr>
+        <a:xfrm>
+          <a:off x="0" y="0"/>
+          <a:ext cx="0" cy="0"/>
+          <a:chOff x="0" y="0"/>
+          <a:chExt cx="0" cy="0"/>
+        </a:xfrm>
+      </p:grpSpPr>
+      <p:sp>
+        <p:nvSpPr>
+          <p:cNvPr id="4" name="Rectangle 3">
+            <a:extLst>
+              <a:ext uri="{FF2B5EF4-FFF2-40B4-BE49-F238E27FC236}">
+                <a16:creationId xmlns:a16="http://schemas.microsoft.com/office/drawing/2014/main" id="{589DA172-3642-4BF3-AE4B-FCC867C442BD}"/>
+              </a:ext>
+            </a:extLst>
+          </p:cNvPr>
+          <p:cNvSpPr/>
+          <p:nvPr/>
+        </p:nvSpPr>
+        <p:spPr>
+          <a:xfrm>
+            <a:off x="1905491" y="2078047"/>
+            <a:ext cx="2224057" cy="955696"/>
+          </a:xfrm>
+          <a:prstGeom prst="rect">
+            <a:avLst/>
+          </a:prstGeom>
+          <a:ln>
+            <a:noFill/>
+          </a:ln>
+          <a:effectLst>
+            <a:outerShdw blurRad="50800" dist="38100" dir="2700000" algn="tl" rotWithShape="0">
+              <a:prstClr val="black">
+                <a:alpha val="40000"/>
+              </a:prstClr>
+            </a:outerShdw>
+          </a:effectLst>
+        </p:spPr>
+        <p:style>
+          <a:lnRef idx="2">
+            <a:schemeClr val="accent1">
+              <a:shade val="50000"/>
+            </a:schemeClr>
+          </a:lnRef>
+          <a:fillRef idx="1">
+            <a:schemeClr val="accent1"/>
+          </a:fillRef>
+          <a:effectRef idx="0">
+            <a:schemeClr val="accent1"/>
+          </a:effectRef>
+          <a:fontRef idx="minor">
+            <a:schemeClr val="lt1"/>
+          </a:fontRef>
+        </p:style>
+        <p:txBody>
+          <a:bodyPr rtlCol="0" anchor="ctr"/>
+          <a:lstStyle/>
+          <a:p>
+            <a:pPr algn="ctr"/>
+            <a:r>
+              <a:rPr lang="en-US" dirty="0"/>
+              <a:t>Models/</a:t>
+            </a:r>
+            <a:endParaRPr lang="en-AU" dirty="0"/>
+          </a:p>
+        </p:txBody>
+      </p:sp>
+      <p:sp>
+        <p:nvSpPr>
+          <p:cNvPr id="6" name="Rectangle 5">
+            <a:extLst>
+              <a:ext uri="{FF2B5EF4-FFF2-40B4-BE49-F238E27FC236}">
+                <a16:creationId xmlns:a16="http://schemas.microsoft.com/office/drawing/2014/main" id="{8F8B0C78-FE37-4D26-B788-3B6ABBF2E9C3}"/>
+              </a:ext>
+            </a:extLst>
+          </p:cNvPr>
+          <p:cNvSpPr/>
+          <p:nvPr/>
+        </p:nvSpPr>
+        <p:spPr>
+          <a:xfrm>
+            <a:off x="5054763" y="2078047"/>
+            <a:ext cx="2224057" cy="955696"/>
+          </a:xfrm>
+          <a:prstGeom prst="rect">
+            <a:avLst/>
+          </a:prstGeom>
+          <a:ln>
+            <a:noFill/>
+          </a:ln>
+          <a:effectLst>
+            <a:outerShdw blurRad="50800" dist="38100" dir="2700000" algn="tl" rotWithShape="0">
+              <a:prstClr val="black">
+                <a:alpha val="40000"/>
+              </a:prstClr>
+            </a:outerShdw>
+          </a:effectLst>
+        </p:spPr>
+        <p:style>
+          <a:lnRef idx="2">
+            <a:schemeClr val="accent1">
+              <a:shade val="50000"/>
+            </a:schemeClr>
+          </a:lnRef>
+          <a:fillRef idx="1">
+            <a:schemeClr val="accent1"/>
+          </a:fillRef>
+          <a:effectRef idx="0">
+            <a:schemeClr val="accent1"/>
+          </a:effectRef>
+          <a:fontRef idx="minor">
+            <a:schemeClr val="lt1"/>
+          </a:fontRef>
+        </p:style>
+        <p:txBody>
+          <a:bodyPr rtlCol="0" anchor="ctr"/>
+          <a:lstStyle/>
+          <a:p>
+            <a:pPr algn="ctr"/>
+            <a:r>
+              <a:rPr lang="en-US" dirty="0"/>
+              <a:t>Pipelines/</a:t>
+            </a:r>
+            <a:endParaRPr lang="en-AU" dirty="0"/>
+          </a:p>
+        </p:txBody>
+      </p:sp>
+      <p:sp>
+        <p:nvSpPr>
+          <p:cNvPr id="8" name="Rectangle 7">
+            <a:extLst>
+              <a:ext uri="{FF2B5EF4-FFF2-40B4-BE49-F238E27FC236}">
+                <a16:creationId xmlns:a16="http://schemas.microsoft.com/office/drawing/2014/main" id="{C2F48EDE-85DA-46C7-A955-366AE43E3C98}"/>
+              </a:ext>
+            </a:extLst>
+          </p:cNvPr>
+          <p:cNvSpPr/>
+          <p:nvPr/>
+        </p:nvSpPr>
+        <p:spPr>
+          <a:xfrm>
+            <a:off x="8204035" y="2078047"/>
+            <a:ext cx="2224057" cy="955696"/>
+          </a:xfrm>
+          <a:prstGeom prst="rect">
+            <a:avLst/>
+          </a:prstGeom>
+          <a:ln>
+            <a:noFill/>
+          </a:ln>
+          <a:effectLst>
+            <a:outerShdw blurRad="50800" dist="38100" dir="2700000" algn="tl" rotWithShape="0">
+              <a:prstClr val="black">
+                <a:alpha val="40000"/>
+              </a:prstClr>
+            </a:outerShdw>
+          </a:effectLst>
+        </p:spPr>
+        <p:style>
+          <a:lnRef idx="2">
+            <a:schemeClr val="accent1">
+              <a:shade val="50000"/>
+            </a:schemeClr>
+          </a:lnRef>
+          <a:fillRef idx="1">
+            <a:schemeClr val="accent1"/>
+          </a:fillRef>
+          <a:effectRef idx="0">
+            <a:schemeClr val="accent1"/>
+          </a:effectRef>
+          <a:fontRef idx="minor">
+            <a:schemeClr val="lt1"/>
+          </a:fontRef>
+        </p:style>
+        <p:txBody>
+          <a:bodyPr rtlCol="0" anchor="ctr"/>
+          <a:lstStyle/>
+          <a:p>
+            <a:pPr algn="ctr"/>
+            <a:r>
+              <a:rPr lang="en-US" dirty="0"/>
+              <a:t>Tools/</a:t>
+            </a:r>
+            <a:endParaRPr lang="en-AU" dirty="0"/>
+          </a:p>
+        </p:txBody>
+      </p:sp>
+      <p:cxnSp>
+        <p:nvCxnSpPr>
+          <p:cNvPr id="10" name="Straight Arrow Connector 9">
+            <a:extLst>
+              <a:ext uri="{FF2B5EF4-FFF2-40B4-BE49-F238E27FC236}">
+                <a16:creationId xmlns:a16="http://schemas.microsoft.com/office/drawing/2014/main" id="{F60B5025-7359-448C-9602-0CF5CD1E7A6B}"/>
+              </a:ext>
+            </a:extLst>
+          </p:cNvPr>
+          <p:cNvCxnSpPr>
+            <a:stCxn id="4" idx="3"/>
+            <a:endCxn id="6" idx="1"/>
+          </p:cNvCxnSpPr>
+          <p:nvPr/>
+        </p:nvCxnSpPr>
+        <p:spPr>
+          <a:xfrm>
+            <a:off x="4129548" y="2555895"/>
+            <a:ext cx="925215" cy="0"/>
+          </a:xfrm>
+          <a:prstGeom prst="straightConnector1">
+            <a:avLst/>
+          </a:prstGeom>
+          <a:ln w="15875">
+            <a:solidFill>
+              <a:schemeClr val="tx1">
+                <a:lumMod val="50000"/>
+                <a:lumOff val="50000"/>
+              </a:schemeClr>
+            </a:solidFill>
+            <a:tailEnd type="triangle" w="lg" len="lg"/>
+          </a:ln>
+        </p:spPr>
+        <p:style>
+          <a:lnRef idx="1">
+            <a:schemeClr val="accent1"/>
+          </a:lnRef>
+          <a:fillRef idx="0">
+            <a:schemeClr val="accent1"/>
+          </a:fillRef>
+          <a:effectRef idx="0">
+            <a:schemeClr val="accent1"/>
+          </a:effectRef>
+          <a:fontRef idx="minor">
+            <a:schemeClr val="tx1"/>
+          </a:fontRef>
+        </p:style>
+      </p:cxnSp>
+      <p:cxnSp>
+        <p:nvCxnSpPr>
+          <p:cNvPr id="12" name="Straight Arrow Connector 11">
+            <a:extLst>
+              <a:ext uri="{FF2B5EF4-FFF2-40B4-BE49-F238E27FC236}">
+                <a16:creationId xmlns:a16="http://schemas.microsoft.com/office/drawing/2014/main" id="{1DEA8595-6BEB-4092-9F2D-67F55CF3173A}"/>
+              </a:ext>
+            </a:extLst>
+          </p:cNvPr>
+          <p:cNvCxnSpPr>
+            <a:stCxn id="8" idx="1"/>
+            <a:endCxn id="6" idx="3"/>
+          </p:cNvCxnSpPr>
+          <p:nvPr/>
+        </p:nvCxnSpPr>
+        <p:spPr>
+          <a:xfrm flipH="1">
+            <a:off x="7278820" y="2555895"/>
+            <a:ext cx="925215" cy="0"/>
+          </a:xfrm>
+          <a:prstGeom prst="straightConnector1">
+            <a:avLst/>
+          </a:prstGeom>
+          <a:ln w="15875">
+            <a:solidFill>
+              <a:schemeClr val="tx1">
+                <a:lumMod val="50000"/>
+                <a:lumOff val="50000"/>
+              </a:schemeClr>
+            </a:solidFill>
+            <a:tailEnd type="triangle" w="lg" len="lg"/>
+          </a:ln>
+        </p:spPr>
+        <p:style>
+          <a:lnRef idx="1">
+            <a:schemeClr val="accent1"/>
+          </a:lnRef>
+          <a:fillRef idx="0">
+            <a:schemeClr val="accent1"/>
+          </a:fillRef>
+          <a:effectRef idx="0">
+            <a:schemeClr val="accent1"/>
+          </a:effectRef>
+          <a:fontRef idx="minor">
+            <a:schemeClr val="tx1"/>
+          </a:fontRef>
+        </p:style>
+      </p:cxnSp>
+      <p:sp>
+        <p:nvSpPr>
+          <p:cNvPr id="14" name="Rectangle 13">
+            <a:extLst>
+              <a:ext uri="{FF2B5EF4-FFF2-40B4-BE49-F238E27FC236}">
+                <a16:creationId xmlns:a16="http://schemas.microsoft.com/office/drawing/2014/main" id="{3708D0E2-FFB3-48DB-85EC-296E1065B191}"/>
+              </a:ext>
+            </a:extLst>
+          </p:cNvPr>
+          <p:cNvSpPr/>
+          <p:nvPr/>
+        </p:nvSpPr>
+        <p:spPr>
+          <a:xfrm>
+            <a:off x="5054763" y="405579"/>
+            <a:ext cx="2224057" cy="955696"/>
+          </a:xfrm>
+          <a:prstGeom prst="rect">
+            <a:avLst/>
+          </a:prstGeom>
+          <a:ln>
+            <a:noFill/>
+          </a:ln>
+          <a:effectLst>
+            <a:outerShdw blurRad="50800" dist="38100" dir="2700000" algn="tl" rotWithShape="0">
+              <a:prstClr val="black">
+                <a:alpha val="40000"/>
+              </a:prstClr>
+            </a:outerShdw>
+          </a:effectLst>
+        </p:spPr>
+        <p:style>
+          <a:lnRef idx="2">
+            <a:schemeClr val="accent1">
+              <a:shade val="50000"/>
+            </a:schemeClr>
+          </a:lnRef>
+          <a:fillRef idx="1">
+            <a:schemeClr val="accent1"/>
+          </a:fillRef>
+          <a:effectRef idx="0">
+            <a:schemeClr val="accent1"/>
+          </a:effectRef>
+          <a:fontRef idx="minor">
+            <a:schemeClr val="lt1"/>
+          </a:fontRef>
+        </p:style>
+        <p:txBody>
+          <a:bodyPr rtlCol="0" anchor="ctr"/>
+          <a:lstStyle/>
+          <a:p>
+            <a:pPr algn="ctr"/>
+            <a:r>
+              <a:rPr lang="en-US" dirty="0"/>
+              <a:t>Tracking with ML</a:t>
+            </a:r>
+            <a:endParaRPr lang="en-AU" dirty="0"/>
+          </a:p>
+        </p:txBody>
+      </p:sp>
+      <p:cxnSp>
+        <p:nvCxnSpPr>
+          <p:cNvPr id="16" name="Connector: Elbow 15">
+            <a:extLst>
+              <a:ext uri="{FF2B5EF4-FFF2-40B4-BE49-F238E27FC236}">
+                <a16:creationId xmlns:a16="http://schemas.microsoft.com/office/drawing/2014/main" id="{58B454FB-F599-4B5F-A23B-28EAD5668D4A}"/>
+              </a:ext>
+            </a:extLst>
+          </p:cNvPr>
+          <p:cNvCxnSpPr>
+            <a:stCxn id="14" idx="2"/>
+            <a:endCxn id="4" idx="0"/>
+          </p:cNvCxnSpPr>
+          <p:nvPr/>
+        </p:nvCxnSpPr>
+        <p:spPr>
+          <a:xfrm rot="5400000">
+            <a:off x="4233770" y="145025"/>
+            <a:ext cx="716772" cy="3149272"/>
+          </a:xfrm>
+          <a:prstGeom prst="bentConnector3">
+            <a:avLst/>
+          </a:prstGeom>
+          <a:ln w="15875">
+            <a:solidFill>
+              <a:schemeClr val="tx1">
+                <a:lumMod val="50000"/>
+                <a:lumOff val="50000"/>
+              </a:schemeClr>
+            </a:solidFill>
+            <a:tailEnd type="none"/>
+          </a:ln>
+        </p:spPr>
+        <p:style>
+          <a:lnRef idx="1">
+            <a:schemeClr val="accent1"/>
+          </a:lnRef>
+          <a:fillRef idx="0">
+            <a:schemeClr val="accent1"/>
+          </a:fillRef>
+          <a:effectRef idx="0">
+            <a:schemeClr val="accent1"/>
+          </a:effectRef>
+          <a:fontRef idx="minor">
+            <a:schemeClr val="tx1"/>
+          </a:fontRef>
+        </p:style>
+      </p:cxnSp>
+      <p:cxnSp>
+        <p:nvCxnSpPr>
+          <p:cNvPr id="18" name="Straight Arrow Connector 17">
+            <a:extLst>
+              <a:ext uri="{FF2B5EF4-FFF2-40B4-BE49-F238E27FC236}">
+                <a16:creationId xmlns:a16="http://schemas.microsoft.com/office/drawing/2014/main" id="{572D23AF-4824-4C0B-B590-A669CCC7F876}"/>
+              </a:ext>
+            </a:extLst>
+          </p:cNvPr>
+          <p:cNvCxnSpPr>
+            <a:stCxn id="14" idx="2"/>
+            <a:endCxn id="6" idx="0"/>
+          </p:cNvCxnSpPr>
+          <p:nvPr/>
+        </p:nvCxnSpPr>
+        <p:spPr>
+          <a:xfrm>
+            <a:off x="6166792" y="1361275"/>
+            <a:ext cx="0" cy="716772"/>
+          </a:xfrm>
+          <a:prstGeom prst="straightConnector1">
+            <a:avLst/>
+          </a:prstGeom>
+          <a:ln w="15875">
+            <a:solidFill>
+              <a:schemeClr val="tx1">
+                <a:lumMod val="50000"/>
+                <a:lumOff val="50000"/>
+              </a:schemeClr>
+            </a:solidFill>
+            <a:tailEnd type="none"/>
+          </a:ln>
+        </p:spPr>
+        <p:style>
+          <a:lnRef idx="1">
+            <a:schemeClr val="accent1"/>
+          </a:lnRef>
+          <a:fillRef idx="0">
+            <a:schemeClr val="accent1"/>
+          </a:fillRef>
+          <a:effectRef idx="0">
+            <a:schemeClr val="accent1"/>
+          </a:effectRef>
+          <a:fontRef idx="minor">
+            <a:schemeClr val="tx1"/>
+          </a:fontRef>
+        </p:style>
+      </p:cxnSp>
+      <p:cxnSp>
+        <p:nvCxnSpPr>
+          <p:cNvPr id="22" name="Connector: Elbow 21">
+            <a:extLst>
+              <a:ext uri="{FF2B5EF4-FFF2-40B4-BE49-F238E27FC236}">
+                <a16:creationId xmlns:a16="http://schemas.microsoft.com/office/drawing/2014/main" id="{0A67CCA1-9DDE-48BB-BAAD-6A7139F4A7E5}"/>
+              </a:ext>
+            </a:extLst>
+          </p:cNvPr>
+          <p:cNvCxnSpPr>
+            <a:stCxn id="14" idx="2"/>
+            <a:endCxn id="8" idx="0"/>
+          </p:cNvCxnSpPr>
+          <p:nvPr/>
+        </p:nvCxnSpPr>
+        <p:spPr>
+          <a:xfrm rot="16200000" flipH="1">
+            <a:off x="7383042" y="145025"/>
+            <a:ext cx="716772" cy="3149272"/>
+          </a:xfrm>
+          <a:prstGeom prst="bentConnector3">
+            <a:avLst/>
+          </a:prstGeom>
+          <a:ln w="15875">
+            <a:solidFill>
+              <a:schemeClr val="tx1">
+                <a:lumMod val="50000"/>
+                <a:lumOff val="50000"/>
+              </a:schemeClr>
+            </a:solidFill>
+            <a:tailEnd type="none"/>
+          </a:ln>
+        </p:spPr>
+        <p:style>
+          <a:lnRef idx="1">
+            <a:schemeClr val="accent1"/>
+          </a:lnRef>
+          <a:fillRef idx="0">
+            <a:schemeClr val="accent1"/>
+          </a:fillRef>
+          <a:effectRef idx="0">
+            <a:schemeClr val="accent1"/>
+          </a:effectRef>
+          <a:fontRef idx="minor">
+            <a:schemeClr val="tx1"/>
+          </a:fontRef>
+        </p:style>
+      </p:cxnSp>
+      <p:sp>
+        <p:nvSpPr>
+          <p:cNvPr id="25" name="Rectangle 24">
+            <a:extLst>
+              <a:ext uri="{FF2B5EF4-FFF2-40B4-BE49-F238E27FC236}">
+                <a16:creationId xmlns:a16="http://schemas.microsoft.com/office/drawing/2014/main" id="{B95B3AE1-ED91-4DC5-BDAC-199CB34401B5}"/>
+              </a:ext>
+            </a:extLst>
+          </p:cNvPr>
+          <p:cNvSpPr/>
+          <p:nvPr/>
+        </p:nvSpPr>
+        <p:spPr>
+          <a:xfrm>
+            <a:off x="793462" y="3750512"/>
+            <a:ext cx="2224057" cy="955696"/>
+          </a:xfrm>
+          <a:prstGeom prst="rect">
+            <a:avLst/>
+          </a:prstGeom>
+          <a:solidFill>
+            <a:schemeClr val="accent2">
+              <a:lumMod val="50000"/>
+            </a:schemeClr>
+          </a:solidFill>
+          <a:ln>
+            <a:noFill/>
+          </a:ln>
+          <a:effectLst>
+            <a:outerShdw blurRad="50800" dist="38100" dir="2700000" algn="tl" rotWithShape="0">
+              <a:prstClr val="black">
+                <a:alpha val="40000"/>
+              </a:prstClr>
+            </a:outerShdw>
+          </a:effectLst>
+        </p:spPr>
+        <p:style>
+          <a:lnRef idx="2">
+            <a:schemeClr val="accent1">
+              <a:shade val="50000"/>
+            </a:schemeClr>
+          </a:lnRef>
+          <a:fillRef idx="1">
+            <a:schemeClr val="accent1"/>
+          </a:fillRef>
+          <a:effectRef idx="0">
+            <a:schemeClr val="accent1"/>
+          </a:effectRef>
+          <a:fontRef idx="minor">
+            <a:schemeClr val="lt1"/>
+          </a:fontRef>
+        </p:style>
+        <p:txBody>
+          <a:bodyPr rtlCol="0" anchor="ctr"/>
+          <a:lstStyle/>
+          <a:p>
+            <a:pPr algn="ctr"/>
+            <a:r>
+              <a:rPr lang="en-US" dirty="0" err="1"/>
+              <a:t>MetricLearning</a:t>
+            </a:r>
+            <a:r>
+              <a:rPr lang="en-US" dirty="0"/>
+              <a:t>/</a:t>
+            </a:r>
+            <a:endParaRPr lang="en-AU" dirty="0"/>
+          </a:p>
+        </p:txBody>
+      </p:sp>
+      <p:sp>
+        <p:nvSpPr>
+          <p:cNvPr id="27" name="Rectangle 26">
+            <a:extLst>
+              <a:ext uri="{FF2B5EF4-FFF2-40B4-BE49-F238E27FC236}">
+                <a16:creationId xmlns:a16="http://schemas.microsoft.com/office/drawing/2014/main" id="{B438CC84-3BB7-41FB-BC6C-32C65C9905DE}"/>
+              </a:ext>
+            </a:extLst>
+          </p:cNvPr>
+          <p:cNvSpPr/>
+          <p:nvPr/>
+        </p:nvSpPr>
+        <p:spPr>
+          <a:xfrm>
+            <a:off x="5054758" y="3750513"/>
+            <a:ext cx="2224057" cy="955696"/>
+          </a:xfrm>
+          <a:prstGeom prst="rect">
+            <a:avLst/>
+          </a:prstGeom>
+          <a:solidFill>
+            <a:schemeClr val="accent2">
+              <a:lumMod val="50000"/>
+            </a:schemeClr>
+          </a:solidFill>
+          <a:ln>
+            <a:noFill/>
+          </a:ln>
+          <a:effectLst>
+            <a:outerShdw blurRad="50800" dist="38100" dir="2700000" algn="tl" rotWithShape="0">
+              <a:prstClr val="black">
+                <a:alpha val="40000"/>
+              </a:prstClr>
+            </a:outerShdw>
+          </a:effectLst>
+        </p:spPr>
+        <p:style>
+          <a:lnRef idx="2">
+            <a:schemeClr val="accent1">
+              <a:shade val="50000"/>
+            </a:schemeClr>
+          </a:lnRef>
+          <a:fillRef idx="1">
+            <a:schemeClr val="accent1"/>
+          </a:fillRef>
+          <a:effectRef idx="0">
+            <a:schemeClr val="accent1"/>
+          </a:effectRef>
+          <a:fontRef idx="minor">
+            <a:schemeClr val="lt1"/>
+          </a:fontRef>
+        </p:style>
+        <p:txBody>
+          <a:bodyPr rtlCol="0" anchor="ctr"/>
+          <a:lstStyle/>
+          <a:p>
+            <a:pPr algn="ctr"/>
+            <a:r>
+              <a:rPr lang="en-US" dirty="0"/>
+              <a:t>GNN/</a:t>
+            </a:r>
+            <a:endParaRPr lang="en-AU" dirty="0"/>
+          </a:p>
+        </p:txBody>
+      </p:sp>
+      <p:cxnSp>
+        <p:nvCxnSpPr>
+          <p:cNvPr id="30" name="Connector: Elbow 29">
+            <a:extLst>
+              <a:ext uri="{FF2B5EF4-FFF2-40B4-BE49-F238E27FC236}">
+                <a16:creationId xmlns:a16="http://schemas.microsoft.com/office/drawing/2014/main" id="{958CEE63-2B4B-4D26-928B-9CAED8AAA74C}"/>
+              </a:ext>
+            </a:extLst>
+          </p:cNvPr>
+          <p:cNvCxnSpPr>
+            <a:cxnSpLocks/>
+            <a:stCxn id="4" idx="2"/>
+            <a:endCxn id="27" idx="0"/>
+          </p:cNvCxnSpPr>
+          <p:nvPr/>
+        </p:nvCxnSpPr>
+        <p:spPr>
+          <a:xfrm rot="16200000" flipH="1">
+            <a:off x="4233768" y="1817494"/>
+            <a:ext cx="716770" cy="3149267"/>
+          </a:xfrm>
+          <a:prstGeom prst="bentConnector3">
+            <a:avLst>
+              <a:gd name="adj1" fmla="val 50000"/>
+            </a:avLst>
+          </a:prstGeom>
+          <a:ln w="15875">
+            <a:solidFill>
+              <a:schemeClr val="tx1">
+                <a:lumMod val="50000"/>
+                <a:lumOff val="50000"/>
+              </a:schemeClr>
+            </a:solidFill>
+            <a:tailEnd type="none"/>
+          </a:ln>
+        </p:spPr>
+        <p:style>
+          <a:lnRef idx="1">
+            <a:schemeClr val="accent1"/>
+          </a:lnRef>
+          <a:fillRef idx="0">
+            <a:schemeClr val="accent1"/>
+          </a:fillRef>
+          <a:effectRef idx="0">
+            <a:schemeClr val="accent1"/>
+          </a:effectRef>
+          <a:fontRef idx="minor">
+            <a:schemeClr val="tx1"/>
+          </a:fontRef>
+        </p:style>
+      </p:cxnSp>
+      <p:cxnSp>
+        <p:nvCxnSpPr>
+          <p:cNvPr id="33" name="Connector: Elbow 32">
+            <a:extLst>
+              <a:ext uri="{FF2B5EF4-FFF2-40B4-BE49-F238E27FC236}">
+                <a16:creationId xmlns:a16="http://schemas.microsoft.com/office/drawing/2014/main" id="{0849BC6B-C556-49A8-A30B-26F8E7558691}"/>
+              </a:ext>
+            </a:extLst>
+          </p:cNvPr>
+          <p:cNvCxnSpPr>
+            <a:cxnSpLocks/>
+            <a:stCxn id="4" idx="2"/>
+            <a:endCxn id="25" idx="0"/>
+          </p:cNvCxnSpPr>
+          <p:nvPr/>
+        </p:nvCxnSpPr>
+        <p:spPr>
+          <a:xfrm rot="5400000">
+            <a:off x="2103122" y="2836113"/>
+            <a:ext cx="716769" cy="1112029"/>
+          </a:xfrm>
+          <a:prstGeom prst="bentConnector3">
+            <a:avLst>
+              <a:gd name="adj1" fmla="val 50000"/>
+            </a:avLst>
+          </a:prstGeom>
+          <a:ln w="15875">
+            <a:solidFill>
+              <a:schemeClr val="tx1">
+                <a:lumMod val="50000"/>
+                <a:lumOff val="50000"/>
+              </a:schemeClr>
+            </a:solidFill>
+            <a:tailEnd type="none"/>
+          </a:ln>
+        </p:spPr>
+        <p:style>
+          <a:lnRef idx="1">
+            <a:schemeClr val="accent1"/>
+          </a:lnRef>
+          <a:fillRef idx="0">
+            <a:schemeClr val="accent1"/>
+          </a:fillRef>
+          <a:effectRef idx="0">
+            <a:schemeClr val="accent1"/>
+          </a:effectRef>
+          <a:fontRef idx="minor">
+            <a:schemeClr val="tx1"/>
+          </a:fontRef>
+        </p:style>
+      </p:cxnSp>
+      <p:sp>
+        <p:nvSpPr>
+          <p:cNvPr id="37" name="Rectangle 36">
+            <a:extLst>
+              <a:ext uri="{FF2B5EF4-FFF2-40B4-BE49-F238E27FC236}">
+                <a16:creationId xmlns:a16="http://schemas.microsoft.com/office/drawing/2014/main" id="{04EE97D3-DF46-4983-8FF8-AE3D27E9EF7C}"/>
+              </a:ext>
+            </a:extLst>
+          </p:cNvPr>
+          <p:cNvSpPr/>
+          <p:nvPr/>
+        </p:nvSpPr>
+        <p:spPr>
+          <a:xfrm>
+            <a:off x="1910402" y="5422977"/>
+            <a:ext cx="2224057" cy="955696"/>
+          </a:xfrm>
+          <a:prstGeom prst="rect">
+            <a:avLst/>
+          </a:prstGeom>
+          <a:solidFill>
+            <a:schemeClr val="accent4">
+              <a:lumMod val="50000"/>
+            </a:schemeClr>
+          </a:solidFill>
+          <a:ln>
+            <a:noFill/>
+          </a:ln>
+          <a:effectLst>
+            <a:outerShdw blurRad="50800" dist="38100" dir="2700000" algn="tl" rotWithShape="0">
+              <a:prstClr val="black">
+                <a:alpha val="40000"/>
+              </a:prstClr>
+            </a:outerShdw>
+          </a:effectLst>
+        </p:spPr>
+        <p:style>
+          <a:lnRef idx="2">
+            <a:schemeClr val="accent1">
+              <a:shade val="50000"/>
+            </a:schemeClr>
+          </a:lnRef>
+          <a:fillRef idx="1">
+            <a:schemeClr val="accent1"/>
+          </a:fillRef>
+          <a:effectRef idx="0">
+            <a:schemeClr val="accent1"/>
+          </a:effectRef>
+          <a:fontRef idx="minor">
+            <a:schemeClr val="lt1"/>
+          </a:fontRef>
+        </p:style>
+        <p:txBody>
+          <a:bodyPr rtlCol="0" anchor="ctr"/>
+          <a:lstStyle/>
+          <a:p>
+            <a:pPr algn="ctr"/>
+            <a:r>
+              <a:rPr lang="en-US" sz="1600" dirty="0">
+                <a:latin typeface="Consolas" panose="020B0609020204030204" pitchFamily="49" charset="0"/>
+              </a:rPr>
+              <a:t>gnn_base.py</a:t>
+            </a:r>
+            <a:endParaRPr lang="en-AU" sz="1600" dirty="0">
+              <a:latin typeface="Consolas" panose="020B0609020204030204" pitchFamily="49" charset="0"/>
+            </a:endParaRPr>
+          </a:p>
+        </p:txBody>
+      </p:sp>
+      <p:sp>
+        <p:nvSpPr>
+          <p:cNvPr id="39" name="Rectangle 38">
+            <a:extLst>
+              <a:ext uri="{FF2B5EF4-FFF2-40B4-BE49-F238E27FC236}">
+                <a16:creationId xmlns:a16="http://schemas.microsoft.com/office/drawing/2014/main" id="{EAA56939-CBD7-4F87-95C3-E91AE981EF81}"/>
+              </a:ext>
+            </a:extLst>
+          </p:cNvPr>
+          <p:cNvSpPr/>
+          <p:nvPr/>
+        </p:nvSpPr>
+        <p:spPr>
+          <a:xfrm>
+            <a:off x="5054757" y="5422984"/>
+            <a:ext cx="2224057" cy="955696"/>
+          </a:xfrm>
+          <a:prstGeom prst="rect">
+            <a:avLst/>
+          </a:prstGeom>
+          <a:solidFill>
+            <a:schemeClr val="accent4">
+              <a:lumMod val="50000"/>
+            </a:schemeClr>
+          </a:solidFill>
+          <a:ln>
+            <a:noFill/>
+          </a:ln>
+          <a:effectLst>
+            <a:outerShdw blurRad="50800" dist="38100" dir="2700000" algn="tl" rotWithShape="0">
+              <a:prstClr val="black">
+                <a:alpha val="40000"/>
+              </a:prstClr>
+            </a:outerShdw>
+          </a:effectLst>
+        </p:spPr>
+        <p:style>
+          <a:lnRef idx="2">
+            <a:schemeClr val="accent1">
+              <a:shade val="50000"/>
+            </a:schemeClr>
+          </a:lnRef>
+          <a:fillRef idx="1">
+            <a:schemeClr val="accent1"/>
+          </a:fillRef>
+          <a:effectRef idx="0">
+            <a:schemeClr val="accent1"/>
+          </a:effectRef>
+          <a:fontRef idx="minor">
+            <a:schemeClr val="lt1"/>
+          </a:fontRef>
+        </p:style>
+        <p:txBody>
+          <a:bodyPr rtlCol="0" anchor="ctr"/>
+          <a:lstStyle/>
+          <a:p>
+            <a:pPr algn="ctr"/>
+            <a:r>
+              <a:rPr lang="en-US" dirty="0"/>
+              <a:t>Models/</a:t>
+            </a:r>
+            <a:r>
+              <a:rPr lang="en-US" sz="1600" dirty="0">
+                <a:latin typeface="Consolas" panose="020B0609020204030204" pitchFamily="49" charset="0"/>
+              </a:rPr>
+              <a:t>AGNN.py</a:t>
+            </a:r>
+            <a:endParaRPr lang="en-AU" dirty="0">
+              <a:latin typeface="Consolas" panose="020B0609020204030204" pitchFamily="49" charset="0"/>
+            </a:endParaRPr>
+          </a:p>
+        </p:txBody>
+      </p:sp>
+      <p:sp>
+        <p:nvSpPr>
+          <p:cNvPr id="43" name="Rectangle 42">
+            <a:extLst>
+              <a:ext uri="{FF2B5EF4-FFF2-40B4-BE49-F238E27FC236}">
+                <a16:creationId xmlns:a16="http://schemas.microsoft.com/office/drawing/2014/main" id="{8E1C559A-A72A-4A34-A0A5-F4EC57BD3BF5}"/>
+              </a:ext>
+            </a:extLst>
+          </p:cNvPr>
+          <p:cNvSpPr/>
+          <p:nvPr/>
+        </p:nvSpPr>
+        <p:spPr>
+          <a:xfrm>
+            <a:off x="7687593" y="5273645"/>
+            <a:ext cx="1023037" cy="923330"/>
+          </a:xfrm>
+          <a:prstGeom prst="rect">
+            <a:avLst/>
+          </a:prstGeom>
+          <a:noFill/>
+        </p:spPr>
+        <p:txBody>
+          <a:bodyPr wrap="none" lIns="91440" tIns="45720" rIns="91440" bIns="45720">
+            <a:spAutoFit/>
+          </a:bodyPr>
+          <a:lstStyle/>
+          <a:p>
+            <a:pPr algn="ctr"/>
+            <a:r>
+              <a:rPr lang="en-US" sz="5400" dirty="0">
+                <a:ln w="0"/>
+                <a:effectLst>
+                  <a:outerShdw blurRad="38100" dist="19050" dir="2700000" algn="tl" rotWithShape="0">
+                    <a:schemeClr val="dk1">
+                      <a:alpha val="40000"/>
+                    </a:schemeClr>
+                  </a:outerShdw>
+                </a:effectLst>
+              </a:rPr>
+              <a:t>. . .</a:t>
+            </a:r>
+            <a:endParaRPr lang="en-US" sz="5400" b="0" cap="none" spc="0" dirty="0">
+              <a:ln w="0"/>
+              <a:solidFill>
+                <a:schemeClr val="tx1"/>
+              </a:solidFill>
+              <a:effectLst>
+                <a:outerShdw blurRad="38100" dist="19050" dir="2700000" algn="tl" rotWithShape="0">
+                  <a:schemeClr val="dk1">
+                    <a:alpha val="40000"/>
+                  </a:schemeClr>
+                </a:outerShdw>
+              </a:effectLst>
+            </a:endParaRPr>
+          </a:p>
+        </p:txBody>
+      </p:sp>
+      <p:cxnSp>
+        <p:nvCxnSpPr>
+          <p:cNvPr id="44" name="Connector: Elbow 43">
+            <a:extLst>
+              <a:ext uri="{FF2B5EF4-FFF2-40B4-BE49-F238E27FC236}">
+                <a16:creationId xmlns:a16="http://schemas.microsoft.com/office/drawing/2014/main" id="{4C0CD755-B121-4035-A660-DE2A8B6F405C}"/>
+              </a:ext>
+            </a:extLst>
+          </p:cNvPr>
+          <p:cNvCxnSpPr>
+            <a:cxnSpLocks/>
+            <a:stCxn id="27" idx="2"/>
+            <a:endCxn id="37" idx="0"/>
+          </p:cNvCxnSpPr>
+          <p:nvPr/>
+        </p:nvCxnSpPr>
+        <p:spPr>
+          <a:xfrm rot="5400000">
+            <a:off x="4236225" y="3492415"/>
+            <a:ext cx="716768" cy="3144356"/>
+          </a:xfrm>
+          <a:prstGeom prst="bentConnector3">
+            <a:avLst>
+              <a:gd name="adj1" fmla="val 50000"/>
+            </a:avLst>
+          </a:prstGeom>
+          <a:ln w="15875">
+            <a:solidFill>
+              <a:schemeClr val="tx1">
+                <a:lumMod val="50000"/>
+                <a:lumOff val="50000"/>
+              </a:schemeClr>
+            </a:solidFill>
+            <a:tailEnd type="none"/>
+          </a:ln>
+        </p:spPr>
+        <p:style>
+          <a:lnRef idx="1">
+            <a:schemeClr val="accent1"/>
+          </a:lnRef>
+          <a:fillRef idx="0">
+            <a:schemeClr val="accent1"/>
+          </a:fillRef>
+          <a:effectRef idx="0">
+            <a:schemeClr val="accent1"/>
+          </a:effectRef>
+          <a:fontRef idx="minor">
+            <a:schemeClr val="tx1"/>
+          </a:fontRef>
+        </p:style>
+      </p:cxnSp>
+      <p:cxnSp>
+        <p:nvCxnSpPr>
+          <p:cNvPr id="47" name="Connector: Elbow 46">
+            <a:extLst>
+              <a:ext uri="{FF2B5EF4-FFF2-40B4-BE49-F238E27FC236}">
+                <a16:creationId xmlns:a16="http://schemas.microsoft.com/office/drawing/2014/main" id="{AA60D31A-E61C-4D63-AA7F-ED8C643E9CE0}"/>
+              </a:ext>
+            </a:extLst>
+          </p:cNvPr>
+          <p:cNvCxnSpPr>
+            <a:cxnSpLocks/>
+            <a:stCxn id="27" idx="2"/>
+            <a:endCxn id="39" idx="0"/>
+          </p:cNvCxnSpPr>
+          <p:nvPr/>
+        </p:nvCxnSpPr>
+        <p:spPr>
+          <a:xfrm rot="5400000">
+            <a:off x="5808400" y="5064596"/>
+            <a:ext cx="716775" cy="1"/>
+          </a:xfrm>
+          <a:prstGeom prst="bentConnector3">
+            <a:avLst>
+              <a:gd name="adj1" fmla="val 50000"/>
+            </a:avLst>
+          </a:prstGeom>
+          <a:ln w="15875">
+            <a:solidFill>
+              <a:schemeClr val="tx1">
+                <a:lumMod val="50000"/>
+                <a:lumOff val="50000"/>
+              </a:schemeClr>
+            </a:solidFill>
+            <a:tailEnd type="none"/>
+          </a:ln>
+        </p:spPr>
+        <p:style>
+          <a:lnRef idx="1">
+            <a:schemeClr val="accent1"/>
+          </a:lnRef>
+          <a:fillRef idx="0">
+            <a:schemeClr val="accent1"/>
+          </a:fillRef>
+          <a:effectRef idx="0">
+            <a:schemeClr val="accent1"/>
+          </a:effectRef>
+          <a:fontRef idx="minor">
+            <a:schemeClr val="tx1"/>
+          </a:fontRef>
+        </p:style>
+      </p:cxnSp>
+      <p:sp>
+        <p:nvSpPr>
+          <p:cNvPr id="5" name="Rectangle 4">
+            <a:extLst>
+              <a:ext uri="{FF2B5EF4-FFF2-40B4-BE49-F238E27FC236}">
+                <a16:creationId xmlns:a16="http://schemas.microsoft.com/office/drawing/2014/main" id="{7B508FF5-41F8-474E-9F8F-AA2247C11CE8}"/>
+              </a:ext>
+            </a:extLst>
+          </p:cNvPr>
+          <p:cNvSpPr/>
+          <p:nvPr/>
+        </p:nvSpPr>
+        <p:spPr>
+          <a:xfrm>
+            <a:off x="3524621" y="3663418"/>
+            <a:ext cx="1023037" cy="923330"/>
+          </a:xfrm>
+          <a:prstGeom prst="rect">
+            <a:avLst/>
+          </a:prstGeom>
+          <a:noFill/>
+        </p:spPr>
+        <p:txBody>
+          <a:bodyPr wrap="none" lIns="91440" tIns="45720" rIns="91440" bIns="45720">
+            <a:spAutoFit/>
+          </a:bodyPr>
+          <a:lstStyle/>
+          <a:p>
+            <a:pPr algn="ctr"/>
+            <a:r>
+              <a:rPr lang="en-US" sz="5400" dirty="0">
+                <a:ln w="0"/>
+                <a:effectLst>
+                  <a:outerShdw blurRad="38100" dist="19050" dir="2700000" algn="tl" rotWithShape="0">
+                    <a:schemeClr val="dk1">
+                      <a:alpha val="40000"/>
+                    </a:schemeClr>
+                  </a:outerShdw>
+                </a:effectLst>
+              </a:rPr>
+              <a:t>. . .</a:t>
+            </a:r>
+            <a:endParaRPr lang="en-US" sz="5400" b="0" cap="none" spc="0" dirty="0">
+              <a:ln w="0"/>
+              <a:solidFill>
+                <a:schemeClr val="tx1"/>
+              </a:solidFill>
+              <a:effectLst>
+                <a:outerShdw blurRad="38100" dist="19050" dir="2700000" algn="tl" rotWithShape="0">
+                  <a:schemeClr val="dk1">
+                    <a:alpha val="40000"/>
+                  </a:schemeClr>
+                </a:outerShdw>
+              </a:effectLst>
+            </a:endParaRPr>
+          </a:p>
+        </p:txBody>
+      </p:sp>
+      <p:sp>
+        <p:nvSpPr>
+          <p:cNvPr id="61" name="Rectangle 60">
+            <a:extLst>
+              <a:ext uri="{FF2B5EF4-FFF2-40B4-BE49-F238E27FC236}">
+                <a16:creationId xmlns:a16="http://schemas.microsoft.com/office/drawing/2014/main" id="{240CA837-610E-4FA4-9A8A-971F0CFD5A7D}"/>
+              </a:ext>
+            </a:extLst>
+          </p:cNvPr>
+          <p:cNvSpPr/>
+          <p:nvPr/>
+        </p:nvSpPr>
+        <p:spPr>
+          <a:xfrm>
+            <a:off x="9013225" y="5422977"/>
+            <a:ext cx="2224057" cy="955696"/>
+          </a:xfrm>
+          <a:prstGeom prst="rect">
+            <a:avLst/>
+          </a:prstGeom>
+          <a:solidFill>
+            <a:schemeClr val="accent4">
+              <a:lumMod val="50000"/>
+            </a:schemeClr>
+          </a:solidFill>
+          <a:ln>
+            <a:noFill/>
+          </a:ln>
+          <a:effectLst>
+            <a:outerShdw blurRad="50800" dist="38100" dir="2700000" algn="tl" rotWithShape="0">
+              <a:prstClr val="black">
+                <a:alpha val="40000"/>
+              </a:prstClr>
+            </a:outerShdw>
+          </a:effectLst>
+        </p:spPr>
+        <p:style>
+          <a:lnRef idx="2">
+            <a:schemeClr val="accent1">
+              <a:shade val="50000"/>
+            </a:schemeClr>
+          </a:lnRef>
+          <a:fillRef idx="1">
+            <a:schemeClr val="accent1"/>
+          </a:fillRef>
+          <a:effectRef idx="0">
+            <a:schemeClr val="accent1"/>
+          </a:effectRef>
+          <a:fontRef idx="minor">
+            <a:schemeClr val="lt1"/>
+          </a:fontRef>
+        </p:style>
+        <p:txBody>
+          <a:bodyPr rtlCol="0" anchor="ctr"/>
+          <a:lstStyle/>
+          <a:p>
+            <a:pPr algn="ctr"/>
+            <a:r>
+              <a:rPr lang="en-US" dirty="0"/>
+              <a:t>Models/</a:t>
+            </a:r>
+            <a:r>
+              <a:rPr lang="en-US" sz="1600" dirty="0">
+                <a:latin typeface="Consolas" panose="020B0609020204030204" pitchFamily="49" charset="0"/>
+              </a:rPr>
+              <a:t>interaction_ network.py</a:t>
+            </a:r>
+            <a:endParaRPr lang="en-AU" sz="1600" dirty="0">
+              <a:latin typeface="Consolas" panose="020B0609020204030204" pitchFamily="49" charset="0"/>
+            </a:endParaRPr>
+          </a:p>
+        </p:txBody>
+      </p:sp>
+    </p:spTree>
+    <p:extLst>
+      <p:ext uri="{BB962C8B-B14F-4D97-AF65-F5344CB8AC3E}">
+        <p14:creationId xmlns:p14="http://schemas.microsoft.com/office/powerpoint/2010/main" val="3524529325"/>
       </p:ext>
     </p:extLst>
   </p:cSld>
